--- a/Presentation2.pptx
+++ b/Presentation2.pptx
@@ -1,15 +1,27 @@
 
 <file path=ppt/presentation.xml><?xml version="1.0" encoding="utf-8"?>
-<p:presentation xmlns:a="http://schemas.openxmlformats.org/drawingml/2006/main" xmlns:r="http://schemas.openxmlformats.org/officeDocument/2006/relationships" xmlns:p="http://schemas.openxmlformats.org/presentationml/2006/main" saveSubsetFonts="1" autoCompressPictures="0">
+<p:presentation xmlns:a="http://schemas.openxmlformats.org/drawingml/2006/main" xmlns:r="http://schemas.openxmlformats.org/officeDocument/2006/relationships" xmlns:p="http://schemas.openxmlformats.org/presentationml/2006/main" showSpecialPlsOnTitleSld="0" saveSubsetFonts="1" autoCompressPictures="0">
   <p:sldMasterIdLst>
     <p:sldMasterId id="2147483648" r:id="rId1"/>
   </p:sldMasterIdLst>
+  <p:notesMasterIdLst>
+    <p:notesMasterId r:id="rId16"/>
+  </p:notesMasterIdLst>
   <p:sldIdLst>
     <p:sldId id="256" r:id="rId2"/>
     <p:sldId id="257" r:id="rId3"/>
-    <p:sldId id="260" r:id="rId4"/>
-    <p:sldId id="258" r:id="rId5"/>
-    <p:sldId id="259" r:id="rId6"/>
+    <p:sldId id="270" r:id="rId4"/>
+    <p:sldId id="262" r:id="rId5"/>
+    <p:sldId id="263" r:id="rId6"/>
+    <p:sldId id="266" r:id="rId7"/>
+    <p:sldId id="264" r:id="rId8"/>
+    <p:sldId id="268" r:id="rId9"/>
+    <p:sldId id="269" r:id="rId10"/>
+    <p:sldId id="258" r:id="rId11"/>
+    <p:sldId id="271" r:id="rId12"/>
+    <p:sldId id="259" r:id="rId13"/>
+    <p:sldId id="260" r:id="rId14"/>
+    <p:sldId id="261" r:id="rId15"/>
   </p:sldIdLst>
   <p:sldSz cx="12192000" cy="6858000"/>
   <p:notesSz cx="6858000" cy="9144000"/>
@@ -114,6 +126,860 @@
     </p:ext>
   </p:extLst>
 </p:presentation>
+</file>
+
+<file path=ppt/notesMasters/notesMaster1.xml><?xml version="1.0" encoding="utf-8"?>
+<p:notesMaster xmlns:a="http://schemas.openxmlformats.org/drawingml/2006/main" xmlns:r="http://schemas.openxmlformats.org/officeDocument/2006/relationships" xmlns:p="http://schemas.openxmlformats.org/presentationml/2006/main">
+  <p:cSld>
+    <p:bg>
+      <p:bgRef idx="1001">
+        <a:schemeClr val="bg1"/>
+      </p:bgRef>
+    </p:bg>
+    <p:spTree>
+      <p:nvGrpSpPr>
+        <p:cNvPr id="1" name=""/>
+        <p:cNvGrpSpPr/>
+        <p:nvPr/>
+      </p:nvGrpSpPr>
+      <p:grpSpPr>
+        <a:xfrm>
+          <a:off x="0" y="0"/>
+          <a:ext cx="0" cy="0"/>
+          <a:chOff x="0" y="0"/>
+          <a:chExt cx="0" cy="0"/>
+        </a:xfrm>
+      </p:grpSpPr>
+      <p:sp>
+        <p:nvSpPr>
+          <p:cNvPr id="2" name="Header Placeholder 1"/>
+          <p:cNvSpPr>
+            <a:spLocks noGrp="1"/>
+          </p:cNvSpPr>
+          <p:nvPr>
+            <p:ph type="hdr" sz="quarter"/>
+          </p:nvPr>
+        </p:nvSpPr>
+        <p:spPr>
+          <a:xfrm>
+            <a:off x="0" y="0"/>
+            <a:ext cx="2971800" cy="458788"/>
+          </a:xfrm>
+          <a:prstGeom prst="rect">
+            <a:avLst/>
+          </a:prstGeom>
+        </p:spPr>
+        <p:txBody>
+          <a:bodyPr vert="horz" lIns="91440" tIns="45720" rIns="91440" bIns="45720" rtlCol="0"/>
+          <a:lstStyle>
+            <a:lvl1pPr algn="l">
+              <a:defRPr sz="1200"/>
+            </a:lvl1pPr>
+          </a:lstStyle>
+          <a:p>
+            <a:endParaRPr lang="en-US"/>
+          </a:p>
+        </p:txBody>
+      </p:sp>
+      <p:sp>
+        <p:nvSpPr>
+          <p:cNvPr id="3" name="Date Placeholder 2"/>
+          <p:cNvSpPr>
+            <a:spLocks noGrp="1"/>
+          </p:cNvSpPr>
+          <p:nvPr>
+            <p:ph type="dt" idx="1"/>
+          </p:nvPr>
+        </p:nvSpPr>
+        <p:spPr>
+          <a:xfrm>
+            <a:off x="3884613" y="0"/>
+            <a:ext cx="2971800" cy="458788"/>
+          </a:xfrm>
+          <a:prstGeom prst="rect">
+            <a:avLst/>
+          </a:prstGeom>
+        </p:spPr>
+        <p:txBody>
+          <a:bodyPr vert="horz" lIns="91440" tIns="45720" rIns="91440" bIns="45720" rtlCol="0"/>
+          <a:lstStyle>
+            <a:lvl1pPr algn="r">
+              <a:defRPr sz="1200"/>
+            </a:lvl1pPr>
+          </a:lstStyle>
+          <a:p>
+            <a:fld id="{488EB10F-3C90-CB40-9F9D-C83C205EDE3E}" type="datetimeFigureOut">
+              <a:rPr lang="en-US" smtClean="0"/>
+              <a:t>10/30/2017</a:t>
+            </a:fld>
+            <a:endParaRPr lang="en-US"/>
+          </a:p>
+        </p:txBody>
+      </p:sp>
+      <p:sp>
+        <p:nvSpPr>
+          <p:cNvPr id="4" name="Slide Image Placeholder 3"/>
+          <p:cNvSpPr>
+            <a:spLocks noGrp="1" noRot="1" noChangeAspect="1"/>
+          </p:cNvSpPr>
+          <p:nvPr>
+            <p:ph type="sldImg" idx="2"/>
+          </p:nvPr>
+        </p:nvSpPr>
+        <p:spPr>
+          <a:xfrm>
+            <a:off x="685800" y="1143000"/>
+            <a:ext cx="5486400" cy="3086100"/>
+          </a:xfrm>
+          <a:prstGeom prst="rect">
+            <a:avLst/>
+          </a:prstGeom>
+          <a:noFill/>
+          <a:ln w="12700">
+            <a:solidFill>
+              <a:prstClr val="black"/>
+            </a:solidFill>
+          </a:ln>
+        </p:spPr>
+        <p:txBody>
+          <a:bodyPr vert="horz" lIns="91440" tIns="45720" rIns="91440" bIns="45720" rtlCol="0" anchor="ctr"/>
+          <a:lstStyle/>
+          <a:p>
+            <a:endParaRPr lang="en-US"/>
+          </a:p>
+        </p:txBody>
+      </p:sp>
+      <p:sp>
+        <p:nvSpPr>
+          <p:cNvPr id="5" name="Notes Placeholder 4"/>
+          <p:cNvSpPr>
+            <a:spLocks noGrp="1"/>
+          </p:cNvSpPr>
+          <p:nvPr>
+            <p:ph type="body" sz="quarter" idx="3"/>
+          </p:nvPr>
+        </p:nvSpPr>
+        <p:spPr>
+          <a:xfrm>
+            <a:off x="685800" y="4400550"/>
+            <a:ext cx="5486400" cy="3600450"/>
+          </a:xfrm>
+          <a:prstGeom prst="rect">
+            <a:avLst/>
+          </a:prstGeom>
+        </p:spPr>
+        <p:txBody>
+          <a:bodyPr vert="horz" lIns="91440" tIns="45720" rIns="91440" bIns="45720" rtlCol="0"/>
+          <a:lstStyle/>
+          <a:p>
+            <a:pPr lvl="0"/>
+            <a:r>
+              <a:rPr lang="en-US" smtClean="0"/>
+              <a:t>Click to edit Master text styles</a:t>
+            </a:r>
+          </a:p>
+          <a:p>
+            <a:pPr lvl="1"/>
+            <a:r>
+              <a:rPr lang="en-US" smtClean="0"/>
+              <a:t>Second level</a:t>
+            </a:r>
+          </a:p>
+          <a:p>
+            <a:pPr lvl="2"/>
+            <a:r>
+              <a:rPr lang="en-US" smtClean="0"/>
+              <a:t>Third level</a:t>
+            </a:r>
+          </a:p>
+          <a:p>
+            <a:pPr lvl="3"/>
+            <a:r>
+              <a:rPr lang="en-US" smtClean="0"/>
+              <a:t>Fourth level</a:t>
+            </a:r>
+          </a:p>
+          <a:p>
+            <a:pPr lvl="4"/>
+            <a:r>
+              <a:rPr lang="en-US" smtClean="0"/>
+              <a:t>Fifth level</a:t>
+            </a:r>
+            <a:endParaRPr lang="en-US"/>
+          </a:p>
+        </p:txBody>
+      </p:sp>
+      <p:sp>
+        <p:nvSpPr>
+          <p:cNvPr id="6" name="Footer Placeholder 5"/>
+          <p:cNvSpPr>
+            <a:spLocks noGrp="1"/>
+          </p:cNvSpPr>
+          <p:nvPr>
+            <p:ph type="ftr" sz="quarter" idx="4"/>
+          </p:nvPr>
+        </p:nvSpPr>
+        <p:spPr>
+          <a:xfrm>
+            <a:off x="0" y="8685213"/>
+            <a:ext cx="2971800" cy="458787"/>
+          </a:xfrm>
+          <a:prstGeom prst="rect">
+            <a:avLst/>
+          </a:prstGeom>
+        </p:spPr>
+        <p:txBody>
+          <a:bodyPr vert="horz" lIns="91440" tIns="45720" rIns="91440" bIns="45720" rtlCol="0" anchor="b"/>
+          <a:lstStyle>
+            <a:lvl1pPr algn="l">
+              <a:defRPr sz="1200"/>
+            </a:lvl1pPr>
+          </a:lstStyle>
+          <a:p>
+            <a:endParaRPr lang="en-US"/>
+          </a:p>
+        </p:txBody>
+      </p:sp>
+      <p:sp>
+        <p:nvSpPr>
+          <p:cNvPr id="7" name="Slide Number Placeholder 6"/>
+          <p:cNvSpPr>
+            <a:spLocks noGrp="1"/>
+          </p:cNvSpPr>
+          <p:nvPr>
+            <p:ph type="sldNum" sz="quarter" idx="5"/>
+          </p:nvPr>
+        </p:nvSpPr>
+        <p:spPr>
+          <a:xfrm>
+            <a:off x="3884613" y="8685213"/>
+            <a:ext cx="2971800" cy="458787"/>
+          </a:xfrm>
+          <a:prstGeom prst="rect">
+            <a:avLst/>
+          </a:prstGeom>
+        </p:spPr>
+        <p:txBody>
+          <a:bodyPr vert="horz" lIns="91440" tIns="45720" rIns="91440" bIns="45720" rtlCol="0" anchor="b"/>
+          <a:lstStyle>
+            <a:lvl1pPr algn="r">
+              <a:defRPr sz="1200"/>
+            </a:lvl1pPr>
+          </a:lstStyle>
+          <a:p>
+            <a:fld id="{7A8B98E8-90E1-714F-ADAB-B54AC70D6345}" type="slidenum">
+              <a:rPr lang="en-US" smtClean="0"/>
+              <a:t>‹#›</a:t>
+            </a:fld>
+            <a:endParaRPr lang="en-US"/>
+          </a:p>
+        </p:txBody>
+      </p:sp>
+    </p:spTree>
+    <p:extLst>
+      <p:ext uri="{BB962C8B-B14F-4D97-AF65-F5344CB8AC3E}">
+        <p14:creationId xmlns:p14="http://schemas.microsoft.com/office/powerpoint/2010/main" val="81271577"/>
+      </p:ext>
+    </p:extLst>
+  </p:cSld>
+  <p:clrMap bg1="lt1" tx1="dk1" bg2="lt2" tx2="dk2" accent1="accent1" accent2="accent2" accent3="accent3" accent4="accent4" accent5="accent5" accent6="accent6" hlink="hlink" folHlink="folHlink"/>
+  <p:notesStyle>
+    <a:lvl1pPr marL="0" algn="l" defTabSz="914400" rtl="0" eaLnBrk="1" latinLnBrk="0" hangingPunct="1">
+      <a:defRPr sz="1200" kern="1200">
+        <a:solidFill>
+          <a:schemeClr val="tx1"/>
+        </a:solidFill>
+        <a:latin typeface="+mn-lt"/>
+        <a:ea typeface="+mn-ea"/>
+        <a:cs typeface="+mn-cs"/>
+      </a:defRPr>
+    </a:lvl1pPr>
+    <a:lvl2pPr marL="457200" algn="l" defTabSz="914400" rtl="0" eaLnBrk="1" latinLnBrk="0" hangingPunct="1">
+      <a:defRPr sz="1200" kern="1200">
+        <a:solidFill>
+          <a:schemeClr val="tx1"/>
+        </a:solidFill>
+        <a:latin typeface="+mn-lt"/>
+        <a:ea typeface="+mn-ea"/>
+        <a:cs typeface="+mn-cs"/>
+      </a:defRPr>
+    </a:lvl2pPr>
+    <a:lvl3pPr marL="914400" algn="l" defTabSz="914400" rtl="0" eaLnBrk="1" latinLnBrk="0" hangingPunct="1">
+      <a:defRPr sz="1200" kern="1200">
+        <a:solidFill>
+          <a:schemeClr val="tx1"/>
+        </a:solidFill>
+        <a:latin typeface="+mn-lt"/>
+        <a:ea typeface="+mn-ea"/>
+        <a:cs typeface="+mn-cs"/>
+      </a:defRPr>
+    </a:lvl3pPr>
+    <a:lvl4pPr marL="1371600" algn="l" defTabSz="914400" rtl="0" eaLnBrk="1" latinLnBrk="0" hangingPunct="1">
+      <a:defRPr sz="1200" kern="1200">
+        <a:solidFill>
+          <a:schemeClr val="tx1"/>
+        </a:solidFill>
+        <a:latin typeface="+mn-lt"/>
+        <a:ea typeface="+mn-ea"/>
+        <a:cs typeface="+mn-cs"/>
+      </a:defRPr>
+    </a:lvl4pPr>
+    <a:lvl5pPr marL="1828800" algn="l" defTabSz="914400" rtl="0" eaLnBrk="1" latinLnBrk="0" hangingPunct="1">
+      <a:defRPr sz="1200" kern="1200">
+        <a:solidFill>
+          <a:schemeClr val="tx1"/>
+        </a:solidFill>
+        <a:latin typeface="+mn-lt"/>
+        <a:ea typeface="+mn-ea"/>
+        <a:cs typeface="+mn-cs"/>
+      </a:defRPr>
+    </a:lvl5pPr>
+    <a:lvl6pPr marL="2286000" algn="l" defTabSz="914400" rtl="0" eaLnBrk="1" latinLnBrk="0" hangingPunct="1">
+      <a:defRPr sz="1200" kern="1200">
+        <a:solidFill>
+          <a:schemeClr val="tx1"/>
+        </a:solidFill>
+        <a:latin typeface="+mn-lt"/>
+        <a:ea typeface="+mn-ea"/>
+        <a:cs typeface="+mn-cs"/>
+      </a:defRPr>
+    </a:lvl6pPr>
+    <a:lvl7pPr marL="2743200" algn="l" defTabSz="914400" rtl="0" eaLnBrk="1" latinLnBrk="0" hangingPunct="1">
+      <a:defRPr sz="1200" kern="1200">
+        <a:solidFill>
+          <a:schemeClr val="tx1"/>
+        </a:solidFill>
+        <a:latin typeface="+mn-lt"/>
+        <a:ea typeface="+mn-ea"/>
+        <a:cs typeface="+mn-cs"/>
+      </a:defRPr>
+    </a:lvl7pPr>
+    <a:lvl8pPr marL="3200400" algn="l" defTabSz="914400" rtl="0" eaLnBrk="1" latinLnBrk="0" hangingPunct="1">
+      <a:defRPr sz="1200" kern="1200">
+        <a:solidFill>
+          <a:schemeClr val="tx1"/>
+        </a:solidFill>
+        <a:latin typeface="+mn-lt"/>
+        <a:ea typeface="+mn-ea"/>
+        <a:cs typeface="+mn-cs"/>
+      </a:defRPr>
+    </a:lvl8pPr>
+    <a:lvl9pPr marL="3657600" algn="l" defTabSz="914400" rtl="0" eaLnBrk="1" latinLnBrk="0" hangingPunct="1">
+      <a:defRPr sz="1200" kern="1200">
+        <a:solidFill>
+          <a:schemeClr val="tx1"/>
+        </a:solidFill>
+        <a:latin typeface="+mn-lt"/>
+        <a:ea typeface="+mn-ea"/>
+        <a:cs typeface="+mn-cs"/>
+      </a:defRPr>
+    </a:lvl9pPr>
+  </p:notesStyle>
+</p:notesMaster>
+</file>
+
+<file path=ppt/notesSlides/notesSlide1.xml><?xml version="1.0" encoding="utf-8"?>
+<p:notes xmlns:a="http://schemas.openxmlformats.org/drawingml/2006/main" xmlns:r="http://schemas.openxmlformats.org/officeDocument/2006/relationships" xmlns:p="http://schemas.openxmlformats.org/presentationml/2006/main">
+  <p:cSld>
+    <p:spTree>
+      <p:nvGrpSpPr>
+        <p:cNvPr id="1" name=""/>
+        <p:cNvGrpSpPr/>
+        <p:nvPr/>
+      </p:nvGrpSpPr>
+      <p:grpSpPr>
+        <a:xfrm>
+          <a:off x="0" y="0"/>
+          <a:ext cx="0" cy="0"/>
+          <a:chOff x="0" y="0"/>
+          <a:chExt cx="0" cy="0"/>
+        </a:xfrm>
+      </p:grpSpPr>
+      <p:sp>
+        <p:nvSpPr>
+          <p:cNvPr id="2" name="Slide Image Placeholder 1"/>
+          <p:cNvSpPr>
+            <a:spLocks noGrp="1" noRot="1" noChangeAspect="1"/>
+          </p:cNvSpPr>
+          <p:nvPr>
+            <p:ph type="sldImg"/>
+          </p:nvPr>
+        </p:nvSpPr>
+        <p:spPr/>
+      </p:sp>
+      <p:sp>
+        <p:nvSpPr>
+          <p:cNvPr id="3" name="Notes Placeholder 2"/>
+          <p:cNvSpPr>
+            <a:spLocks noGrp="1"/>
+          </p:cNvSpPr>
+          <p:nvPr>
+            <p:ph type="body" idx="1"/>
+          </p:nvPr>
+        </p:nvSpPr>
+        <p:spPr/>
+        <p:txBody>
+          <a:bodyPr/>
+          <a:lstStyle/>
+          <a:p>
+            <a:endParaRPr lang="en-US"/>
+          </a:p>
+        </p:txBody>
+      </p:sp>
+      <p:sp>
+        <p:nvSpPr>
+          <p:cNvPr id="4" name="Slide Number Placeholder 3"/>
+          <p:cNvSpPr>
+            <a:spLocks noGrp="1"/>
+          </p:cNvSpPr>
+          <p:nvPr>
+            <p:ph type="sldNum" sz="quarter" idx="10"/>
+          </p:nvPr>
+        </p:nvSpPr>
+        <p:spPr/>
+        <p:txBody>
+          <a:bodyPr/>
+          <a:lstStyle/>
+          <a:p>
+            <a:fld id="{7A8B98E8-90E1-714F-ADAB-B54AC70D6345}" type="slidenum">
+              <a:rPr lang="en-US" smtClean="0"/>
+              <a:t>4</a:t>
+            </a:fld>
+            <a:endParaRPr lang="en-US"/>
+          </a:p>
+        </p:txBody>
+      </p:sp>
+    </p:spTree>
+    <p:extLst>
+      <p:ext uri="{BB962C8B-B14F-4D97-AF65-F5344CB8AC3E}">
+        <p14:creationId xmlns:p14="http://schemas.microsoft.com/office/powerpoint/2010/main" val="131795147"/>
+      </p:ext>
+    </p:extLst>
+  </p:cSld>
+  <p:clrMapOvr>
+    <a:masterClrMapping/>
+  </p:clrMapOvr>
+</p:notes>
+</file>
+
+<file path=ppt/notesSlides/notesSlide2.xml><?xml version="1.0" encoding="utf-8"?>
+<p:notes xmlns:a="http://schemas.openxmlformats.org/drawingml/2006/main" xmlns:r="http://schemas.openxmlformats.org/officeDocument/2006/relationships" xmlns:p="http://schemas.openxmlformats.org/presentationml/2006/main">
+  <p:cSld>
+    <p:spTree>
+      <p:nvGrpSpPr>
+        <p:cNvPr id="1" name=""/>
+        <p:cNvGrpSpPr/>
+        <p:nvPr/>
+      </p:nvGrpSpPr>
+      <p:grpSpPr>
+        <a:xfrm>
+          <a:off x="0" y="0"/>
+          <a:ext cx="0" cy="0"/>
+          <a:chOff x="0" y="0"/>
+          <a:chExt cx="0" cy="0"/>
+        </a:xfrm>
+      </p:grpSpPr>
+      <p:sp>
+        <p:nvSpPr>
+          <p:cNvPr id="2" name="Slide Image Placeholder 1"/>
+          <p:cNvSpPr>
+            <a:spLocks noGrp="1" noRot="1" noChangeAspect="1"/>
+          </p:cNvSpPr>
+          <p:nvPr>
+            <p:ph type="sldImg"/>
+          </p:nvPr>
+        </p:nvSpPr>
+        <p:spPr/>
+      </p:sp>
+      <p:sp>
+        <p:nvSpPr>
+          <p:cNvPr id="3" name="Notes Placeholder 2"/>
+          <p:cNvSpPr>
+            <a:spLocks noGrp="1"/>
+          </p:cNvSpPr>
+          <p:nvPr>
+            <p:ph type="body" idx="1"/>
+          </p:nvPr>
+        </p:nvSpPr>
+        <p:spPr/>
+        <p:txBody>
+          <a:bodyPr/>
+          <a:lstStyle/>
+          <a:p>
+            <a:endParaRPr lang="en-US"/>
+          </a:p>
+        </p:txBody>
+      </p:sp>
+      <p:sp>
+        <p:nvSpPr>
+          <p:cNvPr id="4" name="Slide Number Placeholder 3"/>
+          <p:cNvSpPr>
+            <a:spLocks noGrp="1"/>
+          </p:cNvSpPr>
+          <p:nvPr>
+            <p:ph type="sldNum" sz="quarter" idx="10"/>
+          </p:nvPr>
+        </p:nvSpPr>
+        <p:spPr/>
+        <p:txBody>
+          <a:bodyPr/>
+          <a:lstStyle/>
+          <a:p>
+            <a:fld id="{7A8B98E8-90E1-714F-ADAB-B54AC70D6345}" type="slidenum">
+              <a:rPr lang="en-US" smtClean="0"/>
+              <a:t>5</a:t>
+            </a:fld>
+            <a:endParaRPr lang="en-US"/>
+          </a:p>
+        </p:txBody>
+      </p:sp>
+    </p:spTree>
+    <p:extLst>
+      <p:ext uri="{BB962C8B-B14F-4D97-AF65-F5344CB8AC3E}">
+        <p14:creationId xmlns:p14="http://schemas.microsoft.com/office/powerpoint/2010/main" val="557347752"/>
+      </p:ext>
+    </p:extLst>
+  </p:cSld>
+  <p:clrMapOvr>
+    <a:masterClrMapping/>
+  </p:clrMapOvr>
+</p:notes>
+</file>
+
+<file path=ppt/notesSlides/notesSlide3.xml><?xml version="1.0" encoding="utf-8"?>
+<p:notes xmlns:a="http://schemas.openxmlformats.org/drawingml/2006/main" xmlns:r="http://schemas.openxmlformats.org/officeDocument/2006/relationships" xmlns:p="http://schemas.openxmlformats.org/presentationml/2006/main">
+  <p:cSld>
+    <p:spTree>
+      <p:nvGrpSpPr>
+        <p:cNvPr id="1" name=""/>
+        <p:cNvGrpSpPr/>
+        <p:nvPr/>
+      </p:nvGrpSpPr>
+      <p:grpSpPr>
+        <a:xfrm>
+          <a:off x="0" y="0"/>
+          <a:ext cx="0" cy="0"/>
+          <a:chOff x="0" y="0"/>
+          <a:chExt cx="0" cy="0"/>
+        </a:xfrm>
+      </p:grpSpPr>
+      <p:sp>
+        <p:nvSpPr>
+          <p:cNvPr id="2" name="Slide Image Placeholder 1"/>
+          <p:cNvSpPr>
+            <a:spLocks noGrp="1" noRot="1" noChangeAspect="1"/>
+          </p:cNvSpPr>
+          <p:nvPr>
+            <p:ph type="sldImg"/>
+          </p:nvPr>
+        </p:nvSpPr>
+        <p:spPr/>
+      </p:sp>
+      <p:sp>
+        <p:nvSpPr>
+          <p:cNvPr id="3" name="Notes Placeholder 2"/>
+          <p:cNvSpPr>
+            <a:spLocks noGrp="1"/>
+          </p:cNvSpPr>
+          <p:nvPr>
+            <p:ph type="body" idx="1"/>
+          </p:nvPr>
+        </p:nvSpPr>
+        <p:spPr/>
+        <p:txBody>
+          <a:bodyPr/>
+          <a:lstStyle/>
+          <a:p>
+            <a:endParaRPr lang="en-US"/>
+          </a:p>
+        </p:txBody>
+      </p:sp>
+      <p:sp>
+        <p:nvSpPr>
+          <p:cNvPr id="4" name="Slide Number Placeholder 3"/>
+          <p:cNvSpPr>
+            <a:spLocks noGrp="1"/>
+          </p:cNvSpPr>
+          <p:nvPr>
+            <p:ph type="sldNum" sz="quarter" idx="10"/>
+          </p:nvPr>
+        </p:nvSpPr>
+        <p:spPr/>
+        <p:txBody>
+          <a:bodyPr/>
+          <a:lstStyle/>
+          <a:p>
+            <a:fld id="{7A8B98E8-90E1-714F-ADAB-B54AC70D6345}" type="slidenum">
+              <a:rPr lang="en-US" smtClean="0"/>
+              <a:t>6</a:t>
+            </a:fld>
+            <a:endParaRPr lang="en-US"/>
+          </a:p>
+        </p:txBody>
+      </p:sp>
+    </p:spTree>
+    <p:extLst>
+      <p:ext uri="{BB962C8B-B14F-4D97-AF65-F5344CB8AC3E}">
+        <p14:creationId xmlns:p14="http://schemas.microsoft.com/office/powerpoint/2010/main" val="1833681795"/>
+      </p:ext>
+    </p:extLst>
+  </p:cSld>
+  <p:clrMapOvr>
+    <a:masterClrMapping/>
+  </p:clrMapOvr>
+</p:notes>
+</file>
+
+<file path=ppt/notesSlides/notesSlide4.xml><?xml version="1.0" encoding="utf-8"?>
+<p:notes xmlns:a="http://schemas.openxmlformats.org/drawingml/2006/main" xmlns:r="http://schemas.openxmlformats.org/officeDocument/2006/relationships" xmlns:p="http://schemas.openxmlformats.org/presentationml/2006/main">
+  <p:cSld>
+    <p:spTree>
+      <p:nvGrpSpPr>
+        <p:cNvPr id="1" name=""/>
+        <p:cNvGrpSpPr/>
+        <p:nvPr/>
+      </p:nvGrpSpPr>
+      <p:grpSpPr>
+        <a:xfrm>
+          <a:off x="0" y="0"/>
+          <a:ext cx="0" cy="0"/>
+          <a:chOff x="0" y="0"/>
+          <a:chExt cx="0" cy="0"/>
+        </a:xfrm>
+      </p:grpSpPr>
+      <p:sp>
+        <p:nvSpPr>
+          <p:cNvPr id="2" name="Slide Image Placeholder 1"/>
+          <p:cNvSpPr>
+            <a:spLocks noGrp="1" noRot="1" noChangeAspect="1"/>
+          </p:cNvSpPr>
+          <p:nvPr>
+            <p:ph type="sldImg"/>
+          </p:nvPr>
+        </p:nvSpPr>
+        <p:spPr/>
+      </p:sp>
+      <p:sp>
+        <p:nvSpPr>
+          <p:cNvPr id="3" name="Notes Placeholder 2"/>
+          <p:cNvSpPr>
+            <a:spLocks noGrp="1"/>
+          </p:cNvSpPr>
+          <p:nvPr>
+            <p:ph type="body" idx="1"/>
+          </p:nvPr>
+        </p:nvSpPr>
+        <p:spPr/>
+        <p:txBody>
+          <a:bodyPr/>
+          <a:lstStyle/>
+          <a:p>
+            <a:endParaRPr lang="en-US"/>
+          </a:p>
+        </p:txBody>
+      </p:sp>
+      <p:sp>
+        <p:nvSpPr>
+          <p:cNvPr id="4" name="Slide Number Placeholder 3"/>
+          <p:cNvSpPr>
+            <a:spLocks noGrp="1"/>
+          </p:cNvSpPr>
+          <p:nvPr>
+            <p:ph type="sldNum" sz="quarter" idx="10"/>
+          </p:nvPr>
+        </p:nvSpPr>
+        <p:spPr/>
+        <p:txBody>
+          <a:bodyPr/>
+          <a:lstStyle/>
+          <a:p>
+            <a:fld id="{7A8B98E8-90E1-714F-ADAB-B54AC70D6345}" type="slidenum">
+              <a:rPr lang="en-US" smtClean="0"/>
+              <a:t>7</a:t>
+            </a:fld>
+            <a:endParaRPr lang="en-US"/>
+          </a:p>
+        </p:txBody>
+      </p:sp>
+    </p:spTree>
+    <p:extLst>
+      <p:ext uri="{BB962C8B-B14F-4D97-AF65-F5344CB8AC3E}">
+        <p14:creationId xmlns:p14="http://schemas.microsoft.com/office/powerpoint/2010/main" val="705992248"/>
+      </p:ext>
+    </p:extLst>
+  </p:cSld>
+  <p:clrMapOvr>
+    <a:masterClrMapping/>
+  </p:clrMapOvr>
+</p:notes>
+</file>
+
+<file path=ppt/notesSlides/notesSlide5.xml><?xml version="1.0" encoding="utf-8"?>
+<p:notes xmlns:a="http://schemas.openxmlformats.org/drawingml/2006/main" xmlns:r="http://schemas.openxmlformats.org/officeDocument/2006/relationships" xmlns:p="http://schemas.openxmlformats.org/presentationml/2006/main">
+  <p:cSld>
+    <p:spTree>
+      <p:nvGrpSpPr>
+        <p:cNvPr id="1" name=""/>
+        <p:cNvGrpSpPr/>
+        <p:nvPr/>
+      </p:nvGrpSpPr>
+      <p:grpSpPr>
+        <a:xfrm>
+          <a:off x="0" y="0"/>
+          <a:ext cx="0" cy="0"/>
+          <a:chOff x="0" y="0"/>
+          <a:chExt cx="0" cy="0"/>
+        </a:xfrm>
+      </p:grpSpPr>
+      <p:sp>
+        <p:nvSpPr>
+          <p:cNvPr id="2" name="Slide Image Placeholder 1"/>
+          <p:cNvSpPr>
+            <a:spLocks noGrp="1" noRot="1" noChangeAspect="1"/>
+          </p:cNvSpPr>
+          <p:nvPr>
+            <p:ph type="sldImg"/>
+          </p:nvPr>
+        </p:nvSpPr>
+        <p:spPr/>
+      </p:sp>
+      <p:sp>
+        <p:nvSpPr>
+          <p:cNvPr id="3" name="Notes Placeholder 2"/>
+          <p:cNvSpPr>
+            <a:spLocks noGrp="1"/>
+          </p:cNvSpPr>
+          <p:nvPr>
+            <p:ph type="body" idx="1"/>
+          </p:nvPr>
+        </p:nvSpPr>
+        <p:spPr/>
+        <p:txBody>
+          <a:bodyPr/>
+          <a:lstStyle/>
+          <a:p>
+            <a:endParaRPr lang="en-US"/>
+          </a:p>
+        </p:txBody>
+      </p:sp>
+      <p:sp>
+        <p:nvSpPr>
+          <p:cNvPr id="4" name="Slide Number Placeholder 3"/>
+          <p:cNvSpPr>
+            <a:spLocks noGrp="1"/>
+          </p:cNvSpPr>
+          <p:nvPr>
+            <p:ph type="sldNum" sz="quarter" idx="10"/>
+          </p:nvPr>
+        </p:nvSpPr>
+        <p:spPr/>
+        <p:txBody>
+          <a:bodyPr/>
+          <a:lstStyle/>
+          <a:p>
+            <a:fld id="{7A8B98E8-90E1-714F-ADAB-B54AC70D6345}" type="slidenum">
+              <a:rPr lang="en-US" smtClean="0"/>
+              <a:t>8</a:t>
+            </a:fld>
+            <a:endParaRPr lang="en-US"/>
+          </a:p>
+        </p:txBody>
+      </p:sp>
+    </p:spTree>
+    <p:extLst>
+      <p:ext uri="{BB962C8B-B14F-4D97-AF65-F5344CB8AC3E}">
+        <p14:creationId xmlns:p14="http://schemas.microsoft.com/office/powerpoint/2010/main" val="388991875"/>
+      </p:ext>
+    </p:extLst>
+  </p:cSld>
+  <p:clrMapOvr>
+    <a:masterClrMapping/>
+  </p:clrMapOvr>
+</p:notes>
+</file>
+
+<file path=ppt/notesSlides/notesSlide6.xml><?xml version="1.0" encoding="utf-8"?>
+<p:notes xmlns:a="http://schemas.openxmlformats.org/drawingml/2006/main" xmlns:r="http://schemas.openxmlformats.org/officeDocument/2006/relationships" xmlns:p="http://schemas.openxmlformats.org/presentationml/2006/main">
+  <p:cSld>
+    <p:spTree>
+      <p:nvGrpSpPr>
+        <p:cNvPr id="1" name=""/>
+        <p:cNvGrpSpPr/>
+        <p:nvPr/>
+      </p:nvGrpSpPr>
+      <p:grpSpPr>
+        <a:xfrm>
+          <a:off x="0" y="0"/>
+          <a:ext cx="0" cy="0"/>
+          <a:chOff x="0" y="0"/>
+          <a:chExt cx="0" cy="0"/>
+        </a:xfrm>
+      </p:grpSpPr>
+      <p:sp>
+        <p:nvSpPr>
+          <p:cNvPr id="2" name="Slide Image Placeholder 1"/>
+          <p:cNvSpPr>
+            <a:spLocks noGrp="1" noRot="1" noChangeAspect="1"/>
+          </p:cNvSpPr>
+          <p:nvPr>
+            <p:ph type="sldImg"/>
+          </p:nvPr>
+        </p:nvSpPr>
+        <p:spPr/>
+      </p:sp>
+      <p:sp>
+        <p:nvSpPr>
+          <p:cNvPr id="3" name="Notes Placeholder 2"/>
+          <p:cNvSpPr>
+            <a:spLocks noGrp="1"/>
+          </p:cNvSpPr>
+          <p:nvPr>
+            <p:ph type="body" idx="1"/>
+          </p:nvPr>
+        </p:nvSpPr>
+        <p:spPr/>
+        <p:txBody>
+          <a:bodyPr/>
+          <a:lstStyle/>
+          <a:p>
+            <a:endParaRPr lang="en-US"/>
+          </a:p>
+        </p:txBody>
+      </p:sp>
+      <p:sp>
+        <p:nvSpPr>
+          <p:cNvPr id="4" name="Slide Number Placeholder 3"/>
+          <p:cNvSpPr>
+            <a:spLocks noGrp="1"/>
+          </p:cNvSpPr>
+          <p:nvPr>
+            <p:ph type="sldNum" sz="quarter" idx="10"/>
+          </p:nvPr>
+        </p:nvSpPr>
+        <p:spPr/>
+        <p:txBody>
+          <a:bodyPr/>
+          <a:lstStyle/>
+          <a:p>
+            <a:fld id="{7A8B98E8-90E1-714F-ADAB-B54AC70D6345}" type="slidenum">
+              <a:rPr lang="en-US" smtClean="0"/>
+              <a:t>9</a:t>
+            </a:fld>
+            <a:endParaRPr lang="en-US"/>
+          </a:p>
+        </p:txBody>
+      </p:sp>
+    </p:spTree>
+    <p:extLst>
+      <p:ext uri="{BB962C8B-B14F-4D97-AF65-F5344CB8AC3E}">
+        <p14:creationId xmlns:p14="http://schemas.microsoft.com/office/powerpoint/2010/main" val="647553211"/>
+      </p:ext>
+    </p:extLst>
+  </p:cSld>
+  <p:clrMapOvr>
+    <a:masterClrMapping/>
+  </p:clrMapOvr>
+</p:notes>
 </file>
 
 <file path=ppt/slideLayouts/slideLayout1.xml><?xml version="1.0" encoding="utf-8"?>
@@ -6143,7 +7009,7 @@
                 <a:ea typeface="Bookman Old Style" charset="0"/>
                 <a:cs typeface="Bookman Old Style" charset="0"/>
               </a:rPr>
-              <a:t>Julie Fisher, </a:t>
+              <a:t>Julie Fisher, Karelys </a:t>
             </a:r>
             <a:r>
               <a:rPr lang="en-US" sz="3200" i="1" dirty="0" err="1" smtClean="0">
@@ -6151,7 +7017,7 @@
                 <a:ea typeface="Bookman Old Style" charset="0"/>
                 <a:cs typeface="Bookman Old Style" charset="0"/>
               </a:rPr>
-              <a:t>Karelys</a:t>
+              <a:t>Osuna</a:t>
             </a:r>
             <a:r>
               <a:rPr lang="en-US" sz="3200" i="1" dirty="0" smtClean="0">
@@ -6167,7 +7033,7 @@
                 <a:ea typeface="Bookman Old Style" charset="0"/>
                 <a:cs typeface="Bookman Old Style" charset="0"/>
               </a:rPr>
-              <a:t>Osuna</a:t>
+              <a:t>Esquijarosa</a:t>
             </a:r>
             <a:r>
               <a:rPr lang="en-US" sz="3200" i="1" dirty="0" smtClean="0">
@@ -6175,26 +7041,10 @@
                 <a:ea typeface="Bookman Old Style" charset="0"/>
                 <a:cs typeface="Bookman Old Style" charset="0"/>
               </a:rPr>
-              <a:t> </a:t>
-            </a:r>
-            <a:r>
-              <a:rPr lang="en-US" sz="3200" i="1" dirty="0" err="1" smtClean="0">
-                <a:latin typeface="Bookman Old Style" charset="0"/>
-                <a:ea typeface="Bookman Old Style" charset="0"/>
-                <a:cs typeface="Bookman Old Style" charset="0"/>
-              </a:rPr>
-              <a:t>Esquijarosa</a:t>
-            </a:r>
-            <a:r>
-              <a:rPr lang="en-US" sz="3200" i="1" dirty="0" smtClean="0">
-                <a:latin typeface="Bookman Old Style" charset="0"/>
-                <a:ea typeface="Bookman Old Style" charset="0"/>
-                <a:cs typeface="Bookman Old Style" charset="0"/>
-              </a:rPr>
               <a:t>, Anani Assoutovi, </a:t>
             </a:r>
             <a:r>
-              <a:rPr lang="en-US" sz="3500" dirty="0" err="1">
+              <a:rPr lang="en-US" sz="3200" i="1" dirty="0" err="1">
                 <a:latin typeface="Bookman Old Style" charset="0"/>
                 <a:ea typeface="Bookman Old Style" charset="0"/>
                 <a:cs typeface="Bookman Old Style" charset="0"/>
@@ -6202,14 +7052,83 @@
               <a:t>Mingjian</a:t>
             </a:r>
             <a:r>
-              <a:rPr lang="en-US" sz="3500" dirty="0">
+              <a:rPr lang="en-US" sz="3200" i="1" dirty="0">
                 <a:latin typeface="Bookman Old Style" charset="0"/>
                 <a:ea typeface="Bookman Old Style" charset="0"/>
                 <a:cs typeface="Bookman Old Style" charset="0"/>
               </a:rPr>
               <a:t> Shi</a:t>
             </a:r>
-            <a:endParaRPr lang="en-US" sz="3500" i="1" dirty="0">
+          </a:p>
+        </p:txBody>
+      </p:sp>
+    </p:spTree>
+    <p:extLst>
+      <p:ext uri="{BB962C8B-B14F-4D97-AF65-F5344CB8AC3E}">
+        <p14:creationId xmlns:p14="http://schemas.microsoft.com/office/powerpoint/2010/main" val="1991423243"/>
+      </p:ext>
+    </p:extLst>
+  </p:cSld>
+  <p:clrMapOvr>
+    <a:masterClrMapping/>
+  </p:clrMapOvr>
+</p:sld>
+</file>
+
+<file path=ppt/slides/slide10.xml><?xml version="1.0" encoding="utf-8"?>
+<p:sld xmlns:a="http://schemas.openxmlformats.org/drawingml/2006/main" xmlns:r="http://schemas.openxmlformats.org/officeDocument/2006/relationships" xmlns:p="http://schemas.openxmlformats.org/presentationml/2006/main">
+  <p:cSld>
+    <p:spTree>
+      <p:nvGrpSpPr>
+        <p:cNvPr id="1" name=""/>
+        <p:cNvGrpSpPr/>
+        <p:nvPr/>
+      </p:nvGrpSpPr>
+      <p:grpSpPr>
+        <a:xfrm>
+          <a:off x="0" y="0"/>
+          <a:ext cx="0" cy="0"/>
+          <a:chOff x="0" y="0"/>
+          <a:chExt cx="0" cy="0"/>
+        </a:xfrm>
+      </p:grpSpPr>
+      <p:sp>
+        <p:nvSpPr>
+          <p:cNvPr id="2" name="Title 1"/>
+          <p:cNvSpPr>
+            <a:spLocks noGrp="1"/>
+          </p:cNvSpPr>
+          <p:nvPr>
+            <p:ph type="title"/>
+          </p:nvPr>
+        </p:nvSpPr>
+        <p:spPr>
+          <a:xfrm>
+            <a:off x="1484311" y="685800"/>
+            <a:ext cx="10018713" cy="1090749"/>
+          </a:xfrm>
+        </p:spPr>
+        <p:txBody>
+          <a:bodyPr/>
+          <a:lstStyle/>
+          <a:p>
+            <a:r>
+              <a:rPr lang="en-US" i="1" dirty="0" smtClean="0">
+                <a:latin typeface="Bookman Old Style" charset="0"/>
+                <a:ea typeface="Bookman Old Style" charset="0"/>
+                <a:cs typeface="Bookman Old Style" charset="0"/>
+              </a:rPr>
+              <a:t>Spectral clustering </a:t>
+            </a:r>
+            <a:r>
+              <a:rPr lang="en-US" i="1" dirty="0">
+                <a:latin typeface="Bookman Old Style" charset="0"/>
+                <a:ea typeface="Bookman Old Style" charset="0"/>
+                <a:cs typeface="Bookman Old Style" charset="0"/>
+              </a:rPr>
+              <a:t>of production data</a:t>
+            </a:r>
+            <a:endParaRPr lang="en-US" i="1" dirty="0">
               <a:latin typeface="Bookman Old Style" charset="0"/>
               <a:ea typeface="Bookman Old Style" charset="0"/>
               <a:cs typeface="Bookman Old Style" charset="0"/>
@@ -6217,10 +7136,1354 @@
           </a:p>
         </p:txBody>
       </p:sp>
+      <p:sp>
+        <p:nvSpPr>
+          <p:cNvPr id="3" name="Content Placeholder 2"/>
+          <p:cNvSpPr>
+            <a:spLocks noGrp="1"/>
+          </p:cNvSpPr>
+          <p:nvPr>
+            <p:ph idx="1"/>
+          </p:nvPr>
+        </p:nvSpPr>
+        <p:spPr>
+          <a:xfrm>
+            <a:off x="1484310" y="1776549"/>
+            <a:ext cx="10018713" cy="4555485"/>
+          </a:xfrm>
+        </p:spPr>
+        <p:txBody>
+          <a:bodyPr>
+            <a:normAutofit fontScale="92500" lnSpcReduction="10000"/>
+          </a:bodyPr>
+          <a:lstStyle/>
+          <a:p>
+            <a:r>
+              <a:rPr lang="en-US" dirty="0" err="1">
+                <a:latin typeface="Bookman Old Style" charset="0"/>
+                <a:ea typeface="Bookman Old Style" charset="0"/>
+                <a:cs typeface="Bookman Old Style" charset="0"/>
+              </a:rPr>
+              <a:t>specc</a:t>
+            </a:r>
+            <a:r>
+              <a:rPr lang="en-US" dirty="0">
+                <a:latin typeface="Bookman Old Style" charset="0"/>
+                <a:ea typeface="Bookman Old Style" charset="0"/>
+                <a:cs typeface="Bookman Old Style" charset="0"/>
+              </a:rPr>
+              <a:t> clustering</a:t>
+            </a:r>
+          </a:p>
+          <a:p>
+            <a:pPr lvl="1"/>
+            <a:r>
+              <a:rPr lang="en-US" dirty="0">
+                <a:latin typeface="Bookman Old Style" charset="0"/>
+                <a:ea typeface="Bookman Old Style" charset="0"/>
+                <a:cs typeface="Bookman Old Style" charset="0"/>
+              </a:rPr>
+              <a:t>Specified10 cluster centers for the algorithm as there are 10 different numbers (0 – 9)</a:t>
+            </a:r>
+          </a:p>
+          <a:p>
+            <a:pPr lvl="1"/>
+            <a:r>
+              <a:rPr lang="en-US" dirty="0">
+                <a:latin typeface="Bookman Old Style" charset="0"/>
+                <a:ea typeface="Bookman Old Style" charset="0"/>
+                <a:cs typeface="Bookman Old Style" charset="0"/>
+              </a:rPr>
+              <a:t>Algorithm consistently had trouble differentiating between 3 and 5 as well as 4 and 9, sometimes 4, 9, and 7</a:t>
+            </a:r>
+          </a:p>
+          <a:p>
+            <a:pPr lvl="1"/>
+            <a:r>
+              <a:rPr lang="en-US" dirty="0">
+                <a:latin typeface="Bookman Old Style" charset="0"/>
+                <a:ea typeface="Bookman Old Style" charset="0"/>
+                <a:cs typeface="Bookman Old Style" charset="0"/>
+              </a:rPr>
+              <a:t>Produced several clusters that were not well defined and several that were</a:t>
+            </a:r>
+          </a:p>
+          <a:p>
+            <a:pPr lvl="1"/>
+            <a:r>
+              <a:rPr lang="en-US" dirty="0">
+                <a:latin typeface="Bookman Old Style" charset="0"/>
+                <a:ea typeface="Bookman Old Style" charset="0"/>
+                <a:cs typeface="Bookman Old Style" charset="0"/>
+              </a:rPr>
+              <a:t>Ran on both 100 observations and 1,000 variables</a:t>
+            </a:r>
+          </a:p>
+          <a:p>
+            <a:r>
+              <a:rPr lang="en-US" dirty="0">
+                <a:latin typeface="Bookman Old Style" charset="0"/>
+                <a:ea typeface="Bookman Old Style" charset="0"/>
+                <a:cs typeface="Bookman Old Style" charset="0"/>
+              </a:rPr>
+              <a:t>Other spectral clustering</a:t>
+            </a:r>
+          </a:p>
+          <a:p>
+            <a:pPr lvl="1"/>
+            <a:r>
+              <a:rPr lang="en-US" dirty="0" err="1">
+                <a:latin typeface="Bookman Old Style" charset="0"/>
+                <a:ea typeface="Bookman Old Style" charset="0"/>
+                <a:cs typeface="Bookman Old Style" charset="0"/>
+              </a:rPr>
+              <a:t>SamSPECTRAL</a:t>
+            </a:r>
+            <a:r>
+              <a:rPr lang="en-US" dirty="0">
+                <a:latin typeface="Bookman Old Style" charset="0"/>
+                <a:ea typeface="Bookman Old Style" charset="0"/>
+                <a:cs typeface="Bookman Old Style" charset="0"/>
+              </a:rPr>
+              <a:t> did not work on the dataset</a:t>
+            </a:r>
+          </a:p>
+          <a:p>
+            <a:pPr lvl="1"/>
+            <a:r>
+              <a:rPr lang="en-US" dirty="0" err="1">
+                <a:latin typeface="Bookman Old Style" charset="0"/>
+                <a:ea typeface="Bookman Old Style" charset="0"/>
+                <a:cs typeface="Bookman Old Style" charset="0"/>
+              </a:rPr>
+              <a:t>specClust</a:t>
+            </a:r>
+            <a:r>
+              <a:rPr lang="en-US" dirty="0">
+                <a:latin typeface="Bookman Old Style" charset="0"/>
+                <a:ea typeface="Bookman Old Style" charset="0"/>
+                <a:cs typeface="Bookman Old Style" charset="0"/>
+              </a:rPr>
+              <a:t> did not work on the dataset</a:t>
+            </a:r>
+          </a:p>
+          <a:p>
+            <a:pPr lvl="1"/>
+            <a:r>
+              <a:rPr lang="en-US" dirty="0">
+                <a:latin typeface="Bookman Old Style" charset="0"/>
+                <a:ea typeface="Bookman Old Style" charset="0"/>
+                <a:cs typeface="Bookman Old Style" charset="0"/>
+              </a:rPr>
+              <a:t>Error message: ‘Error in </a:t>
+            </a:r>
+            <a:r>
+              <a:rPr lang="en-US" dirty="0" err="1">
+                <a:latin typeface="Bookman Old Style" charset="0"/>
+                <a:ea typeface="Bookman Old Style" charset="0"/>
+                <a:cs typeface="Bookman Old Style" charset="0"/>
+              </a:rPr>
+              <a:t>mydist</a:t>
+            </a:r>
+            <a:r>
+              <a:rPr lang="en-US" dirty="0">
+                <a:latin typeface="Bookman Old Style" charset="0"/>
+                <a:ea typeface="Bookman Old Style" charset="0"/>
+                <a:cs typeface="Bookman Old Style" charset="0"/>
+              </a:rPr>
+              <a:t>(data, </a:t>
+            </a:r>
+            <a:r>
+              <a:rPr lang="en-US" dirty="0" err="1">
+                <a:latin typeface="Bookman Old Style" charset="0"/>
+                <a:ea typeface="Bookman Old Style" charset="0"/>
+                <a:cs typeface="Bookman Old Style" charset="0"/>
+              </a:rPr>
+              <a:t>nn</a:t>
+            </a:r>
+            <a:r>
+              <a:rPr lang="en-US" dirty="0">
+                <a:latin typeface="Bookman Old Style" charset="0"/>
+                <a:ea typeface="Bookman Old Style" charset="0"/>
+                <a:cs typeface="Bookman Old Style" charset="0"/>
+              </a:rPr>
+              <a:t>) : NA/</a:t>
+            </a:r>
+            <a:r>
+              <a:rPr lang="en-US" dirty="0" err="1">
+                <a:latin typeface="Bookman Old Style" charset="0"/>
+                <a:ea typeface="Bookman Old Style" charset="0"/>
+                <a:cs typeface="Bookman Old Style" charset="0"/>
+              </a:rPr>
+              <a:t>NaN</a:t>
+            </a:r>
+            <a:r>
+              <a:rPr lang="en-US" dirty="0">
+                <a:latin typeface="Bookman Old Style" charset="0"/>
+                <a:ea typeface="Bookman Old Style" charset="0"/>
+                <a:cs typeface="Bookman Old Style" charset="0"/>
+              </a:rPr>
+              <a:t>/</a:t>
+            </a:r>
+            <a:r>
+              <a:rPr lang="en-US" dirty="0" err="1">
+                <a:latin typeface="Bookman Old Style" charset="0"/>
+                <a:ea typeface="Bookman Old Style" charset="0"/>
+                <a:cs typeface="Bookman Old Style" charset="0"/>
+              </a:rPr>
+              <a:t>Inf</a:t>
+            </a:r>
+            <a:r>
+              <a:rPr lang="en-US" dirty="0">
+                <a:latin typeface="Bookman Old Style" charset="0"/>
+                <a:ea typeface="Bookman Old Style" charset="0"/>
+                <a:cs typeface="Bookman Old Style" charset="0"/>
+              </a:rPr>
+              <a:t> in foreign function call (</a:t>
+            </a:r>
+            <a:r>
+              <a:rPr lang="en-US" dirty="0" err="1">
+                <a:latin typeface="Bookman Old Style" charset="0"/>
+                <a:ea typeface="Bookman Old Style" charset="0"/>
+                <a:cs typeface="Bookman Old Style" charset="0"/>
+              </a:rPr>
+              <a:t>arg</a:t>
+            </a:r>
+            <a:r>
+              <a:rPr lang="en-US" dirty="0">
+                <a:latin typeface="Bookman Old Style" charset="0"/>
+                <a:ea typeface="Bookman Old Style" charset="0"/>
+                <a:cs typeface="Bookman Old Style" charset="0"/>
+              </a:rPr>
+              <a:t> 1</a:t>
+            </a:r>
+            <a:r>
+              <a:rPr lang="en-US" dirty="0" smtClean="0">
+                <a:latin typeface="Bookman Old Style" charset="0"/>
+                <a:ea typeface="Bookman Old Style" charset="0"/>
+                <a:cs typeface="Bookman Old Style" charset="0"/>
+              </a:rPr>
+              <a:t>)’</a:t>
+            </a:r>
+            <a:endParaRPr lang="en-US" dirty="0">
+              <a:latin typeface="Bookman Old Style" charset="0"/>
+              <a:ea typeface="Bookman Old Style" charset="0"/>
+              <a:cs typeface="Bookman Old Style" charset="0"/>
+            </a:endParaRPr>
+          </a:p>
+        </p:txBody>
+      </p:sp>
+      <p:sp>
+        <p:nvSpPr>
+          <p:cNvPr id="4" name="Footer Placeholder 3"/>
+          <p:cNvSpPr>
+            <a:spLocks noGrp="1"/>
+          </p:cNvSpPr>
+          <p:nvPr>
+            <p:ph type="ftr" sz="quarter" idx="11"/>
+          </p:nvPr>
+        </p:nvSpPr>
+        <p:spPr>
+          <a:xfrm>
+            <a:off x="2951577" y="6332034"/>
+            <a:ext cx="7084177" cy="365125"/>
+          </a:xfrm>
+        </p:spPr>
+        <p:txBody>
+          <a:bodyPr/>
+          <a:lstStyle/>
+          <a:p>
+            <a:pPr algn="r"/>
+            <a:r>
+              <a:rPr lang="en-US" sz="1600" b="1" i="1" dirty="0" smtClean="0"/>
+              <a:t>Karelys</a:t>
+            </a:r>
+            <a:endParaRPr lang="en-US" sz="1600" b="1" i="1" dirty="0"/>
+          </a:p>
+        </p:txBody>
+      </p:sp>
     </p:spTree>
     <p:extLst>
       <p:ext uri="{BB962C8B-B14F-4D97-AF65-F5344CB8AC3E}">
-        <p14:creationId xmlns:p14="http://schemas.microsoft.com/office/powerpoint/2010/main" val="1991423243"/>
+        <p14:creationId xmlns:p14="http://schemas.microsoft.com/office/powerpoint/2010/main" val="1607103707"/>
+      </p:ext>
+    </p:extLst>
+  </p:cSld>
+  <p:clrMapOvr>
+    <a:masterClrMapping/>
+  </p:clrMapOvr>
+</p:sld>
+</file>
+
+<file path=ppt/slides/slide11.xml><?xml version="1.0" encoding="utf-8"?>
+<p:sld xmlns:a="http://schemas.openxmlformats.org/drawingml/2006/main" xmlns:r="http://schemas.openxmlformats.org/officeDocument/2006/relationships" xmlns:p="http://schemas.openxmlformats.org/presentationml/2006/main">
+  <p:cSld>
+    <p:spTree>
+      <p:nvGrpSpPr>
+        <p:cNvPr id="1" name=""/>
+        <p:cNvGrpSpPr/>
+        <p:nvPr/>
+      </p:nvGrpSpPr>
+      <p:grpSpPr>
+        <a:xfrm>
+          <a:off x="0" y="0"/>
+          <a:ext cx="0" cy="0"/>
+          <a:chOff x="0" y="0"/>
+          <a:chExt cx="0" cy="0"/>
+        </a:xfrm>
+      </p:grpSpPr>
+      <p:sp>
+        <p:nvSpPr>
+          <p:cNvPr id="2" name="Title 1"/>
+          <p:cNvSpPr>
+            <a:spLocks noGrp="1"/>
+          </p:cNvSpPr>
+          <p:nvPr>
+            <p:ph type="title"/>
+          </p:nvPr>
+        </p:nvSpPr>
+        <p:spPr>
+          <a:xfrm>
+            <a:off x="1484311" y="685801"/>
+            <a:ext cx="10018713" cy="1116874"/>
+          </a:xfrm>
+        </p:spPr>
+        <p:txBody>
+          <a:bodyPr/>
+          <a:lstStyle/>
+          <a:p>
+            <a:r>
+              <a:rPr lang="en-US" i="1" dirty="0" smtClean="0">
+                <a:latin typeface="Bookman Old Style" charset="0"/>
+                <a:ea typeface="Bookman Old Style" charset="0"/>
+                <a:cs typeface="Bookman Old Style" charset="0"/>
+              </a:rPr>
+              <a:t>Other </a:t>
+            </a:r>
+            <a:r>
+              <a:rPr lang="en-US" i="1" dirty="0">
+                <a:latin typeface="Bookman Old Style" charset="0"/>
+                <a:ea typeface="Bookman Old Style" charset="0"/>
+                <a:cs typeface="Bookman Old Style" charset="0"/>
+              </a:rPr>
+              <a:t>clustering of production data</a:t>
+            </a:r>
+            <a:endParaRPr lang="en-US" b="1" dirty="0"/>
+          </a:p>
+        </p:txBody>
+      </p:sp>
+      <p:sp>
+        <p:nvSpPr>
+          <p:cNvPr id="3" name="Content Placeholder 2"/>
+          <p:cNvSpPr>
+            <a:spLocks noGrp="1"/>
+          </p:cNvSpPr>
+          <p:nvPr>
+            <p:ph idx="1"/>
+          </p:nvPr>
+        </p:nvSpPr>
+        <p:spPr>
+          <a:xfrm>
+            <a:off x="1484310" y="1998617"/>
+            <a:ext cx="10018713" cy="3792583"/>
+          </a:xfrm>
+        </p:spPr>
+        <p:txBody>
+          <a:bodyPr/>
+          <a:lstStyle/>
+          <a:p>
+            <a:r>
+              <a:rPr lang="en-US" dirty="0">
+                <a:latin typeface="Bookman Old Style" charset="0"/>
+                <a:ea typeface="Bookman Old Style" charset="0"/>
+                <a:cs typeface="Bookman Old Style" charset="0"/>
+              </a:rPr>
+              <a:t>Density clustering</a:t>
+            </a:r>
+          </a:p>
+          <a:p>
+            <a:pPr lvl="1"/>
+            <a:r>
+              <a:rPr lang="en-US" dirty="0">
+                <a:latin typeface="Bookman Old Style" charset="0"/>
+                <a:ea typeface="Bookman Old Style" charset="0"/>
+                <a:cs typeface="Bookman Old Style" charset="0"/>
+              </a:rPr>
+              <a:t>Only produced two clusters</a:t>
+            </a:r>
+          </a:p>
+          <a:p>
+            <a:r>
+              <a:rPr lang="en-US" dirty="0">
+                <a:latin typeface="Bookman Old Style" charset="0"/>
+                <a:ea typeface="Bookman Old Style" charset="0"/>
+                <a:cs typeface="Bookman Old Style" charset="0"/>
+              </a:rPr>
+              <a:t>K-means clustering</a:t>
+            </a:r>
+          </a:p>
+          <a:p>
+            <a:pPr lvl="1"/>
+            <a:r>
+              <a:rPr lang="en-US" dirty="0">
+                <a:latin typeface="Bookman Old Style" charset="0"/>
+                <a:ea typeface="Bookman Old Style" charset="0"/>
+                <a:cs typeface="Bookman Old Style" charset="0"/>
+              </a:rPr>
+              <a:t>Also had trouble </a:t>
+            </a:r>
+            <a:r>
+              <a:rPr lang="en-US" dirty="0" smtClean="0">
+                <a:latin typeface="Bookman Old Style" charset="0"/>
+                <a:ea typeface="Bookman Old Style" charset="0"/>
+                <a:cs typeface="Bookman Old Style" charset="0"/>
+              </a:rPr>
+              <a:t>differentiating between handwritten numbers 7 </a:t>
+            </a:r>
+            <a:r>
+              <a:rPr lang="en-US" dirty="0">
+                <a:latin typeface="Bookman Old Style" charset="0"/>
+                <a:ea typeface="Bookman Old Style" charset="0"/>
+                <a:cs typeface="Bookman Old Style" charset="0"/>
+              </a:rPr>
+              <a:t>and </a:t>
+            </a:r>
+            <a:r>
+              <a:rPr lang="en-US" dirty="0" smtClean="0">
+                <a:latin typeface="Bookman Old Style" charset="0"/>
+                <a:ea typeface="Bookman Old Style" charset="0"/>
+                <a:cs typeface="Bookman Old Style" charset="0"/>
+              </a:rPr>
+              <a:t>9, as well as indications </a:t>
+            </a:r>
+            <a:r>
+              <a:rPr lang="en-US" dirty="0">
+                <a:latin typeface="Bookman Old Style" charset="0"/>
+                <a:ea typeface="Bookman Old Style" charset="0"/>
+                <a:cs typeface="Bookman Old Style" charset="0"/>
+              </a:rPr>
+              <a:t>of trouble differentiating between 3 and 8 as well as 3 and 2</a:t>
+            </a:r>
+          </a:p>
+          <a:p>
+            <a:pPr lvl="1"/>
+            <a:endParaRPr lang="en-US" dirty="0"/>
+          </a:p>
+        </p:txBody>
+      </p:sp>
+      <p:sp>
+        <p:nvSpPr>
+          <p:cNvPr id="4" name="Footer Placeholder 3"/>
+          <p:cNvSpPr>
+            <a:spLocks noGrp="1"/>
+          </p:cNvSpPr>
+          <p:nvPr>
+            <p:ph type="ftr" sz="quarter" idx="11"/>
+          </p:nvPr>
+        </p:nvSpPr>
+        <p:spPr>
+          <a:xfrm>
+            <a:off x="2951577" y="6332034"/>
+            <a:ext cx="7084177" cy="365125"/>
+          </a:xfrm>
+        </p:spPr>
+        <p:txBody>
+          <a:bodyPr/>
+          <a:lstStyle/>
+          <a:p>
+            <a:pPr algn="r"/>
+            <a:r>
+              <a:rPr lang="en-US" sz="1600" b="1" i="1" dirty="0" smtClean="0"/>
+              <a:t>Karelys</a:t>
+            </a:r>
+            <a:endParaRPr lang="en-US" sz="1600" b="1" i="1" dirty="0"/>
+          </a:p>
+        </p:txBody>
+      </p:sp>
+    </p:spTree>
+    <p:extLst>
+      <p:ext uri="{BB962C8B-B14F-4D97-AF65-F5344CB8AC3E}">
+        <p14:creationId xmlns:p14="http://schemas.microsoft.com/office/powerpoint/2010/main" val="3435607117"/>
+      </p:ext>
+    </p:extLst>
+  </p:cSld>
+  <p:clrMapOvr>
+    <a:masterClrMapping/>
+  </p:clrMapOvr>
+</p:sld>
+</file>
+
+<file path=ppt/slides/slide12.xml><?xml version="1.0" encoding="utf-8"?>
+<p:sld xmlns:a="http://schemas.openxmlformats.org/drawingml/2006/main" xmlns:r="http://schemas.openxmlformats.org/officeDocument/2006/relationships" xmlns:p="http://schemas.openxmlformats.org/presentationml/2006/main">
+  <p:cSld>
+    <p:spTree>
+      <p:nvGrpSpPr>
+        <p:cNvPr id="1" name=""/>
+        <p:cNvGrpSpPr/>
+        <p:nvPr/>
+      </p:nvGrpSpPr>
+      <p:grpSpPr>
+        <a:xfrm>
+          <a:off x="0" y="0"/>
+          <a:ext cx="0" cy="0"/>
+          <a:chOff x="0" y="0"/>
+          <a:chExt cx="0" cy="0"/>
+        </a:xfrm>
+      </p:grpSpPr>
+      <p:sp>
+        <p:nvSpPr>
+          <p:cNvPr id="2" name="Title 1"/>
+          <p:cNvSpPr>
+            <a:spLocks noGrp="1"/>
+          </p:cNvSpPr>
+          <p:nvPr>
+            <p:ph type="title"/>
+          </p:nvPr>
+        </p:nvSpPr>
+        <p:spPr>
+          <a:xfrm>
+            <a:off x="1484311" y="685800"/>
+            <a:ext cx="10018713" cy="1195251"/>
+          </a:xfrm>
+        </p:spPr>
+        <p:txBody>
+          <a:bodyPr/>
+          <a:lstStyle/>
+          <a:p>
+            <a:r>
+              <a:rPr lang="en-US" i="1" dirty="0" smtClean="0">
+                <a:latin typeface="Bookman Old Style" charset="0"/>
+                <a:ea typeface="Bookman Old Style" charset="0"/>
+                <a:cs typeface="Bookman Old Style" charset="0"/>
+              </a:rPr>
+              <a:t>Digital Handwriting Recognizer</a:t>
+            </a:r>
+            <a:endParaRPr lang="en-US" i="1" dirty="0">
+              <a:latin typeface="Bookman Old Style" charset="0"/>
+              <a:ea typeface="Bookman Old Style" charset="0"/>
+              <a:cs typeface="Bookman Old Style" charset="0"/>
+            </a:endParaRPr>
+          </a:p>
+        </p:txBody>
+      </p:sp>
+      <p:sp>
+        <p:nvSpPr>
+          <p:cNvPr id="3" name="Content Placeholder 2"/>
+          <p:cNvSpPr>
+            <a:spLocks noGrp="1"/>
+          </p:cNvSpPr>
+          <p:nvPr>
+            <p:ph idx="1"/>
+          </p:nvPr>
+        </p:nvSpPr>
+        <p:spPr>
+          <a:xfrm>
+            <a:off x="1484311" y="2163390"/>
+            <a:ext cx="10018713" cy="4168644"/>
+          </a:xfrm>
+        </p:spPr>
+        <p:txBody>
+          <a:bodyPr>
+            <a:normAutofit/>
+          </a:bodyPr>
+          <a:lstStyle/>
+          <a:p>
+            <a:r>
+              <a:rPr lang="en-US" dirty="0" smtClean="0">
+                <a:latin typeface="Bookman Old Style" charset="0"/>
+                <a:ea typeface="Bookman Old Style" charset="0"/>
+                <a:cs typeface="Bookman Old Style" charset="0"/>
+              </a:rPr>
+              <a:t>We view the size of the vector for each point in the cluster</a:t>
+            </a:r>
+          </a:p>
+          <a:p>
+            <a:pPr lvl="1"/>
+            <a:r>
+              <a:rPr lang="en-US" i="1" dirty="0">
+                <a:latin typeface="Bookman Old Style" charset="0"/>
+                <a:ea typeface="Bookman Old Style" charset="0"/>
+                <a:cs typeface="Bookman Old Style" charset="0"/>
+              </a:rPr>
+              <a:t>size(</a:t>
+            </a:r>
+            <a:r>
+              <a:rPr lang="en-US" i="1" dirty="0" err="1">
+                <a:latin typeface="Bookman Old Style" charset="0"/>
+                <a:ea typeface="Bookman Old Style" charset="0"/>
+                <a:cs typeface="Bookman Old Style" charset="0"/>
+              </a:rPr>
+              <a:t>digits.cluster</a:t>
+            </a:r>
+            <a:r>
+              <a:rPr lang="en-US" i="1" dirty="0">
+                <a:latin typeface="Bookman Old Style" charset="0"/>
+                <a:ea typeface="Bookman Old Style" charset="0"/>
+                <a:cs typeface="Bookman Old Style" charset="0"/>
+              </a:rPr>
+              <a:t>)</a:t>
+            </a:r>
+            <a:endParaRPr lang="en-US" i="1" dirty="0" smtClean="0">
+              <a:latin typeface="Bookman Old Style" charset="0"/>
+              <a:ea typeface="Bookman Old Style" charset="0"/>
+              <a:cs typeface="Bookman Old Style" charset="0"/>
+            </a:endParaRPr>
+          </a:p>
+          <a:p>
+            <a:r>
+              <a:rPr lang="en-US" dirty="0" smtClean="0">
+                <a:latin typeface="Bookman Old Style" charset="0"/>
+                <a:ea typeface="Bookman Old Style" charset="0"/>
+                <a:cs typeface="Bookman Old Style" charset="0"/>
+              </a:rPr>
+              <a:t>Then we view the sum of squares for each cluster within the cluster</a:t>
+            </a:r>
+          </a:p>
+          <a:p>
+            <a:pPr lvl="1"/>
+            <a:r>
+              <a:rPr lang="en-US" i="1" dirty="0" err="1">
+                <a:latin typeface="Bookman Old Style" charset="0"/>
+                <a:ea typeface="Bookman Old Style" charset="0"/>
+                <a:cs typeface="Bookman Old Style" charset="0"/>
+              </a:rPr>
+              <a:t>withinss</a:t>
+            </a:r>
+            <a:r>
+              <a:rPr lang="en-US" i="1" dirty="0">
+                <a:latin typeface="Bookman Old Style" charset="0"/>
+                <a:ea typeface="Bookman Old Style" charset="0"/>
+                <a:cs typeface="Bookman Old Style" charset="0"/>
+              </a:rPr>
+              <a:t>(</a:t>
+            </a:r>
+            <a:r>
+              <a:rPr lang="en-US" i="1" dirty="0" err="1">
+                <a:latin typeface="Bookman Old Style" charset="0"/>
+                <a:ea typeface="Bookman Old Style" charset="0"/>
+                <a:cs typeface="Bookman Old Style" charset="0"/>
+              </a:rPr>
+              <a:t>digits.cluster</a:t>
+            </a:r>
+            <a:r>
+              <a:rPr lang="en-US" i="1" dirty="0">
+                <a:latin typeface="Bookman Old Style" charset="0"/>
+                <a:ea typeface="Bookman Old Style" charset="0"/>
+                <a:cs typeface="Bookman Old Style" charset="0"/>
+              </a:rPr>
+              <a:t>)</a:t>
+            </a:r>
+          </a:p>
+          <a:p>
+            <a:r>
+              <a:rPr lang="en-US" dirty="0" smtClean="0">
+                <a:latin typeface="Bookman Old Style" charset="0"/>
+                <a:ea typeface="Bookman Old Style" charset="0"/>
+                <a:cs typeface="Bookman Old Style" charset="0"/>
+              </a:rPr>
+              <a:t>We use the kernel class to obtain the kernel function that we used in the specc function.</a:t>
+            </a:r>
+          </a:p>
+          <a:p>
+            <a:pPr lvl="1"/>
+            <a:r>
+              <a:rPr lang="en-US" i="1" dirty="0" err="1">
+                <a:latin typeface="Bookman Old Style" charset="0"/>
+                <a:ea typeface="Bookman Old Style" charset="0"/>
+                <a:cs typeface="Bookman Old Style" charset="0"/>
+              </a:rPr>
+              <a:t>kernelf</a:t>
+            </a:r>
+            <a:r>
+              <a:rPr lang="en-US" i="1" dirty="0">
+                <a:latin typeface="Bookman Old Style" charset="0"/>
+                <a:ea typeface="Bookman Old Style" charset="0"/>
+                <a:cs typeface="Bookman Old Style" charset="0"/>
+              </a:rPr>
+              <a:t>(</a:t>
+            </a:r>
+            <a:r>
+              <a:rPr lang="en-US" i="1" dirty="0" err="1">
+                <a:latin typeface="Bookman Old Style" charset="0"/>
+                <a:ea typeface="Bookman Old Style" charset="0"/>
+                <a:cs typeface="Bookman Old Style" charset="0"/>
+              </a:rPr>
+              <a:t>digits.cluster</a:t>
+            </a:r>
+            <a:r>
+              <a:rPr lang="en-US" i="1" dirty="0">
+                <a:latin typeface="Bookman Old Style" charset="0"/>
+                <a:ea typeface="Bookman Old Style" charset="0"/>
+                <a:cs typeface="Bookman Old Style" charset="0"/>
+              </a:rPr>
+              <a:t>)</a:t>
+            </a:r>
+          </a:p>
+        </p:txBody>
+      </p:sp>
+      <p:sp>
+        <p:nvSpPr>
+          <p:cNvPr id="4" name="Footer Placeholder 3"/>
+          <p:cNvSpPr>
+            <a:spLocks noGrp="1"/>
+          </p:cNvSpPr>
+          <p:nvPr>
+            <p:ph type="ftr" sz="quarter" idx="11"/>
+          </p:nvPr>
+        </p:nvSpPr>
+        <p:spPr>
+          <a:xfrm>
+            <a:off x="2951577" y="6332034"/>
+            <a:ext cx="7084177" cy="365125"/>
+          </a:xfrm>
+        </p:spPr>
+        <p:txBody>
+          <a:bodyPr/>
+          <a:lstStyle/>
+          <a:p>
+            <a:pPr algn="r"/>
+            <a:r>
+              <a:rPr lang="en-US" sz="1600" b="1" i="1" dirty="0" smtClean="0"/>
+              <a:t>Anani</a:t>
+            </a:r>
+            <a:endParaRPr lang="en-US" sz="1600" b="1" i="1" dirty="0"/>
+          </a:p>
+        </p:txBody>
+      </p:sp>
+    </p:spTree>
+    <p:extLst>
+      <p:ext uri="{BB962C8B-B14F-4D97-AF65-F5344CB8AC3E}">
+        <p14:creationId xmlns:p14="http://schemas.microsoft.com/office/powerpoint/2010/main" val="1593786749"/>
+      </p:ext>
+    </p:extLst>
+  </p:cSld>
+  <p:clrMapOvr>
+    <a:masterClrMapping/>
+  </p:clrMapOvr>
+</p:sld>
+</file>
+
+<file path=ppt/slides/slide13.xml><?xml version="1.0" encoding="utf-8"?>
+<p:sld xmlns:a="http://schemas.openxmlformats.org/drawingml/2006/main" xmlns:r="http://schemas.openxmlformats.org/officeDocument/2006/relationships" xmlns:p="http://schemas.openxmlformats.org/presentationml/2006/main">
+  <p:cSld>
+    <p:spTree>
+      <p:nvGrpSpPr>
+        <p:cNvPr id="1" name=""/>
+        <p:cNvGrpSpPr/>
+        <p:nvPr/>
+      </p:nvGrpSpPr>
+      <p:grpSpPr>
+        <a:xfrm>
+          <a:off x="0" y="0"/>
+          <a:ext cx="0" cy="0"/>
+          <a:chOff x="0" y="0"/>
+          <a:chExt cx="0" cy="0"/>
+        </a:xfrm>
+      </p:grpSpPr>
+      <p:sp>
+        <p:nvSpPr>
+          <p:cNvPr id="2" name="Title 1"/>
+          <p:cNvSpPr>
+            <a:spLocks noGrp="1"/>
+          </p:cNvSpPr>
+          <p:nvPr>
+            <p:ph type="title"/>
+          </p:nvPr>
+        </p:nvSpPr>
+        <p:spPr/>
+        <p:txBody>
+          <a:bodyPr/>
+          <a:lstStyle/>
+          <a:p>
+            <a:r>
+              <a:rPr lang="en-US" i="1" dirty="0" smtClean="0">
+                <a:latin typeface="Bookman Old Style" charset="0"/>
+                <a:ea typeface="Bookman Old Style" charset="0"/>
+                <a:cs typeface="Bookman Old Style" charset="0"/>
+              </a:rPr>
+              <a:t>Digital Handwriting Recognizer</a:t>
+            </a:r>
+            <a:endParaRPr lang="en-US" i="1" dirty="0">
+              <a:latin typeface="Bookman Old Style" charset="0"/>
+              <a:ea typeface="Bookman Old Style" charset="0"/>
+              <a:cs typeface="Bookman Old Style" charset="0"/>
+            </a:endParaRPr>
+          </a:p>
+        </p:txBody>
+      </p:sp>
+      <p:sp>
+        <p:nvSpPr>
+          <p:cNvPr id="3" name="Content Placeholder 2"/>
+          <p:cNvSpPr>
+            <a:spLocks noGrp="1"/>
+          </p:cNvSpPr>
+          <p:nvPr>
+            <p:ph idx="1"/>
+          </p:nvPr>
+        </p:nvSpPr>
+        <p:spPr>
+          <a:xfrm>
+            <a:off x="1484310" y="2666999"/>
+            <a:ext cx="10018713" cy="3800708"/>
+          </a:xfrm>
+        </p:spPr>
+        <p:txBody>
+          <a:bodyPr>
+            <a:normAutofit/>
+          </a:bodyPr>
+          <a:lstStyle/>
+          <a:p>
+            <a:r>
+              <a:rPr lang="en-US" dirty="0" smtClean="0">
+                <a:latin typeface="Bookman Old Style" charset="0"/>
+                <a:ea typeface="Bookman Old Style" charset="0"/>
+                <a:cs typeface="Bookman Old Style" charset="0"/>
+              </a:rPr>
+              <a:t>Now, we take the smaller dataset of the training set and put it into a confusion matrix. The columns in this table are the clusters and the rows are the actual handwritten numbers</a:t>
+            </a:r>
+          </a:p>
+          <a:p>
+            <a:pPr lvl="1"/>
+            <a:r>
+              <a:rPr lang="en-US" i="1" dirty="0" err="1">
+                <a:latin typeface="Bookman Old Style" charset="0"/>
+                <a:ea typeface="Bookman Old Style" charset="0"/>
+                <a:cs typeface="Bookman Old Style" charset="0"/>
+              </a:rPr>
+              <a:t>confusionmatrix</a:t>
+            </a:r>
+            <a:r>
+              <a:rPr lang="en-US" i="1" dirty="0">
+                <a:latin typeface="Bookman Old Style" charset="0"/>
+                <a:ea typeface="Bookman Old Style" charset="0"/>
+                <a:cs typeface="Bookman Old Style" charset="0"/>
+              </a:rPr>
+              <a:t> &lt;- table(</a:t>
+            </a:r>
+            <a:r>
+              <a:rPr lang="en-US" i="1" dirty="0" err="1">
+                <a:latin typeface="Bookman Old Style" charset="0"/>
+                <a:ea typeface="Bookman Old Style" charset="0"/>
+                <a:cs typeface="Bookman Old Style" charset="0"/>
+              </a:rPr>
+              <a:t>digits.small$label</a:t>
+            </a:r>
+            <a:r>
+              <a:rPr lang="en-US" i="1" dirty="0">
+                <a:latin typeface="Bookman Old Style" charset="0"/>
+                <a:ea typeface="Bookman Old Style" charset="0"/>
+                <a:cs typeface="Bookman Old Style" charset="0"/>
+              </a:rPr>
+              <a:t>, </a:t>
+            </a:r>
+            <a:r>
+              <a:rPr lang="en-US" i="1" dirty="0" err="1">
+                <a:latin typeface="Bookman Old Style" charset="0"/>
+                <a:ea typeface="Bookman Old Style" charset="0"/>
+                <a:cs typeface="Bookman Old Style" charset="0"/>
+              </a:rPr>
+              <a:t>digits.cluster</a:t>
+            </a:r>
+            <a:r>
+              <a:rPr lang="en-US" i="1" dirty="0">
+                <a:latin typeface="Bookman Old Style" charset="0"/>
+                <a:ea typeface="Bookman Old Style" charset="0"/>
+                <a:cs typeface="Bookman Old Style" charset="0"/>
+              </a:rPr>
+              <a:t>[1:100])</a:t>
+            </a:r>
+            <a:endParaRPr lang="en-US" i="1" dirty="0" smtClean="0">
+              <a:latin typeface="Bookman Old Style" charset="0"/>
+              <a:ea typeface="Bookman Old Style" charset="0"/>
+              <a:cs typeface="Bookman Old Style" charset="0"/>
+            </a:endParaRPr>
+          </a:p>
+          <a:p>
+            <a:r>
+              <a:rPr lang="en-US" dirty="0" smtClean="0">
+                <a:latin typeface="Bookman Old Style" charset="0"/>
+                <a:ea typeface="Bookman Old Style" charset="0"/>
+                <a:cs typeface="Bookman Old Style" charset="0"/>
+              </a:rPr>
+              <a:t>After doing that, we concluded:</a:t>
+            </a:r>
+          </a:p>
+          <a:p>
+            <a:pPr lvl="1"/>
+            <a:r>
+              <a:rPr lang="en-US" i="1" dirty="0" smtClean="0">
+                <a:latin typeface="Bookman Old Style" charset="0"/>
+                <a:ea typeface="Bookman Old Style" charset="0"/>
+                <a:cs typeface="Bookman Old Style" charset="0"/>
+              </a:rPr>
+              <a:t>number </a:t>
+            </a:r>
+            <a:r>
+              <a:rPr lang="en-US" i="1" dirty="0">
+                <a:latin typeface="Bookman Old Style" charset="0"/>
+                <a:ea typeface="Bookman Old Style" charset="0"/>
+                <a:cs typeface="Bookman Old Style" charset="0"/>
+              </a:rPr>
+              <a:t>0 = cluster </a:t>
+            </a:r>
+            <a:r>
+              <a:rPr lang="en-US" i="1" dirty="0" smtClean="0">
+                <a:latin typeface="Bookman Old Style" charset="0"/>
+                <a:ea typeface="Bookman Old Style" charset="0"/>
+                <a:cs typeface="Bookman Old Style" charset="0"/>
+              </a:rPr>
+              <a:t>1, number </a:t>
+            </a:r>
+            <a:r>
+              <a:rPr lang="en-US" i="1" dirty="0">
+                <a:latin typeface="Bookman Old Style" charset="0"/>
+                <a:ea typeface="Bookman Old Style" charset="0"/>
+                <a:cs typeface="Bookman Old Style" charset="0"/>
+              </a:rPr>
+              <a:t>1 = cluster </a:t>
+            </a:r>
+            <a:r>
+              <a:rPr lang="en-US" i="1" dirty="0" smtClean="0">
+                <a:latin typeface="Bookman Old Style" charset="0"/>
+                <a:ea typeface="Bookman Old Style" charset="0"/>
+                <a:cs typeface="Bookman Old Style" charset="0"/>
+              </a:rPr>
+              <a:t>10, number </a:t>
+            </a:r>
+            <a:r>
+              <a:rPr lang="en-US" i="1" dirty="0">
+                <a:latin typeface="Bookman Old Style" charset="0"/>
+                <a:ea typeface="Bookman Old Style" charset="0"/>
+                <a:cs typeface="Bookman Old Style" charset="0"/>
+              </a:rPr>
+              <a:t>2 = cluster </a:t>
+            </a:r>
+            <a:r>
+              <a:rPr lang="en-US" i="1" dirty="0" smtClean="0">
+                <a:latin typeface="Bookman Old Style" charset="0"/>
+                <a:ea typeface="Bookman Old Style" charset="0"/>
+                <a:cs typeface="Bookman Old Style" charset="0"/>
+              </a:rPr>
+              <a:t>8, number </a:t>
+            </a:r>
+            <a:r>
+              <a:rPr lang="en-US" i="1" dirty="0">
+                <a:latin typeface="Bookman Old Style" charset="0"/>
+                <a:ea typeface="Bookman Old Style" charset="0"/>
+                <a:cs typeface="Bookman Old Style" charset="0"/>
+              </a:rPr>
+              <a:t>3 = cluster </a:t>
+            </a:r>
+            <a:r>
+              <a:rPr lang="en-US" i="1" dirty="0" smtClean="0">
+                <a:latin typeface="Bookman Old Style" charset="0"/>
+                <a:ea typeface="Bookman Old Style" charset="0"/>
+                <a:cs typeface="Bookman Old Style" charset="0"/>
+              </a:rPr>
+              <a:t>8, number </a:t>
+            </a:r>
+            <a:r>
+              <a:rPr lang="en-US" i="1" dirty="0">
+                <a:latin typeface="Bookman Old Style" charset="0"/>
+                <a:ea typeface="Bookman Old Style" charset="0"/>
+                <a:cs typeface="Bookman Old Style" charset="0"/>
+              </a:rPr>
+              <a:t>4 = cluster </a:t>
+            </a:r>
+            <a:r>
+              <a:rPr lang="en-US" i="1" dirty="0" smtClean="0">
+                <a:latin typeface="Bookman Old Style" charset="0"/>
+                <a:ea typeface="Bookman Old Style" charset="0"/>
+                <a:cs typeface="Bookman Old Style" charset="0"/>
+              </a:rPr>
+              <a:t>6, number </a:t>
+            </a:r>
+            <a:r>
+              <a:rPr lang="en-US" i="1" dirty="0">
+                <a:latin typeface="Bookman Old Style" charset="0"/>
+                <a:ea typeface="Bookman Old Style" charset="0"/>
+                <a:cs typeface="Bookman Old Style" charset="0"/>
+              </a:rPr>
+              <a:t>5 = cluster </a:t>
+            </a:r>
+            <a:r>
+              <a:rPr lang="en-US" i="1" dirty="0" smtClean="0">
+                <a:latin typeface="Bookman Old Style" charset="0"/>
+                <a:ea typeface="Bookman Old Style" charset="0"/>
+                <a:cs typeface="Bookman Old Style" charset="0"/>
+              </a:rPr>
+              <a:t>8, number </a:t>
+            </a:r>
+            <a:r>
+              <a:rPr lang="en-US" i="1" dirty="0">
+                <a:latin typeface="Bookman Old Style" charset="0"/>
+                <a:ea typeface="Bookman Old Style" charset="0"/>
+                <a:cs typeface="Bookman Old Style" charset="0"/>
+              </a:rPr>
+              <a:t>6 = cluster </a:t>
+            </a:r>
+            <a:r>
+              <a:rPr lang="en-US" i="1" dirty="0" smtClean="0">
+                <a:latin typeface="Bookman Old Style" charset="0"/>
+                <a:ea typeface="Bookman Old Style" charset="0"/>
+                <a:cs typeface="Bookman Old Style" charset="0"/>
+              </a:rPr>
+              <a:t>5, number </a:t>
+            </a:r>
+            <a:r>
+              <a:rPr lang="en-US" i="1" dirty="0">
+                <a:latin typeface="Bookman Old Style" charset="0"/>
+                <a:ea typeface="Bookman Old Style" charset="0"/>
+                <a:cs typeface="Bookman Old Style" charset="0"/>
+              </a:rPr>
+              <a:t>7 = cluster </a:t>
+            </a:r>
+            <a:r>
+              <a:rPr lang="en-US" i="1" dirty="0" smtClean="0">
+                <a:latin typeface="Bookman Old Style" charset="0"/>
+                <a:ea typeface="Bookman Old Style" charset="0"/>
+                <a:cs typeface="Bookman Old Style" charset="0"/>
+              </a:rPr>
+              <a:t>9, number </a:t>
+            </a:r>
+            <a:r>
+              <a:rPr lang="en-US" i="1" dirty="0">
+                <a:latin typeface="Bookman Old Style" charset="0"/>
+                <a:ea typeface="Bookman Old Style" charset="0"/>
+                <a:cs typeface="Bookman Old Style" charset="0"/>
+              </a:rPr>
+              <a:t>8 = cluster </a:t>
+            </a:r>
+            <a:r>
+              <a:rPr lang="en-US" i="1" dirty="0" smtClean="0">
+                <a:latin typeface="Bookman Old Style" charset="0"/>
+                <a:ea typeface="Bookman Old Style" charset="0"/>
+                <a:cs typeface="Bookman Old Style" charset="0"/>
+              </a:rPr>
+              <a:t>3, number </a:t>
+            </a:r>
+            <a:r>
+              <a:rPr lang="en-US" i="1" dirty="0">
+                <a:latin typeface="Bookman Old Style" charset="0"/>
+                <a:ea typeface="Bookman Old Style" charset="0"/>
+                <a:cs typeface="Bookman Old Style" charset="0"/>
+              </a:rPr>
+              <a:t>9 = cluster 7, 9</a:t>
+            </a:r>
+          </a:p>
+        </p:txBody>
+      </p:sp>
+      <p:sp>
+        <p:nvSpPr>
+          <p:cNvPr id="5" name="Footer Placeholder 3"/>
+          <p:cNvSpPr>
+            <a:spLocks noGrp="1"/>
+          </p:cNvSpPr>
+          <p:nvPr>
+            <p:ph type="ftr" sz="quarter" idx="11"/>
+          </p:nvPr>
+        </p:nvSpPr>
+        <p:spPr>
+          <a:xfrm>
+            <a:off x="2951577" y="6332034"/>
+            <a:ext cx="7084177" cy="365125"/>
+          </a:xfrm>
+        </p:spPr>
+        <p:txBody>
+          <a:bodyPr/>
+          <a:lstStyle/>
+          <a:p>
+            <a:pPr algn="r"/>
+            <a:r>
+              <a:rPr lang="en-US" sz="1600" b="1" i="1" dirty="0" smtClean="0"/>
+              <a:t>Anani</a:t>
+            </a:r>
+            <a:endParaRPr lang="en-US" sz="1600" b="1" i="1" dirty="0"/>
+          </a:p>
+        </p:txBody>
+      </p:sp>
+    </p:spTree>
+    <p:extLst>
+      <p:ext uri="{BB962C8B-B14F-4D97-AF65-F5344CB8AC3E}">
+        <p14:creationId xmlns:p14="http://schemas.microsoft.com/office/powerpoint/2010/main" val="1623377544"/>
+      </p:ext>
+    </p:extLst>
+  </p:cSld>
+  <p:clrMapOvr>
+    <a:masterClrMapping/>
+  </p:clrMapOvr>
+</p:sld>
+</file>
+
+<file path=ppt/slides/slide14.xml><?xml version="1.0" encoding="utf-8"?>
+<p:sld xmlns:a="http://schemas.openxmlformats.org/drawingml/2006/main" xmlns:r="http://schemas.openxmlformats.org/officeDocument/2006/relationships" xmlns:p="http://schemas.openxmlformats.org/presentationml/2006/main">
+  <p:cSld>
+    <p:spTree>
+      <p:nvGrpSpPr>
+        <p:cNvPr id="1" name=""/>
+        <p:cNvGrpSpPr/>
+        <p:nvPr/>
+      </p:nvGrpSpPr>
+      <p:grpSpPr>
+        <a:xfrm>
+          <a:off x="0" y="0"/>
+          <a:ext cx="0" cy="0"/>
+          <a:chOff x="0" y="0"/>
+          <a:chExt cx="0" cy="0"/>
+        </a:xfrm>
+      </p:grpSpPr>
+      <p:sp>
+        <p:nvSpPr>
+          <p:cNvPr id="2" name="Title 1"/>
+          <p:cNvSpPr>
+            <a:spLocks noGrp="1"/>
+          </p:cNvSpPr>
+          <p:nvPr>
+            <p:ph type="title"/>
+          </p:nvPr>
+        </p:nvSpPr>
+        <p:spPr/>
+        <p:txBody>
+          <a:bodyPr/>
+          <a:lstStyle/>
+          <a:p>
+            <a:r>
+              <a:rPr lang="en-US" i="1" dirty="0" smtClean="0">
+                <a:latin typeface="Bookman Old Style" charset="0"/>
+                <a:ea typeface="Bookman Old Style" charset="0"/>
+                <a:cs typeface="Bookman Old Style" charset="0"/>
+              </a:rPr>
+              <a:t>Digital Handwriting Recognizer</a:t>
+            </a:r>
+            <a:endParaRPr lang="en-US" i="1" dirty="0">
+              <a:latin typeface="Bookman Old Style" charset="0"/>
+              <a:ea typeface="Bookman Old Style" charset="0"/>
+              <a:cs typeface="Bookman Old Style" charset="0"/>
+            </a:endParaRPr>
+          </a:p>
+        </p:txBody>
+      </p:sp>
+      <p:sp>
+        <p:nvSpPr>
+          <p:cNvPr id="3" name="Content Placeholder 2"/>
+          <p:cNvSpPr>
+            <a:spLocks noGrp="1"/>
+          </p:cNvSpPr>
+          <p:nvPr>
+            <p:ph idx="1"/>
+          </p:nvPr>
+        </p:nvSpPr>
+        <p:spPr>
+          <a:xfrm>
+            <a:off x="1484310" y="2118732"/>
+            <a:ext cx="10018713" cy="4527395"/>
+          </a:xfrm>
+        </p:spPr>
+        <p:txBody>
+          <a:bodyPr>
+            <a:normAutofit/>
+          </a:bodyPr>
+          <a:lstStyle/>
+          <a:p>
+            <a:r>
+              <a:rPr lang="en-US" dirty="0" smtClean="0">
+                <a:latin typeface="Bookman Old Style" charset="0"/>
+                <a:ea typeface="Bookman Old Style" charset="0"/>
+                <a:cs typeface="Bookman Old Style" charset="0"/>
+              </a:rPr>
+              <a:t>Next, we </a:t>
+            </a:r>
+            <a:r>
+              <a:rPr lang="en-US" dirty="0"/>
+              <a:t>Coerce </a:t>
+            </a:r>
+            <a:r>
+              <a:rPr lang="en-US" dirty="0" smtClean="0"/>
+              <a:t>the </a:t>
+            </a:r>
+            <a:r>
+              <a:rPr lang="en-US" i="1" dirty="0" err="1">
+                <a:latin typeface="Bookman Old Style" charset="0"/>
+                <a:ea typeface="Bookman Old Style" charset="0"/>
+                <a:cs typeface="Bookman Old Style" charset="0"/>
+              </a:rPr>
+              <a:t>confusionmatrix</a:t>
+            </a:r>
+            <a:r>
+              <a:rPr lang="en-US" dirty="0" smtClean="0"/>
+              <a:t> to </a:t>
+            </a:r>
+            <a:r>
+              <a:rPr lang="en-US" dirty="0"/>
+              <a:t>a Data </a:t>
+            </a:r>
+            <a:r>
+              <a:rPr lang="en-US" dirty="0" smtClean="0"/>
+              <a:t>Frame Matrix</a:t>
+            </a:r>
+          </a:p>
+          <a:p>
+            <a:pPr lvl="1"/>
+            <a:r>
+              <a:rPr lang="en-US" i="1" dirty="0" err="1"/>
+              <a:t>as.data.frame.matrix</a:t>
+            </a:r>
+            <a:r>
+              <a:rPr lang="en-US" i="1" dirty="0"/>
+              <a:t>(</a:t>
+            </a:r>
+            <a:r>
+              <a:rPr lang="en-US" i="1" dirty="0" err="1"/>
+              <a:t>confusionmatrix</a:t>
+            </a:r>
+            <a:r>
+              <a:rPr lang="en-US" i="1" dirty="0"/>
+              <a:t>)</a:t>
+            </a:r>
+            <a:endParaRPr lang="en-US" i="1" dirty="0" smtClean="0"/>
+          </a:p>
+          <a:p>
+            <a:r>
+              <a:rPr lang="en-US" dirty="0" smtClean="0"/>
+              <a:t>Then we created a conditional probability function to:</a:t>
+            </a:r>
+          </a:p>
+          <a:p>
+            <a:pPr lvl="1"/>
+            <a:r>
+              <a:rPr lang="en-US" dirty="0" smtClean="0"/>
+              <a:t>Determine the probability of an index in the </a:t>
+            </a:r>
+            <a:r>
+              <a:rPr lang="en-US" i="1" dirty="0" err="1" smtClean="0"/>
+              <a:t>confusionmatrix</a:t>
+            </a:r>
+            <a:r>
+              <a:rPr lang="en-US" i="1" dirty="0" smtClean="0"/>
+              <a:t> </a:t>
+            </a:r>
+          </a:p>
+          <a:p>
+            <a:pPr lvl="1"/>
+            <a:r>
+              <a:rPr lang="en-US" dirty="0"/>
+              <a:t>B</a:t>
+            </a:r>
+            <a:r>
+              <a:rPr lang="en-US" dirty="0" smtClean="0"/>
+              <a:t>y taking the </a:t>
+            </a:r>
+            <a:r>
+              <a:rPr lang="en-US" i="1" dirty="0" err="1" smtClean="0"/>
+              <a:t>confusionmatrix</a:t>
+            </a:r>
+            <a:r>
+              <a:rPr lang="en-US" i="1" dirty="0" smtClean="0"/>
+              <a:t> </a:t>
+            </a:r>
+            <a:r>
+              <a:rPr lang="en-US" dirty="0" smtClean="0"/>
+              <a:t>dataset and converting it into a vector as oppose to a data frame matrix.</a:t>
+            </a:r>
+          </a:p>
+          <a:p>
+            <a:r>
+              <a:rPr lang="en-US" dirty="0" smtClean="0"/>
+              <a:t>Once we obtained a successful result with the smaller data set, we applied a medium size dataset.</a:t>
+            </a:r>
+          </a:p>
+          <a:p>
+            <a:pPr lvl="1"/>
+            <a:r>
+              <a:rPr lang="en-US" i="1" dirty="0"/>
+              <a:t>(</a:t>
+            </a:r>
+            <a:r>
+              <a:rPr lang="en-US" i="1" dirty="0" err="1"/>
+              <a:t>digits.cluster.med</a:t>
+            </a:r>
+            <a:r>
+              <a:rPr lang="en-US" i="1" dirty="0"/>
+              <a:t> &lt;- specc(</a:t>
+            </a:r>
+            <a:r>
+              <a:rPr lang="en-US" i="1" dirty="0" err="1"/>
+              <a:t>digits.nolabelmed</a:t>
+            </a:r>
+            <a:r>
+              <a:rPr lang="en-US" i="1" dirty="0"/>
+              <a:t>, centers = 10</a:t>
+            </a:r>
+            <a:r>
+              <a:rPr lang="en-US" i="1" dirty="0" smtClean="0"/>
+              <a:t>))</a:t>
+            </a:r>
+          </a:p>
+          <a:p>
+            <a:pPr lvl="1"/>
+            <a:r>
+              <a:rPr lang="en-US" i="1" dirty="0"/>
+              <a:t>table(</a:t>
+            </a:r>
+            <a:r>
+              <a:rPr lang="en-US" i="1" dirty="0" err="1"/>
+              <a:t>digits.med$label</a:t>
+            </a:r>
+            <a:r>
+              <a:rPr lang="en-US" i="1" dirty="0"/>
+              <a:t>, </a:t>
+            </a:r>
+            <a:r>
+              <a:rPr lang="en-US" i="1" dirty="0" err="1"/>
+              <a:t>digits.cluster.med</a:t>
+            </a:r>
+            <a:r>
+              <a:rPr lang="en-US" i="1" dirty="0"/>
+              <a:t>[1:1000])</a:t>
+            </a:r>
+          </a:p>
+          <a:p>
+            <a:endParaRPr lang="en-US" dirty="0">
+              <a:latin typeface="Bookman Old Style" charset="0"/>
+              <a:ea typeface="Bookman Old Style" charset="0"/>
+              <a:cs typeface="Bookman Old Style" charset="0"/>
+            </a:endParaRPr>
+          </a:p>
+        </p:txBody>
+      </p:sp>
+      <p:sp>
+        <p:nvSpPr>
+          <p:cNvPr id="4" name="Footer Placeholder 3"/>
+          <p:cNvSpPr>
+            <a:spLocks noGrp="1"/>
+          </p:cNvSpPr>
+          <p:nvPr>
+            <p:ph type="ftr" sz="quarter" idx="11"/>
+          </p:nvPr>
+        </p:nvSpPr>
+        <p:spPr>
+          <a:xfrm>
+            <a:off x="2951577" y="6332034"/>
+            <a:ext cx="7084177" cy="365125"/>
+          </a:xfrm>
+        </p:spPr>
+        <p:txBody>
+          <a:bodyPr/>
+          <a:lstStyle/>
+          <a:p>
+            <a:pPr algn="r"/>
+            <a:r>
+              <a:rPr lang="en-US" sz="1600" b="1" i="1" dirty="0" smtClean="0"/>
+              <a:t>Anani</a:t>
+            </a:r>
+            <a:endParaRPr lang="en-US" sz="1600" b="1" i="1" dirty="0"/>
+          </a:p>
+        </p:txBody>
+      </p:sp>
+    </p:spTree>
+    <p:extLst>
+      <p:ext uri="{BB962C8B-B14F-4D97-AF65-F5344CB8AC3E}">
+        <p14:creationId xmlns:p14="http://schemas.microsoft.com/office/powerpoint/2010/main" val="1895864963"/>
       </p:ext>
     </p:extLst>
   </p:cSld>
@@ -6257,13 +8520,18 @@
             <p:ph type="title"/>
           </p:nvPr>
         </p:nvSpPr>
-        <p:spPr/>
+        <p:spPr>
+          <a:xfrm>
+            <a:off x="1484311" y="685800"/>
+            <a:ext cx="10018713" cy="1103811"/>
+          </a:xfrm>
+        </p:spPr>
         <p:txBody>
           <a:bodyPr/>
           <a:lstStyle/>
           <a:p>
             <a:r>
-              <a:rPr lang="en-US" i="1" dirty="0" smtClean="0">
+              <a:rPr lang="en-US" i="1" dirty="0">
                 <a:latin typeface="Bookman Old Style" charset="0"/>
                 <a:ea typeface="Bookman Old Style" charset="0"/>
                 <a:cs typeface="Bookman Old Style" charset="0"/>
@@ -6290,18 +8558,18 @@
         </p:nvSpPr>
         <p:spPr>
           <a:xfrm>
-            <a:off x="1484310" y="2438399"/>
-            <a:ext cx="10018713" cy="3707424"/>
+            <a:off x="1484310" y="1606732"/>
+            <a:ext cx="10018713" cy="4413068"/>
           </a:xfrm>
         </p:spPr>
         <p:txBody>
           <a:bodyPr>
-            <a:normAutofit fontScale="70000" lnSpcReduction="20000"/>
+            <a:normAutofit fontScale="85000" lnSpcReduction="20000"/>
           </a:bodyPr>
           <a:lstStyle/>
           <a:p>
             <a:r>
-              <a:rPr lang="en-US" dirty="0" smtClean="0">
+              <a:rPr lang="en-US" dirty="0">
                 <a:latin typeface="Bookman Old Style" charset="0"/>
                 <a:ea typeface="Bookman Old Style" charset="0"/>
                 <a:cs typeface="Bookman Old Style" charset="0"/>
@@ -6312,7 +8580,7 @@
           <a:p>
             <a:pPr lvl="1"/>
             <a:r>
-              <a:rPr lang="en-US" dirty="0" smtClean="0">
+              <a:rPr lang="en-US" dirty="0">
                 <a:latin typeface="Bookman Old Style" charset="0"/>
                 <a:ea typeface="Bookman Old Style" charset="0"/>
                 <a:cs typeface="Bookman Old Style" charset="0"/>
@@ -6323,191 +8591,157 @@
           <a:p>
             <a:pPr lvl="1"/>
             <a:r>
-              <a:rPr lang="en-US" dirty="0" smtClean="0">
+              <a:rPr lang="en-US" dirty="0">
                 <a:latin typeface="Bookman Old Style" charset="0"/>
                 <a:ea typeface="Bookman Old Style" charset="0"/>
                 <a:cs typeface="Bookman Old Style" charset="0"/>
               </a:rPr>
               <a:t>A real world problem to be solved</a:t>
             </a:r>
-            <a:endParaRPr lang="en-US" dirty="0" smtClean="0">
-              <a:latin typeface="Bookman Old Style" charset="0"/>
-              <a:ea typeface="Bookman Old Style" charset="0"/>
-              <a:cs typeface="Bookman Old Style" charset="0"/>
-            </a:endParaRPr>
-          </a:p>
-          <a:p>
-            <a:r>
-              <a:rPr lang="en-US" dirty="0" smtClean="0">
-                <a:latin typeface="Bookman Old Style" charset="0"/>
-                <a:ea typeface="Bookman Old Style" charset="0"/>
-                <a:cs typeface="Bookman Old Style" charset="0"/>
-              </a:rPr>
-              <a:t>The dataset</a:t>
-            </a:r>
-            <a:r>
-              <a:rPr lang="en-US" dirty="0" smtClean="0">
-                <a:latin typeface="Bookman Old Style" charset="0"/>
-                <a:ea typeface="Bookman Old Style" charset="0"/>
-                <a:cs typeface="Bookman Old Style" charset="0"/>
-              </a:rPr>
-              <a:t> – numeric values from MNIST as posted on </a:t>
-            </a:r>
-            <a:r>
-              <a:rPr lang="en-US" dirty="0" err="1" smtClean="0">
+          </a:p>
+          <a:p>
+            <a:r>
+              <a:rPr lang="en-US" dirty="0">
+                <a:latin typeface="Bookman Old Style" charset="0"/>
+                <a:ea typeface="Bookman Old Style" charset="0"/>
+                <a:cs typeface="Bookman Old Style" charset="0"/>
+              </a:rPr>
+              <a:t>The dataset – numeric values from MNIST as posted on </a:t>
+            </a:r>
+            <a:r>
+              <a:rPr lang="en-US" dirty="0" err="1">
                 <a:latin typeface="Bookman Old Style" charset="0"/>
                 <a:ea typeface="Bookman Old Style" charset="0"/>
                 <a:cs typeface="Bookman Old Style" charset="0"/>
               </a:rPr>
               <a:t>Kaggle</a:t>
-            </a:r>
-            <a:endParaRPr lang="en-US" dirty="0" smtClean="0">
-              <a:latin typeface="Bookman Old Style" charset="0"/>
-              <a:ea typeface="Bookman Old Style" charset="0"/>
-              <a:cs typeface="Bookman Old Style" charset="0"/>
-            </a:endParaRPr>
-          </a:p>
-          <a:p>
-            <a:pPr lvl="1"/>
-            <a:r>
-              <a:rPr lang="en-US" dirty="0" smtClean="0">
-                <a:latin typeface="Bookman Old Style" charset="0"/>
-                <a:ea typeface="Bookman Old Style" charset="0"/>
-                <a:cs typeface="Bookman Old Style" charset="0"/>
-              </a:rPr>
-              <a:t>Numbers 0 - 9 each recorded as a 28x28 pixel image and stored as 784 columns </a:t>
-            </a:r>
-          </a:p>
-          <a:p>
-            <a:pPr lvl="1"/>
-            <a:r>
-              <a:rPr lang="en-US" dirty="0" smtClean="0">
-                <a:latin typeface="Bookman Old Style" charset="0"/>
-                <a:ea typeface="Bookman Old Style" charset="0"/>
-                <a:cs typeface="Bookman Old Style" charset="0"/>
-              </a:rPr>
-              <a:t>Pixels are recorded as values 0 – 255, higher numbers representing darker values</a:t>
-            </a:r>
-          </a:p>
-          <a:p>
-            <a:pPr lvl="1"/>
-            <a:r>
-              <a:rPr lang="en-US" dirty="0" smtClean="0">
-                <a:latin typeface="Bookman Old Style" charset="0"/>
-                <a:ea typeface="Bookman Old Style" charset="0"/>
-                <a:cs typeface="Bookman Old Style" charset="0"/>
-              </a:rPr>
-              <a:t>42,000 observations in the training dataset, which includes a label column</a:t>
-            </a:r>
-          </a:p>
-          <a:p>
-            <a:pPr lvl="1"/>
-            <a:r>
-              <a:rPr lang="en-US" dirty="0" smtClean="0">
-                <a:latin typeface="Bookman Old Style" charset="0"/>
-                <a:ea typeface="Bookman Old Style" charset="0"/>
-                <a:cs typeface="Bookman Old Style" charset="0"/>
-              </a:rPr>
-              <a:t>Stored as a csv file.</a:t>
-            </a:r>
-            <a:endParaRPr lang="en-US" dirty="0" smtClean="0">
-              <a:latin typeface="Bookman Old Style" charset="0"/>
-              <a:ea typeface="Bookman Old Style" charset="0"/>
-              <a:cs typeface="Bookman Old Style" charset="0"/>
-            </a:endParaRPr>
-          </a:p>
-          <a:p>
-            <a:r>
-              <a:rPr lang="en-US" dirty="0" smtClean="0">
-                <a:latin typeface="Bookman Old Style" charset="0"/>
-                <a:ea typeface="Bookman Old Style" charset="0"/>
-                <a:cs typeface="Bookman Old Style" charset="0"/>
-              </a:rPr>
-              <a:t>Preparing the data</a:t>
-            </a:r>
-          </a:p>
-          <a:p>
-            <a:pPr lvl="1"/>
-            <a:r>
-              <a:rPr lang="en-US" dirty="0" smtClean="0">
-                <a:latin typeface="Bookman Old Style" charset="0"/>
-                <a:ea typeface="Bookman Old Style" charset="0"/>
-                <a:cs typeface="Bookman Old Style" charset="0"/>
-              </a:rPr>
-              <a:t>Read </a:t>
-            </a:r>
-            <a:r>
-              <a:rPr lang="en-US" dirty="0" smtClean="0">
-                <a:latin typeface="Bookman Old Style" charset="0"/>
-                <a:ea typeface="Bookman Old Style" charset="0"/>
-                <a:cs typeface="Bookman Old Style" charset="0"/>
-              </a:rPr>
-              <a:t>in the </a:t>
-            </a:r>
-            <a:r>
-              <a:rPr lang="en-US" dirty="0" smtClean="0">
-                <a:latin typeface="Bookman Old Style" charset="0"/>
-                <a:ea typeface="Bookman Old Style" charset="0"/>
-                <a:cs typeface="Bookman Old Style" charset="0"/>
-              </a:rPr>
-              <a:t>dataset</a:t>
-            </a:r>
-          </a:p>
-          <a:p>
-            <a:pPr lvl="1"/>
-            <a:r>
-              <a:rPr lang="en-US" dirty="0" smtClean="0">
-                <a:latin typeface="Bookman Old Style" charset="0"/>
-                <a:ea typeface="Bookman Old Style" charset="0"/>
-                <a:cs typeface="Bookman Old Style" charset="0"/>
-              </a:rPr>
-              <a:t>Reduce</a:t>
-            </a:r>
-            <a:r>
-              <a:rPr lang="en-US" dirty="0" smtClean="0">
-                <a:latin typeface="Bookman Old Style" charset="0"/>
-                <a:ea typeface="Bookman Old Style" charset="0"/>
-                <a:cs typeface="Bookman Old Style" charset="0"/>
-              </a:rPr>
-              <a:t> </a:t>
-            </a:r>
-            <a:r>
-              <a:rPr lang="en-US" dirty="0" smtClean="0">
-                <a:latin typeface="Bookman Old Style" charset="0"/>
-                <a:ea typeface="Bookman Old Style" charset="0"/>
-                <a:cs typeface="Bookman Old Style" charset="0"/>
-              </a:rPr>
-              <a:t>the dataset </a:t>
-            </a:r>
-            <a:r>
-              <a:rPr lang="en-US" dirty="0" smtClean="0">
-                <a:latin typeface="Bookman Old Style" charset="0"/>
-                <a:ea typeface="Bookman Old Style" charset="0"/>
-                <a:cs typeface="Bookman Old Style" charset="0"/>
-              </a:rPr>
-              <a:t>to perform machine learning on personal laptops</a:t>
-            </a:r>
-            <a:endParaRPr lang="en-US" dirty="0" smtClean="0">
-              <a:latin typeface="Bookman Old Style" charset="0"/>
-              <a:ea typeface="Bookman Old Style" charset="0"/>
-              <a:cs typeface="Bookman Old Style" charset="0"/>
-            </a:endParaRPr>
-          </a:p>
-          <a:p>
-            <a:pPr lvl="1"/>
-            <a:r>
-              <a:rPr lang="en-US" dirty="0" smtClean="0">
-                <a:latin typeface="Bookman Old Style" charset="0"/>
-                <a:ea typeface="Bookman Old Style" charset="0"/>
-                <a:cs typeface="Bookman Old Style" charset="0"/>
-              </a:rPr>
-              <a:t>Remove labels from the data to be used for clustering</a:t>
             </a:r>
             <a:endParaRPr lang="en-US" dirty="0">
               <a:latin typeface="Bookman Old Style" charset="0"/>
               <a:ea typeface="Bookman Old Style" charset="0"/>
               <a:cs typeface="Bookman Old Style" charset="0"/>
             </a:endParaRPr>
+          </a:p>
+          <a:p>
+            <a:pPr lvl="1"/>
+            <a:r>
+              <a:rPr lang="en-US" dirty="0">
+                <a:latin typeface="Bookman Old Style" charset="0"/>
+                <a:ea typeface="Bookman Old Style" charset="0"/>
+                <a:cs typeface="Bookman Old Style" charset="0"/>
+              </a:rPr>
+              <a:t>Numbers 0 - 9 each recorded as a 28x28 pixel image and stored as 784 columns </a:t>
+            </a:r>
+          </a:p>
+          <a:p>
+            <a:pPr lvl="1"/>
+            <a:r>
+              <a:rPr lang="en-US" dirty="0">
+                <a:latin typeface="Bookman Old Style" charset="0"/>
+                <a:ea typeface="Bookman Old Style" charset="0"/>
+                <a:cs typeface="Bookman Old Style" charset="0"/>
+              </a:rPr>
+              <a:t>Pixels are recorded as values 0 – 255, higher numbers representing darker values</a:t>
+            </a:r>
+          </a:p>
+          <a:p>
+            <a:pPr lvl="1"/>
+            <a:r>
+              <a:rPr lang="en-US" dirty="0">
+                <a:latin typeface="Bookman Old Style" charset="0"/>
+                <a:ea typeface="Bookman Old Style" charset="0"/>
+                <a:cs typeface="Bookman Old Style" charset="0"/>
+              </a:rPr>
+              <a:t>42,000 observations in the training dataset, which includes a label column</a:t>
+            </a:r>
+          </a:p>
+          <a:p>
+            <a:pPr lvl="1"/>
+            <a:r>
+              <a:rPr lang="en-US" dirty="0">
+                <a:latin typeface="Bookman Old Style" charset="0"/>
+                <a:ea typeface="Bookman Old Style" charset="0"/>
+                <a:cs typeface="Bookman Old Style" charset="0"/>
+              </a:rPr>
+              <a:t>Stored as a csv file.</a:t>
+            </a:r>
+          </a:p>
+          <a:p>
+            <a:r>
+              <a:rPr lang="en-US" dirty="0">
+                <a:latin typeface="Bookman Old Style" charset="0"/>
+                <a:ea typeface="Bookman Old Style" charset="0"/>
+                <a:cs typeface="Bookman Old Style" charset="0"/>
+              </a:rPr>
+              <a:t>Preparing the data</a:t>
+            </a:r>
+          </a:p>
+          <a:p>
+            <a:pPr lvl="1"/>
+            <a:r>
+              <a:rPr lang="en-US" dirty="0">
+                <a:latin typeface="Bookman Old Style" charset="0"/>
+                <a:ea typeface="Bookman Old Style" charset="0"/>
+                <a:cs typeface="Bookman Old Style" charset="0"/>
+              </a:rPr>
+              <a:t>Read in the dataset</a:t>
+            </a:r>
+          </a:p>
+          <a:p>
+            <a:pPr lvl="1"/>
+            <a:r>
+              <a:rPr lang="en-US" dirty="0">
+                <a:latin typeface="Bookman Old Style" charset="0"/>
+                <a:ea typeface="Bookman Old Style" charset="0"/>
+                <a:cs typeface="Bookman Old Style" charset="0"/>
+              </a:rPr>
+              <a:t>Reduce the dataset to perform machine learning on personal laptops</a:t>
+            </a:r>
+          </a:p>
+          <a:p>
+            <a:pPr lvl="1"/>
+            <a:r>
+              <a:rPr lang="en-US" dirty="0">
+                <a:latin typeface="Bookman Old Style" charset="0"/>
+                <a:ea typeface="Bookman Old Style" charset="0"/>
+                <a:cs typeface="Bookman Old Style" charset="0"/>
+              </a:rPr>
+              <a:t>Remove labels from the data to be used for clustering</a:t>
+            </a:r>
+            <a:endParaRPr lang="en-US" dirty="0">
+              <a:latin typeface="Bookman Old Style" charset="0"/>
+              <a:ea typeface="Bookman Old Style" charset="0"/>
+              <a:cs typeface="Bookman Old Style" charset="0"/>
+            </a:endParaRPr>
+          </a:p>
+        </p:txBody>
+      </p:sp>
+      <p:sp>
+        <p:nvSpPr>
+          <p:cNvPr id="4" name="Footer Placeholder 3"/>
+          <p:cNvSpPr>
+            <a:spLocks noGrp="1"/>
+          </p:cNvSpPr>
+          <p:nvPr>
+            <p:ph type="ftr" sz="quarter" idx="11"/>
+          </p:nvPr>
+        </p:nvSpPr>
+        <p:spPr>
+          <a:xfrm>
+            <a:off x="3040630" y="6019800"/>
+            <a:ext cx="7084177" cy="365125"/>
+          </a:xfrm>
+        </p:spPr>
+        <p:txBody>
+          <a:bodyPr/>
+          <a:lstStyle/>
+          <a:p>
+            <a:pPr algn="r"/>
+            <a:r>
+              <a:rPr lang="en-US" sz="1600" b="1" i="1" dirty="0" smtClean="0"/>
+              <a:t>Karelys</a:t>
+            </a:r>
+            <a:endParaRPr lang="en-US" sz="1600" b="1" i="1" dirty="0"/>
           </a:p>
         </p:txBody>
       </p:sp>
@@ -6551,20 +8785,23 @@
             <p:ph type="title"/>
           </p:nvPr>
         </p:nvSpPr>
-        <p:spPr/>
+        <p:spPr>
+          <a:xfrm>
+            <a:off x="1484311" y="685800"/>
+            <a:ext cx="10018713" cy="1237251"/>
+          </a:xfrm>
+        </p:spPr>
         <p:txBody>
           <a:bodyPr/>
           <a:lstStyle/>
           <a:p>
             <a:r>
-              <a:rPr lang="en-US" i="1" dirty="0" smtClean="0">
+              <a:rPr lang="en-US" i="1" dirty="0">
                 <a:latin typeface="Bookman Old Style" panose="02050604050505020204" pitchFamily="18" charset="0"/>
               </a:rPr>
               <a:t>Baseline testing of algorithms</a:t>
             </a:r>
-            <a:endParaRPr lang="en-US" i="1" dirty="0">
-              <a:latin typeface="Bookman Old Style" panose="02050604050505020204" pitchFamily="18" charset="0"/>
-            </a:endParaRPr>
+            <a:endParaRPr lang="en-US" dirty="0"/>
           </a:p>
         </p:txBody>
       </p:sp>
@@ -6580,13 +8817,13 @@
         </p:nvSpPr>
         <p:spPr>
           <a:xfrm>
-            <a:off x="1484310" y="2438399"/>
-            <a:ext cx="10018713" cy="3698632"/>
+            <a:off x="1484310" y="1923051"/>
+            <a:ext cx="10018713" cy="4138114"/>
           </a:xfrm>
         </p:spPr>
         <p:txBody>
           <a:bodyPr>
-            <a:normAutofit fontScale="70000" lnSpcReduction="20000"/>
+            <a:normAutofit/>
           </a:bodyPr>
           <a:lstStyle/>
           <a:p>
@@ -6602,7 +8839,7 @@
           <a:p>
             <a:pPr lvl="1"/>
             <a:r>
-              <a:rPr lang="en-US" dirty="0" smtClean="0">
+              <a:rPr lang="en-US" dirty="0">
                 <a:latin typeface="Bookman Old Style" charset="0"/>
                 <a:ea typeface="Bookman Old Style" charset="0"/>
                 <a:cs typeface="Bookman Old Style" charset="0"/>
@@ -6613,7 +8850,7 @@
           <a:p>
             <a:pPr lvl="1"/>
             <a:r>
-              <a:rPr lang="en-US" dirty="0" smtClean="0">
+              <a:rPr lang="en-US" dirty="0">
                 <a:latin typeface="Bookman Old Style" charset="0"/>
                 <a:ea typeface="Bookman Old Style" charset="0"/>
                 <a:cs typeface="Bookman Old Style" charset="0"/>
@@ -6624,12 +8861,143 @@
           <a:p>
             <a:pPr lvl="1"/>
             <a:r>
-              <a:rPr lang="en-US" dirty="0" smtClean="0">
+              <a:rPr lang="en-US" dirty="0">
                 <a:latin typeface="Bookman Old Style" charset="0"/>
                 <a:ea typeface="Bookman Old Style" charset="0"/>
                 <a:cs typeface="Bookman Old Style" charset="0"/>
               </a:rPr>
               <a:t>Limited variables to increase understanding of algorithms without overt complexity</a:t>
+            </a:r>
+          </a:p>
+          <a:p>
+            <a:r>
+              <a:rPr lang="en-US" dirty="0">
+                <a:latin typeface="Bookman Old Style" charset="0"/>
+                <a:ea typeface="Bookman Old Style" charset="0"/>
+                <a:cs typeface="Bookman Old Style" charset="0"/>
+              </a:rPr>
+              <a:t>Choice of algorithms</a:t>
+            </a:r>
+          </a:p>
+          <a:p>
+            <a:pPr lvl="1"/>
+            <a:r>
+              <a:rPr lang="en-US" dirty="0">
+                <a:latin typeface="Bookman Old Style" charset="0"/>
+                <a:ea typeface="Bookman Old Style" charset="0"/>
+                <a:cs typeface="Bookman Old Style" charset="0"/>
+              </a:rPr>
+              <a:t>Spectral clustering – </a:t>
+            </a:r>
+            <a:r>
+              <a:rPr lang="en-US" dirty="0" err="1">
+                <a:latin typeface="Bookman Old Style" charset="0"/>
+                <a:ea typeface="Bookman Old Style" charset="0"/>
+                <a:cs typeface="Bookman Old Style" charset="0"/>
+              </a:rPr>
+              <a:t>specc</a:t>
+            </a:r>
+            <a:r>
+              <a:rPr lang="en-US" dirty="0">
+                <a:latin typeface="Bookman Old Style" charset="0"/>
+                <a:ea typeface="Bookman Old Style" charset="0"/>
+                <a:cs typeface="Bookman Old Style" charset="0"/>
+              </a:rPr>
+              <a:t> (</a:t>
+            </a:r>
+            <a:r>
+              <a:rPr lang="en-US" dirty="0" err="1">
+                <a:latin typeface="Bookman Old Style" charset="0"/>
+                <a:ea typeface="Bookman Old Style" charset="0"/>
+                <a:cs typeface="Bookman Old Style" charset="0"/>
+              </a:rPr>
+              <a:t>kernlab</a:t>
+            </a:r>
+            <a:r>
+              <a:rPr lang="en-US" dirty="0">
+                <a:latin typeface="Bookman Old Style" charset="0"/>
+                <a:ea typeface="Bookman Old Style" charset="0"/>
+                <a:cs typeface="Bookman Old Style" charset="0"/>
+              </a:rPr>
+              <a:t>), </a:t>
+            </a:r>
+            <a:r>
+              <a:rPr lang="en-US" dirty="0" err="1">
+                <a:latin typeface="Bookman Old Style" charset="0"/>
+                <a:ea typeface="Bookman Old Style" charset="0"/>
+                <a:cs typeface="Bookman Old Style" charset="0"/>
+              </a:rPr>
+              <a:t>SamSPECTRAL</a:t>
+            </a:r>
+            <a:r>
+              <a:rPr lang="en-US" dirty="0">
+                <a:latin typeface="Bookman Old Style" charset="0"/>
+                <a:ea typeface="Bookman Old Style" charset="0"/>
+                <a:cs typeface="Bookman Old Style" charset="0"/>
+              </a:rPr>
+              <a:t>, </a:t>
+            </a:r>
+            <a:r>
+              <a:rPr lang="en-US" dirty="0" err="1">
+                <a:latin typeface="Bookman Old Style" charset="0"/>
+                <a:ea typeface="Bookman Old Style" charset="0"/>
+                <a:cs typeface="Bookman Old Style" charset="0"/>
+              </a:rPr>
+              <a:t>specClust</a:t>
+            </a:r>
+            <a:r>
+              <a:rPr lang="en-US" dirty="0">
+                <a:latin typeface="Bookman Old Style" charset="0"/>
+                <a:ea typeface="Bookman Old Style" charset="0"/>
+                <a:cs typeface="Bookman Old Style" charset="0"/>
+              </a:rPr>
+              <a:t> (</a:t>
+            </a:r>
+            <a:r>
+              <a:rPr lang="en-US" dirty="0" err="1">
+                <a:latin typeface="Bookman Old Style" charset="0"/>
+                <a:ea typeface="Bookman Old Style" charset="0"/>
+                <a:cs typeface="Bookman Old Style" charset="0"/>
+              </a:rPr>
+              <a:t>kknn</a:t>
+            </a:r>
+            <a:r>
+              <a:rPr lang="en-US" dirty="0">
+                <a:latin typeface="Bookman Old Style" charset="0"/>
+                <a:ea typeface="Bookman Old Style" charset="0"/>
+                <a:cs typeface="Bookman Old Style" charset="0"/>
+              </a:rPr>
+              <a:t>)</a:t>
+            </a:r>
+          </a:p>
+          <a:p>
+            <a:pPr lvl="1"/>
+            <a:r>
+              <a:rPr lang="en-US" dirty="0">
+                <a:latin typeface="Bookman Old Style" charset="0"/>
+                <a:ea typeface="Bookman Old Style" charset="0"/>
+                <a:cs typeface="Bookman Old Style" charset="0"/>
+              </a:rPr>
+              <a:t>K-means clustering</a:t>
+            </a:r>
+          </a:p>
+          <a:p>
+            <a:pPr lvl="1"/>
+            <a:r>
+              <a:rPr lang="en-US" dirty="0">
+                <a:latin typeface="Bookman Old Style" charset="0"/>
+                <a:ea typeface="Bookman Old Style" charset="0"/>
+                <a:cs typeface="Bookman Old Style" charset="0"/>
+              </a:rPr>
+              <a:t>Density clustering - </a:t>
+            </a:r>
+            <a:r>
+              <a:rPr lang="en-US" dirty="0" err="1" smtClean="0">
+                <a:latin typeface="Bookman Old Style" charset="0"/>
+                <a:ea typeface="Bookman Old Style" charset="0"/>
+                <a:cs typeface="Bookman Old Style" charset="0"/>
+              </a:rPr>
+              <a:t>dbscan</a:t>
             </a:r>
             <a:endParaRPr lang="en-US" dirty="0">
               <a:latin typeface="Bookman Old Style" charset="0"/>
@@ -6637,280 +9005,41 @@
               <a:cs typeface="Bookman Old Style" charset="0"/>
             </a:endParaRPr>
           </a:p>
-          <a:p>
-            <a:r>
-              <a:rPr lang="en-US" dirty="0" smtClean="0">
-                <a:latin typeface="Bookman Old Style" charset="0"/>
-                <a:ea typeface="Bookman Old Style" charset="0"/>
-                <a:cs typeface="Bookman Old Style" charset="0"/>
-              </a:rPr>
-              <a:t>Choice of algorithms</a:t>
-            </a:r>
-            <a:endParaRPr lang="en-US" dirty="0">
-              <a:latin typeface="Bookman Old Style" charset="0"/>
-              <a:ea typeface="Bookman Old Style" charset="0"/>
-              <a:cs typeface="Bookman Old Style" charset="0"/>
-            </a:endParaRPr>
-          </a:p>
-          <a:p>
-            <a:pPr lvl="1"/>
-            <a:r>
-              <a:rPr lang="en-US" dirty="0" smtClean="0">
-                <a:latin typeface="Bookman Old Style" charset="0"/>
-                <a:ea typeface="Bookman Old Style" charset="0"/>
-                <a:cs typeface="Bookman Old Style" charset="0"/>
-              </a:rPr>
-              <a:t>Spectral clustering – </a:t>
-            </a:r>
-            <a:r>
-              <a:rPr lang="en-US" dirty="0" err="1" smtClean="0">
-                <a:latin typeface="Bookman Old Style" charset="0"/>
-                <a:ea typeface="Bookman Old Style" charset="0"/>
-                <a:cs typeface="Bookman Old Style" charset="0"/>
-              </a:rPr>
-              <a:t>specc</a:t>
-            </a:r>
-            <a:r>
-              <a:rPr lang="en-US" dirty="0" smtClean="0">
-                <a:latin typeface="Bookman Old Style" charset="0"/>
-                <a:ea typeface="Bookman Old Style" charset="0"/>
-                <a:cs typeface="Bookman Old Style" charset="0"/>
-              </a:rPr>
-              <a:t> (</a:t>
-            </a:r>
-            <a:r>
-              <a:rPr lang="en-US" dirty="0" err="1" smtClean="0">
-                <a:latin typeface="Bookman Old Style" charset="0"/>
-                <a:ea typeface="Bookman Old Style" charset="0"/>
-                <a:cs typeface="Bookman Old Style" charset="0"/>
-              </a:rPr>
-              <a:t>kernlab</a:t>
-            </a:r>
-            <a:r>
-              <a:rPr lang="en-US" dirty="0" smtClean="0">
-                <a:latin typeface="Bookman Old Style" charset="0"/>
-                <a:ea typeface="Bookman Old Style" charset="0"/>
-                <a:cs typeface="Bookman Old Style" charset="0"/>
-              </a:rPr>
-              <a:t>), </a:t>
-            </a:r>
-            <a:r>
-              <a:rPr lang="en-US" dirty="0" err="1" smtClean="0">
-                <a:latin typeface="Bookman Old Style" charset="0"/>
-                <a:ea typeface="Bookman Old Style" charset="0"/>
-                <a:cs typeface="Bookman Old Style" charset="0"/>
-              </a:rPr>
-              <a:t>SamSPECTRAL</a:t>
-            </a:r>
-            <a:r>
-              <a:rPr lang="en-US" dirty="0" smtClean="0">
-                <a:latin typeface="Bookman Old Style" charset="0"/>
-                <a:ea typeface="Bookman Old Style" charset="0"/>
-                <a:cs typeface="Bookman Old Style" charset="0"/>
-              </a:rPr>
-              <a:t>, </a:t>
-            </a:r>
-            <a:r>
-              <a:rPr lang="en-US" dirty="0" err="1" smtClean="0">
-                <a:latin typeface="Bookman Old Style" charset="0"/>
-                <a:ea typeface="Bookman Old Style" charset="0"/>
-                <a:cs typeface="Bookman Old Style" charset="0"/>
-              </a:rPr>
-              <a:t>specClust</a:t>
-            </a:r>
-            <a:r>
-              <a:rPr lang="en-US" dirty="0" smtClean="0">
-                <a:latin typeface="Bookman Old Style" charset="0"/>
-                <a:ea typeface="Bookman Old Style" charset="0"/>
-                <a:cs typeface="Bookman Old Style" charset="0"/>
-              </a:rPr>
-              <a:t> (</a:t>
-            </a:r>
-            <a:r>
-              <a:rPr lang="en-US" dirty="0" err="1" smtClean="0">
-                <a:latin typeface="Bookman Old Style" charset="0"/>
-                <a:ea typeface="Bookman Old Style" charset="0"/>
-                <a:cs typeface="Bookman Old Style" charset="0"/>
-              </a:rPr>
-              <a:t>kknn</a:t>
-            </a:r>
-            <a:r>
-              <a:rPr lang="en-US" dirty="0" smtClean="0">
-                <a:latin typeface="Bookman Old Style" charset="0"/>
-                <a:ea typeface="Bookman Old Style" charset="0"/>
-                <a:cs typeface="Bookman Old Style" charset="0"/>
-              </a:rPr>
-              <a:t>)</a:t>
-            </a:r>
-          </a:p>
-          <a:p>
-            <a:pPr lvl="1"/>
-            <a:r>
-              <a:rPr lang="en-US" dirty="0" smtClean="0">
-                <a:latin typeface="Bookman Old Style" charset="0"/>
-                <a:ea typeface="Bookman Old Style" charset="0"/>
-                <a:cs typeface="Bookman Old Style" charset="0"/>
-              </a:rPr>
-              <a:t>K-means clustering</a:t>
-            </a:r>
-          </a:p>
-          <a:p>
-            <a:pPr lvl="1"/>
-            <a:r>
-              <a:rPr lang="en-US" dirty="0" smtClean="0">
-                <a:latin typeface="Bookman Old Style" charset="0"/>
-                <a:ea typeface="Bookman Old Style" charset="0"/>
-                <a:cs typeface="Bookman Old Style" charset="0"/>
-              </a:rPr>
-              <a:t>Density clustering - </a:t>
-            </a:r>
-            <a:r>
-              <a:rPr lang="en-US" dirty="0" err="1" smtClean="0">
-                <a:latin typeface="Bookman Old Style" charset="0"/>
-                <a:ea typeface="Bookman Old Style" charset="0"/>
-                <a:cs typeface="Bookman Old Style" charset="0"/>
-              </a:rPr>
-              <a:t>dbscan</a:t>
-            </a:r>
-            <a:endParaRPr lang="en-US" dirty="0">
-              <a:latin typeface="Bookman Old Style" charset="0"/>
-              <a:ea typeface="Bookman Old Style" charset="0"/>
-              <a:cs typeface="Bookman Old Style" charset="0"/>
-            </a:endParaRPr>
-          </a:p>
-          <a:p>
-            <a:r>
-              <a:rPr lang="en-US" dirty="0" smtClean="0">
-                <a:latin typeface="Bookman Old Style" charset="0"/>
-                <a:ea typeface="Bookman Old Style" charset="0"/>
-                <a:cs typeface="Bookman Old Style" charset="0"/>
-              </a:rPr>
-              <a:t>Performance of algorithms</a:t>
-            </a:r>
-            <a:endParaRPr lang="en-US" dirty="0">
-              <a:latin typeface="Bookman Old Style" charset="0"/>
-              <a:ea typeface="Bookman Old Style" charset="0"/>
-              <a:cs typeface="Bookman Old Style" charset="0"/>
-            </a:endParaRPr>
-          </a:p>
-          <a:p>
-            <a:pPr lvl="1"/>
-            <a:r>
-              <a:rPr lang="en-US" dirty="0" err="1" smtClean="0">
-                <a:latin typeface="Bookman Old Style" charset="0"/>
-                <a:ea typeface="Bookman Old Style" charset="0"/>
-                <a:cs typeface="Bookman Old Style" charset="0"/>
-              </a:rPr>
-              <a:t>specc</a:t>
-            </a:r>
-            <a:r>
-              <a:rPr lang="en-US" dirty="0" smtClean="0">
-                <a:latin typeface="Bookman Old Style" charset="0"/>
-                <a:ea typeface="Bookman Old Style" charset="0"/>
-                <a:cs typeface="Bookman Old Style" charset="0"/>
-              </a:rPr>
-              <a:t> and </a:t>
-            </a:r>
-            <a:r>
-              <a:rPr lang="en-US" dirty="0" err="1" smtClean="0">
-                <a:latin typeface="Bookman Old Style" charset="0"/>
-                <a:ea typeface="Bookman Old Style" charset="0"/>
-                <a:cs typeface="Bookman Old Style" charset="0"/>
-              </a:rPr>
-              <a:t>SamSPECTRAL</a:t>
-            </a:r>
-            <a:r>
-              <a:rPr lang="en-US" dirty="0" smtClean="0">
-                <a:latin typeface="Bookman Old Style" charset="0"/>
-                <a:ea typeface="Bookman Old Style" charset="0"/>
-                <a:cs typeface="Bookman Old Style" charset="0"/>
-              </a:rPr>
-              <a:t> had trouble differentiating between versicolor and </a:t>
-            </a:r>
-            <a:r>
-              <a:rPr lang="en-US" dirty="0" err="1" smtClean="0">
-                <a:latin typeface="Bookman Old Style" charset="0"/>
-                <a:ea typeface="Bookman Old Style" charset="0"/>
-                <a:cs typeface="Bookman Old Style" charset="0"/>
-              </a:rPr>
-              <a:t>virginica</a:t>
-            </a:r>
-            <a:endParaRPr lang="en-US" dirty="0">
-              <a:latin typeface="Bookman Old Style" charset="0"/>
-              <a:ea typeface="Bookman Old Style" charset="0"/>
-              <a:cs typeface="Bookman Old Style" charset="0"/>
-            </a:endParaRPr>
-          </a:p>
-          <a:p>
-            <a:pPr lvl="1"/>
-            <a:r>
-              <a:rPr lang="en-US" dirty="0" err="1" smtClean="0">
-                <a:latin typeface="Bookman Old Style" charset="0"/>
-                <a:ea typeface="Bookman Old Style" charset="0"/>
-                <a:cs typeface="Bookman Old Style" charset="0"/>
-              </a:rPr>
-              <a:t>dbscan</a:t>
-            </a:r>
-            <a:r>
-              <a:rPr lang="en-US" dirty="0" smtClean="0">
-                <a:latin typeface="Bookman Old Style" charset="0"/>
-                <a:ea typeface="Bookman Old Style" charset="0"/>
-                <a:cs typeface="Bookman Old Style" charset="0"/>
-              </a:rPr>
-              <a:t> provided a little more differentiation between versicolor and </a:t>
-            </a:r>
-            <a:r>
-              <a:rPr lang="en-US" dirty="0" err="1" smtClean="0">
-                <a:latin typeface="Bookman Old Style" charset="0"/>
-                <a:ea typeface="Bookman Old Style" charset="0"/>
-                <a:cs typeface="Bookman Old Style" charset="0"/>
-              </a:rPr>
-              <a:t>virginica</a:t>
-            </a:r>
-            <a:endParaRPr lang="en-US" dirty="0">
-              <a:latin typeface="Bookman Old Style" charset="0"/>
-              <a:ea typeface="Bookman Old Style" charset="0"/>
-              <a:cs typeface="Bookman Old Style" charset="0"/>
-            </a:endParaRPr>
-          </a:p>
-          <a:p>
-            <a:pPr lvl="1"/>
-            <a:r>
-              <a:rPr lang="en-US" dirty="0" smtClean="0">
-                <a:latin typeface="Bookman Old Style" charset="0"/>
-                <a:ea typeface="Bookman Old Style" charset="0"/>
-                <a:cs typeface="Bookman Old Style" charset="0"/>
-              </a:rPr>
-              <a:t>K-means and </a:t>
-            </a:r>
-            <a:r>
-              <a:rPr lang="en-US" dirty="0" err="1" smtClean="0">
-                <a:latin typeface="Bookman Old Style" charset="0"/>
-                <a:ea typeface="Bookman Old Style" charset="0"/>
-                <a:cs typeface="Bookman Old Style" charset="0"/>
-              </a:rPr>
-              <a:t>specClust</a:t>
-            </a:r>
-            <a:r>
-              <a:rPr lang="en-US" dirty="0" smtClean="0">
-                <a:latin typeface="Bookman Old Style" charset="0"/>
-                <a:ea typeface="Bookman Old Style" charset="0"/>
-                <a:cs typeface="Bookman Old Style" charset="0"/>
-              </a:rPr>
-              <a:t> had the most success correctly clustering the species</a:t>
-            </a:r>
-            <a:endParaRPr lang="en-US" dirty="0">
-              <a:latin typeface="Bookman Old Style" charset="0"/>
-              <a:ea typeface="Bookman Old Style" charset="0"/>
-              <a:cs typeface="Bookman Old Style" charset="0"/>
-            </a:endParaRPr>
+        </p:txBody>
+      </p:sp>
+      <p:sp>
+        <p:nvSpPr>
+          <p:cNvPr id="4" name="Footer Placeholder 3"/>
+          <p:cNvSpPr>
+            <a:spLocks noGrp="1"/>
+          </p:cNvSpPr>
+          <p:nvPr>
+            <p:ph type="ftr" sz="quarter" idx="11"/>
+          </p:nvPr>
+        </p:nvSpPr>
+        <p:spPr>
+          <a:xfrm>
+            <a:off x="3040630" y="6019800"/>
+            <a:ext cx="7084177" cy="365125"/>
+          </a:xfrm>
+        </p:spPr>
+        <p:txBody>
+          <a:bodyPr/>
+          <a:lstStyle/>
+          <a:p>
+            <a:pPr algn="r"/>
+            <a:r>
+              <a:rPr lang="en-US" sz="1600" b="1" i="1" dirty="0" smtClean="0"/>
+              <a:t>Karelys</a:t>
+            </a:r>
+            <a:endParaRPr lang="en-US" sz="1600" b="1" i="1" dirty="0"/>
           </a:p>
         </p:txBody>
       </p:sp>
     </p:spTree>
     <p:extLst>
       <p:ext uri="{BB962C8B-B14F-4D97-AF65-F5344CB8AC3E}">
-        <p14:creationId xmlns:p14="http://schemas.microsoft.com/office/powerpoint/2010/main" val="3121565103"/>
+        <p14:creationId xmlns:p14="http://schemas.microsoft.com/office/powerpoint/2010/main" val="1995408147"/>
       </p:ext>
     </p:extLst>
   </p:cSld>
@@ -6947,7 +9076,12 @@
             <p:ph type="title"/>
           </p:nvPr>
         </p:nvSpPr>
-        <p:spPr/>
+        <p:spPr>
+          <a:xfrm>
+            <a:off x="1484311" y="685800"/>
+            <a:ext cx="10018713" cy="1038497"/>
+          </a:xfrm>
+        </p:spPr>
         <p:txBody>
           <a:bodyPr/>
           <a:lstStyle/>
@@ -6958,7 +9092,7 @@
                 <a:ea typeface="Bookman Old Style" charset="0"/>
                 <a:cs typeface="Bookman Old Style" charset="0"/>
               </a:rPr>
-              <a:t>Clustering of production data</a:t>
+              <a:t>Iris Data Set</a:t>
             </a:r>
             <a:endParaRPr lang="en-US" i="1" dirty="0">
               <a:latin typeface="Bookman Old Style" charset="0"/>
@@ -6980,337 +9114,154 @@
         </p:nvSpPr>
         <p:spPr>
           <a:xfrm>
-            <a:off x="1484310" y="2666999"/>
-            <a:ext cx="10018713" cy="3399693"/>
+            <a:off x="1484310" y="1724297"/>
+            <a:ext cx="10018713" cy="4066903"/>
           </a:xfrm>
         </p:spPr>
         <p:txBody>
-          <a:bodyPr>
-            <a:normAutofit fontScale="55000" lnSpcReduction="20000"/>
-          </a:bodyPr>
+          <a:bodyPr/>
           <a:lstStyle/>
           <a:p>
             <a:r>
-              <a:rPr lang="en-US" dirty="0" err="1" smtClean="0">
-                <a:latin typeface="Bookman Old Style" charset="0"/>
-                <a:ea typeface="Bookman Old Style" charset="0"/>
-                <a:cs typeface="Bookman Old Style" charset="0"/>
-              </a:rPr>
-              <a:t>specc</a:t>
-            </a:r>
-            <a:r>
               <a:rPr lang="en-US" dirty="0" smtClean="0">
                 <a:latin typeface="Bookman Old Style" charset="0"/>
                 <a:ea typeface="Bookman Old Style" charset="0"/>
                 <a:cs typeface="Bookman Old Style" charset="0"/>
               </a:rPr>
-              <a:t> clustering</a:t>
-            </a:r>
-            <a:endParaRPr lang="en-US" dirty="0" smtClean="0">
+              <a:t>Using the Iris Data Set as basis of known outcome:</a:t>
+            </a:r>
+          </a:p>
+          <a:p>
+            <a:pPr lvl="1"/>
+            <a:r>
+              <a:rPr lang="en-US" dirty="0" smtClean="0">
+                <a:latin typeface="Bookman Old Style" charset="0"/>
+                <a:ea typeface="Bookman Old Style" charset="0"/>
+                <a:cs typeface="Bookman Old Style" charset="0"/>
+              </a:rPr>
+              <a:t>We import the iris data set and stored the first 4 columns into a variable as the training data set in term of a matrix:</a:t>
+            </a:r>
+          </a:p>
+          <a:p>
+            <a:pPr lvl="2"/>
+            <a:r>
+              <a:rPr lang="en-US" i="1" dirty="0" err="1">
+                <a:latin typeface="Bookman Old Style" charset="0"/>
+                <a:ea typeface="Bookman Old Style" charset="0"/>
+                <a:cs typeface="Bookman Old Style" charset="0"/>
+              </a:rPr>
+              <a:t>iris.train</a:t>
+            </a:r>
+            <a:r>
+              <a:rPr lang="en-US" i="1" dirty="0">
+                <a:latin typeface="Bookman Old Style" charset="0"/>
+                <a:ea typeface="Bookman Old Style" charset="0"/>
+                <a:cs typeface="Bookman Old Style" charset="0"/>
+              </a:rPr>
+              <a:t> &lt;- </a:t>
+            </a:r>
+            <a:r>
+              <a:rPr lang="en-US" i="1" dirty="0" err="1">
+                <a:latin typeface="Bookman Old Style" charset="0"/>
+                <a:ea typeface="Bookman Old Style" charset="0"/>
+                <a:cs typeface="Bookman Old Style" charset="0"/>
+              </a:rPr>
+              <a:t>as.matrix</a:t>
+            </a:r>
+            <a:r>
+              <a:rPr lang="en-US" i="1" dirty="0">
+                <a:latin typeface="Bookman Old Style" charset="0"/>
+                <a:ea typeface="Bookman Old Style" charset="0"/>
+                <a:cs typeface="Bookman Old Style" charset="0"/>
+              </a:rPr>
+              <a:t>(iris[,1:4])</a:t>
+            </a:r>
+            <a:endParaRPr lang="en-US" i="1" dirty="0" smtClean="0">
               <a:latin typeface="Bookman Old Style" charset="0"/>
               <a:ea typeface="Bookman Old Style" charset="0"/>
               <a:cs typeface="Bookman Old Style" charset="0"/>
             </a:endParaRPr>
           </a:p>
           <a:p>
+            <a:r>
+              <a:rPr lang="en-US" dirty="0" smtClean="0">
+                <a:latin typeface="Bookman Old Style" charset="0"/>
+                <a:ea typeface="Bookman Old Style" charset="0"/>
+                <a:cs typeface="Bookman Old Style" charset="0"/>
+              </a:rPr>
+              <a:t>And we model the training data set with specc function using 3 initial clusters.</a:t>
+            </a:r>
+          </a:p>
+          <a:p>
             <a:pPr lvl="1"/>
             <a:r>
-              <a:rPr lang="en-US" dirty="0" smtClean="0">
-                <a:latin typeface="Bookman Old Style" charset="0"/>
-                <a:ea typeface="Bookman Old Style" charset="0"/>
-                <a:cs typeface="Bookman Old Style" charset="0"/>
-              </a:rPr>
-              <a:t>Specified10 cluster centers for the algorithm as there are 10 different numbers (0 – 9)</a:t>
-            </a:r>
-            <a:endParaRPr lang="en-US" dirty="0" smtClean="0">
-              <a:latin typeface="Bookman Old Style" charset="0"/>
-              <a:ea typeface="Bookman Old Style" charset="0"/>
-              <a:cs typeface="Bookman Old Style" charset="0"/>
-            </a:endParaRPr>
-          </a:p>
-          <a:p>
-            <a:pPr lvl="1"/>
-            <a:r>
-              <a:rPr lang="en-US" dirty="0" smtClean="0">
-                <a:latin typeface="Bookman Old Style" charset="0"/>
-                <a:ea typeface="Bookman Old Style" charset="0"/>
-                <a:cs typeface="Bookman Old Style" charset="0"/>
-              </a:rPr>
-              <a:t>Algorithm consistently had trouble differentiating between 3 and 5 as well as 4 and 9, sometimes 4, 9, and 7</a:t>
-            </a:r>
-          </a:p>
-          <a:p>
-            <a:pPr lvl="1"/>
-            <a:r>
-              <a:rPr lang="en-US" dirty="0" smtClean="0">
-                <a:latin typeface="Bookman Old Style" charset="0"/>
-                <a:ea typeface="Bookman Old Style" charset="0"/>
-                <a:cs typeface="Bookman Old Style" charset="0"/>
-              </a:rPr>
-              <a:t>Produced several clusters that were not well defined and several that were</a:t>
-            </a:r>
-          </a:p>
-          <a:p>
-            <a:pPr lvl="1"/>
-            <a:r>
-              <a:rPr lang="en-US" dirty="0" smtClean="0">
-                <a:latin typeface="Bookman Old Style" charset="0"/>
-                <a:ea typeface="Bookman Old Style" charset="0"/>
-                <a:cs typeface="Bookman Old Style" charset="0"/>
-              </a:rPr>
-              <a:t>Ran on both 100 observations and 1,000 variables</a:t>
-            </a:r>
-            <a:endParaRPr lang="en-US" dirty="0" smtClean="0">
-              <a:latin typeface="Bookman Old Style" charset="0"/>
-              <a:ea typeface="Bookman Old Style" charset="0"/>
-              <a:cs typeface="Bookman Old Style" charset="0"/>
-            </a:endParaRPr>
-          </a:p>
-          <a:p>
-            <a:r>
-              <a:rPr lang="en-US" dirty="0" smtClean="0">
-                <a:latin typeface="Bookman Old Style" charset="0"/>
-                <a:ea typeface="Bookman Old Style" charset="0"/>
-                <a:cs typeface="Bookman Old Style" charset="0"/>
-              </a:rPr>
-              <a:t>Other spectral clustering</a:t>
-            </a:r>
-          </a:p>
-          <a:p>
-            <a:pPr lvl="1"/>
-            <a:r>
-              <a:rPr lang="en-US" dirty="0" err="1">
-                <a:latin typeface="Bookman Old Style" charset="0"/>
-                <a:ea typeface="Bookman Old Style" charset="0"/>
-                <a:cs typeface="Bookman Old Style" charset="0"/>
-              </a:rPr>
-              <a:t>SamSPECTRAL</a:t>
-            </a:r>
-            <a:r>
-              <a:rPr lang="en-US" dirty="0">
-                <a:latin typeface="Bookman Old Style" charset="0"/>
-                <a:ea typeface="Bookman Old Style" charset="0"/>
-                <a:cs typeface="Bookman Old Style" charset="0"/>
-              </a:rPr>
-              <a:t> did not work on the dataset</a:t>
-            </a:r>
-          </a:p>
-          <a:p>
-            <a:pPr lvl="1"/>
-            <a:r>
-              <a:rPr lang="en-US" dirty="0" err="1">
-                <a:latin typeface="Bookman Old Style" charset="0"/>
-                <a:ea typeface="Bookman Old Style" charset="0"/>
-                <a:cs typeface="Bookman Old Style" charset="0"/>
-              </a:rPr>
-              <a:t>specClust</a:t>
-            </a:r>
-            <a:r>
-              <a:rPr lang="en-US" dirty="0">
-                <a:latin typeface="Bookman Old Style" charset="0"/>
-                <a:ea typeface="Bookman Old Style" charset="0"/>
-                <a:cs typeface="Bookman Old Style" charset="0"/>
-              </a:rPr>
-              <a:t> did not work on the </a:t>
-            </a:r>
-            <a:r>
-              <a:rPr lang="en-US" dirty="0" smtClean="0">
-                <a:latin typeface="Bookman Old Style" charset="0"/>
-                <a:ea typeface="Bookman Old Style" charset="0"/>
-                <a:cs typeface="Bookman Old Style" charset="0"/>
-              </a:rPr>
-              <a:t>dataset</a:t>
-            </a:r>
-          </a:p>
-          <a:p>
-            <a:pPr lvl="1"/>
-            <a:r>
-              <a:rPr lang="en-US" dirty="0" smtClean="0">
-                <a:latin typeface="Bookman Old Style" charset="0"/>
-                <a:ea typeface="Bookman Old Style" charset="0"/>
-                <a:cs typeface="Bookman Old Style" charset="0"/>
-              </a:rPr>
-              <a:t>Error message</a:t>
-            </a:r>
-            <a:r>
-              <a:rPr lang="en-US" dirty="0">
-                <a:latin typeface="Bookman Old Style" charset="0"/>
-                <a:ea typeface="Bookman Old Style" charset="0"/>
-                <a:cs typeface="Bookman Old Style" charset="0"/>
-              </a:rPr>
-              <a:t>: </a:t>
-            </a:r>
-            <a:r>
-              <a:rPr lang="en-US" dirty="0" smtClean="0">
-                <a:latin typeface="Bookman Old Style" charset="0"/>
-                <a:ea typeface="Bookman Old Style" charset="0"/>
-                <a:cs typeface="Bookman Old Style" charset="0"/>
-              </a:rPr>
-              <a:t>‘Error </a:t>
-            </a:r>
-            <a:r>
-              <a:rPr lang="en-US" dirty="0">
-                <a:latin typeface="Bookman Old Style" charset="0"/>
-                <a:ea typeface="Bookman Old Style" charset="0"/>
-                <a:cs typeface="Bookman Old Style" charset="0"/>
-              </a:rPr>
-              <a:t>in </a:t>
-            </a:r>
-            <a:r>
-              <a:rPr lang="en-US" dirty="0" err="1">
-                <a:latin typeface="Bookman Old Style" charset="0"/>
-                <a:ea typeface="Bookman Old Style" charset="0"/>
-                <a:cs typeface="Bookman Old Style" charset="0"/>
-              </a:rPr>
-              <a:t>mydist</a:t>
-            </a:r>
-            <a:r>
-              <a:rPr lang="en-US" dirty="0">
-                <a:latin typeface="Bookman Old Style" charset="0"/>
-                <a:ea typeface="Bookman Old Style" charset="0"/>
-                <a:cs typeface="Bookman Old Style" charset="0"/>
-              </a:rPr>
-              <a:t>(data, </a:t>
-            </a:r>
-            <a:r>
-              <a:rPr lang="en-US" dirty="0" err="1">
-                <a:latin typeface="Bookman Old Style" charset="0"/>
-                <a:ea typeface="Bookman Old Style" charset="0"/>
-                <a:cs typeface="Bookman Old Style" charset="0"/>
-              </a:rPr>
-              <a:t>nn</a:t>
-            </a:r>
-            <a:r>
-              <a:rPr lang="en-US" dirty="0">
-                <a:latin typeface="Bookman Old Style" charset="0"/>
-                <a:ea typeface="Bookman Old Style" charset="0"/>
-                <a:cs typeface="Bookman Old Style" charset="0"/>
-              </a:rPr>
-              <a:t>) : NA/</a:t>
-            </a:r>
-            <a:r>
-              <a:rPr lang="en-US" dirty="0" err="1">
-                <a:latin typeface="Bookman Old Style" charset="0"/>
-                <a:ea typeface="Bookman Old Style" charset="0"/>
-                <a:cs typeface="Bookman Old Style" charset="0"/>
-              </a:rPr>
-              <a:t>NaN</a:t>
-            </a:r>
-            <a:r>
-              <a:rPr lang="en-US" dirty="0">
-                <a:latin typeface="Bookman Old Style" charset="0"/>
-                <a:ea typeface="Bookman Old Style" charset="0"/>
-                <a:cs typeface="Bookman Old Style" charset="0"/>
-              </a:rPr>
-              <a:t>/</a:t>
-            </a:r>
-            <a:r>
-              <a:rPr lang="en-US" dirty="0" err="1">
-                <a:latin typeface="Bookman Old Style" charset="0"/>
-                <a:ea typeface="Bookman Old Style" charset="0"/>
-                <a:cs typeface="Bookman Old Style" charset="0"/>
-              </a:rPr>
-              <a:t>Inf</a:t>
-            </a:r>
-            <a:r>
-              <a:rPr lang="en-US" dirty="0">
-                <a:latin typeface="Bookman Old Style" charset="0"/>
-                <a:ea typeface="Bookman Old Style" charset="0"/>
-                <a:cs typeface="Bookman Old Style" charset="0"/>
-              </a:rPr>
-              <a:t> in foreign function call (</a:t>
-            </a:r>
-            <a:r>
-              <a:rPr lang="en-US" dirty="0" err="1">
-                <a:latin typeface="Bookman Old Style" charset="0"/>
-                <a:ea typeface="Bookman Old Style" charset="0"/>
-                <a:cs typeface="Bookman Old Style" charset="0"/>
-              </a:rPr>
-              <a:t>arg</a:t>
-            </a:r>
-            <a:r>
-              <a:rPr lang="en-US" dirty="0">
-                <a:latin typeface="Bookman Old Style" charset="0"/>
-                <a:ea typeface="Bookman Old Style" charset="0"/>
-                <a:cs typeface="Bookman Old Style" charset="0"/>
-              </a:rPr>
-              <a:t> 1</a:t>
-            </a:r>
-            <a:r>
-              <a:rPr lang="en-US" dirty="0" smtClean="0">
-                <a:latin typeface="Bookman Old Style" charset="0"/>
-                <a:ea typeface="Bookman Old Style" charset="0"/>
-                <a:cs typeface="Bookman Old Style" charset="0"/>
-              </a:rPr>
-              <a:t>)’</a:t>
-            </a:r>
-            <a:endParaRPr lang="en-US" dirty="0" smtClean="0">
-              <a:latin typeface="Bookman Old Style" charset="0"/>
-              <a:ea typeface="Bookman Old Style" charset="0"/>
-              <a:cs typeface="Bookman Old Style" charset="0"/>
-            </a:endParaRPr>
-          </a:p>
-          <a:p>
-            <a:r>
-              <a:rPr lang="en-US" dirty="0" smtClean="0">
-                <a:latin typeface="Bookman Old Style" charset="0"/>
-                <a:ea typeface="Bookman Old Style" charset="0"/>
-                <a:cs typeface="Bookman Old Style" charset="0"/>
-              </a:rPr>
-              <a:t>Density clustering</a:t>
-            </a:r>
-          </a:p>
-          <a:p>
-            <a:pPr lvl="1"/>
-            <a:r>
-              <a:rPr lang="en-US" dirty="0" smtClean="0">
-                <a:latin typeface="Bookman Old Style" charset="0"/>
-                <a:ea typeface="Bookman Old Style" charset="0"/>
-                <a:cs typeface="Bookman Old Style" charset="0"/>
-              </a:rPr>
-              <a:t>Only produced two clusters</a:t>
-            </a:r>
-          </a:p>
-          <a:p>
-            <a:r>
-              <a:rPr lang="en-US" dirty="0" smtClean="0">
-                <a:latin typeface="Bookman Old Style" charset="0"/>
-                <a:ea typeface="Bookman Old Style" charset="0"/>
-                <a:cs typeface="Bookman Old Style" charset="0"/>
-              </a:rPr>
-              <a:t>K-means clustering</a:t>
-            </a:r>
-          </a:p>
-          <a:p>
-            <a:pPr lvl="1"/>
-            <a:r>
-              <a:rPr lang="en-US" dirty="0" smtClean="0">
-                <a:latin typeface="Bookman Old Style" charset="0"/>
-                <a:ea typeface="Bookman Old Style" charset="0"/>
-                <a:cs typeface="Bookman Old Style" charset="0"/>
-              </a:rPr>
-              <a:t>Also had trouble differentiating between 7 and 9. Indications of trouble differentiating between 3 and 8 </a:t>
-            </a:r>
-            <a:r>
-              <a:rPr lang="en-US" smtClean="0">
-                <a:latin typeface="Bookman Old Style" charset="0"/>
-                <a:ea typeface="Bookman Old Style" charset="0"/>
-                <a:cs typeface="Bookman Old Style" charset="0"/>
-              </a:rPr>
-              <a:t>as well as 3 and 2</a:t>
-            </a:r>
-            <a:endParaRPr lang="en-US" dirty="0" smtClean="0">
-              <a:latin typeface="Bookman Old Style" charset="0"/>
-              <a:ea typeface="Bookman Old Style" charset="0"/>
-              <a:cs typeface="Bookman Old Style" charset="0"/>
-            </a:endParaRPr>
+              <a:rPr lang="en-US" i="1" dirty="0" err="1">
+                <a:latin typeface="Bookman Old Style" charset="0"/>
+                <a:ea typeface="Bookman Old Style" charset="0"/>
+                <a:cs typeface="Bookman Old Style" charset="0"/>
+              </a:rPr>
+              <a:t>iris.model.specc</a:t>
+            </a:r>
+            <a:r>
+              <a:rPr lang="en-US" i="1" dirty="0">
+                <a:latin typeface="Bookman Old Style" charset="0"/>
+                <a:ea typeface="Bookman Old Style" charset="0"/>
+                <a:cs typeface="Bookman Old Style" charset="0"/>
+              </a:rPr>
+              <a:t> &lt;- specc(</a:t>
+            </a:r>
+            <a:r>
+              <a:rPr lang="en-US" i="1" dirty="0" err="1">
+                <a:latin typeface="Bookman Old Style" charset="0"/>
+                <a:ea typeface="Bookman Old Style" charset="0"/>
+                <a:cs typeface="Bookman Old Style" charset="0"/>
+              </a:rPr>
+              <a:t>iris.train</a:t>
+            </a:r>
+            <a:r>
+              <a:rPr lang="en-US" i="1" dirty="0">
+                <a:latin typeface="Bookman Old Style" charset="0"/>
+                <a:ea typeface="Bookman Old Style" charset="0"/>
+                <a:cs typeface="Bookman Old Style" charset="0"/>
+              </a:rPr>
+              <a:t>, centers = 3)</a:t>
+            </a:r>
+          </a:p>
+        </p:txBody>
+      </p:sp>
+      <p:sp>
+        <p:nvSpPr>
+          <p:cNvPr id="4" name="Footer Placeholder 3"/>
+          <p:cNvSpPr>
+            <a:spLocks noGrp="1"/>
+          </p:cNvSpPr>
+          <p:nvPr>
+            <p:ph type="ftr" sz="quarter" idx="11"/>
+          </p:nvPr>
+        </p:nvSpPr>
+        <p:spPr>
+          <a:xfrm>
+            <a:off x="3040630" y="6019800"/>
+            <a:ext cx="7084177" cy="365125"/>
+          </a:xfrm>
+        </p:spPr>
+        <p:txBody>
+          <a:bodyPr/>
+          <a:lstStyle/>
+          <a:p>
+            <a:pPr algn="r"/>
+            <a:r>
+              <a:rPr lang="en-US" sz="1600" b="1" i="1" dirty="0" smtClean="0"/>
+              <a:t>Karelys</a:t>
+            </a:r>
+            <a:endParaRPr lang="en-US" sz="1600" b="1" i="1" dirty="0"/>
           </a:p>
         </p:txBody>
       </p:sp>
     </p:spTree>
     <p:extLst>
       <p:ext uri="{BB962C8B-B14F-4D97-AF65-F5344CB8AC3E}">
-        <p14:creationId xmlns:p14="http://schemas.microsoft.com/office/powerpoint/2010/main" val="1607103707"/>
+        <p14:creationId xmlns:p14="http://schemas.microsoft.com/office/powerpoint/2010/main" val="470579089"/>
       </p:ext>
     </p:extLst>
   </p:cSld>
@@ -7347,7 +9298,12 @@
             <p:ph type="title"/>
           </p:nvPr>
         </p:nvSpPr>
-        <p:spPr/>
+        <p:spPr>
+          <a:xfrm>
+            <a:off x="1484311" y="685801"/>
+            <a:ext cx="10018713" cy="1051560"/>
+          </a:xfrm>
+        </p:spPr>
         <p:txBody>
           <a:bodyPr/>
           <a:lstStyle/>
@@ -7358,7 +9314,15 @@
                 <a:ea typeface="Bookman Old Style" charset="0"/>
                 <a:cs typeface="Bookman Old Style" charset="0"/>
               </a:rPr>
-              <a:t>Digital Handwriting Recognizer</a:t>
+              <a:t>Iris </a:t>
+            </a:r>
+            <a:r>
+              <a:rPr lang="en-US" i="1" dirty="0" smtClean="0">
+                <a:latin typeface="Bookman Old Style" charset="0"/>
+                <a:ea typeface="Bookman Old Style" charset="0"/>
+                <a:cs typeface="Bookman Old Style" charset="0"/>
+              </a:rPr>
+              <a:t>data spectral clustering</a:t>
             </a:r>
             <a:endParaRPr lang="en-US" i="1" dirty="0">
               <a:latin typeface="Bookman Old Style" charset="0"/>
@@ -7378,7 +9342,12 @@
             <p:ph idx="1"/>
           </p:nvPr>
         </p:nvSpPr>
-        <p:spPr/>
+        <p:spPr>
+          <a:xfrm>
+            <a:off x="1484310" y="1737361"/>
+            <a:ext cx="10018713" cy="4594673"/>
+          </a:xfrm>
+        </p:spPr>
         <p:txBody>
           <a:bodyPr>
             <a:normAutofit/>
@@ -7391,34 +9360,7 @@
                 <a:ea typeface="Bookman Old Style" charset="0"/>
                 <a:cs typeface="Bookman Old Style" charset="0"/>
               </a:rPr>
-              <a:t>We view the size of the vector for each point in the cluster</a:t>
-            </a:r>
-          </a:p>
-          <a:p>
-            <a:pPr lvl="1"/>
-            <a:r>
-              <a:rPr lang="en-US" dirty="0">
-                <a:latin typeface="Bookman Old Style" charset="0"/>
-                <a:ea typeface="Bookman Old Style" charset="0"/>
-                <a:cs typeface="Bookman Old Style" charset="0"/>
-              </a:rPr>
-              <a:t>size(</a:t>
-            </a:r>
-            <a:r>
-              <a:rPr lang="en-US" dirty="0" err="1">
-                <a:latin typeface="Bookman Old Style" charset="0"/>
-                <a:ea typeface="Bookman Old Style" charset="0"/>
-                <a:cs typeface="Bookman Old Style" charset="0"/>
-              </a:rPr>
-              <a:t>digits.cluster</a:t>
-            </a:r>
-            <a:r>
-              <a:rPr lang="en-US" dirty="0">
-                <a:latin typeface="Bookman Old Style" charset="0"/>
-                <a:ea typeface="Bookman Old Style" charset="0"/>
-                <a:cs typeface="Bookman Old Style" charset="0"/>
-              </a:rPr>
-              <a:t>)</a:t>
+              <a:t>Remove ‘Species’ labels and perform spectral clustering</a:t>
             </a:r>
             <a:endParaRPr lang="en-US" dirty="0" smtClean="0">
               <a:latin typeface="Bookman Old Style" charset="0"/>
@@ -7427,24 +9369,255 @@
             </a:endParaRPr>
           </a:p>
           <a:p>
+            <a:pPr lvl="1"/>
+            <a:r>
+              <a:rPr lang="en-US" i="1" dirty="0" smtClean="0">
+                <a:latin typeface="Bookman Old Style" charset="0"/>
+                <a:ea typeface="Bookman Old Style" charset="0"/>
+                <a:cs typeface="Bookman Old Style" charset="0"/>
+              </a:rPr>
+              <a:t> </a:t>
+            </a:r>
+            <a:r>
+              <a:rPr lang="en-US" i="1" dirty="0" err="1">
+                <a:latin typeface="Bookman Old Style" charset="0"/>
+                <a:ea typeface="Bookman Old Style" charset="0"/>
+                <a:cs typeface="Bookman Old Style" charset="0"/>
+              </a:rPr>
+              <a:t>iris.model.specc</a:t>
+            </a:r>
+            <a:r>
+              <a:rPr lang="en-US" i="1" dirty="0">
+                <a:latin typeface="Bookman Old Style" charset="0"/>
+                <a:ea typeface="Bookman Old Style" charset="0"/>
+                <a:cs typeface="Bookman Old Style" charset="0"/>
+              </a:rPr>
+              <a:t> &lt;- </a:t>
+            </a:r>
+            <a:r>
+              <a:rPr lang="en-US" i="1" dirty="0" err="1">
+                <a:latin typeface="Bookman Old Style" charset="0"/>
+                <a:ea typeface="Bookman Old Style" charset="0"/>
+                <a:cs typeface="Bookman Old Style" charset="0"/>
+              </a:rPr>
+              <a:t>specc</a:t>
+            </a:r>
+            <a:r>
+              <a:rPr lang="en-US" i="1" dirty="0">
+                <a:latin typeface="Bookman Old Style" charset="0"/>
+                <a:ea typeface="Bookman Old Style" charset="0"/>
+                <a:cs typeface="Bookman Old Style" charset="0"/>
+              </a:rPr>
+              <a:t>(</a:t>
+            </a:r>
+            <a:r>
+              <a:rPr lang="en-US" i="1" dirty="0" err="1">
+                <a:latin typeface="Bookman Old Style" charset="0"/>
+                <a:ea typeface="Bookman Old Style" charset="0"/>
+                <a:cs typeface="Bookman Old Style" charset="0"/>
+              </a:rPr>
+              <a:t>iris.train</a:t>
+            </a:r>
+            <a:r>
+              <a:rPr lang="en-US" i="1" dirty="0">
+                <a:latin typeface="Bookman Old Style" charset="0"/>
+                <a:ea typeface="Bookman Old Style" charset="0"/>
+                <a:cs typeface="Bookman Old Style" charset="0"/>
+              </a:rPr>
+              <a:t>, centers = 3) </a:t>
+            </a:r>
+            <a:endParaRPr lang="en-US" i="1" dirty="0" smtClean="0">
+              <a:latin typeface="Bookman Old Style" charset="0"/>
+              <a:ea typeface="Bookman Old Style" charset="0"/>
+              <a:cs typeface="Bookman Old Style" charset="0"/>
+            </a:endParaRPr>
+          </a:p>
+          <a:p>
             <a:r>
               <a:rPr lang="en-US" dirty="0" smtClean="0">
                 <a:latin typeface="Bookman Old Style" charset="0"/>
                 <a:ea typeface="Bookman Old Style" charset="0"/>
                 <a:cs typeface="Bookman Old Style" charset="0"/>
               </a:rPr>
-              <a:t>Then we view the sum of squares for each cluster within the cluster</a:t>
-            </a:r>
+              <a:t>Then </a:t>
+            </a:r>
+            <a:r>
+              <a:rPr lang="en-US" dirty="0" smtClean="0">
+                <a:latin typeface="Bookman Old Style" charset="0"/>
+                <a:ea typeface="Bookman Old Style" charset="0"/>
+                <a:cs typeface="Bookman Old Style" charset="0"/>
+              </a:rPr>
+              <a:t>we </a:t>
+            </a:r>
+            <a:r>
+              <a:rPr lang="en-US" dirty="0" smtClean="0">
+                <a:latin typeface="Bookman Old Style" charset="0"/>
+                <a:ea typeface="Bookman Old Style" charset="0"/>
+                <a:cs typeface="Bookman Old Style" charset="0"/>
+              </a:rPr>
+              <a:t>conducted a </a:t>
+            </a:r>
+            <a:r>
+              <a:rPr lang="en-US" dirty="0" smtClean="0">
+                <a:latin typeface="Bookman Old Style" charset="0"/>
+                <a:ea typeface="Bookman Old Style" charset="0"/>
+                <a:cs typeface="Bookman Old Style" charset="0"/>
+              </a:rPr>
+              <a:t>Bayesian </a:t>
+            </a:r>
+            <a:r>
+              <a:rPr lang="en-US" dirty="0" smtClean="0">
+                <a:latin typeface="Bookman Old Style" charset="0"/>
+                <a:ea typeface="Bookman Old Style" charset="0"/>
+                <a:cs typeface="Bookman Old Style" charset="0"/>
+              </a:rPr>
+              <a:t>analysis by creating a confusion matrix and viewing the conditional probabilities</a:t>
+            </a:r>
+            <a:endParaRPr lang="en-US" dirty="0" smtClean="0">
+              <a:latin typeface="Bookman Old Style" charset="0"/>
+              <a:ea typeface="Bookman Old Style" charset="0"/>
+              <a:cs typeface="Bookman Old Style" charset="0"/>
+            </a:endParaRPr>
           </a:p>
           <a:p>
             <a:pPr lvl="1"/>
             <a:r>
+              <a:rPr lang="en-US" i="1" dirty="0" err="1">
+                <a:latin typeface="Bookman Old Style" charset="0"/>
+                <a:ea typeface="Bookman Old Style" charset="0"/>
+                <a:cs typeface="Bookman Old Style" charset="0"/>
+              </a:rPr>
+              <a:t>iris.con_mat.specc</a:t>
+            </a:r>
+            <a:r>
+              <a:rPr lang="en-US" i="1" dirty="0">
+                <a:latin typeface="Bookman Old Style" charset="0"/>
+                <a:ea typeface="Bookman Old Style" charset="0"/>
+                <a:cs typeface="Bookman Old Style" charset="0"/>
+              </a:rPr>
+              <a:t> &lt;- table(</a:t>
+            </a:r>
+            <a:r>
+              <a:rPr lang="en-US" i="1" dirty="0" err="1">
+                <a:latin typeface="Bookman Old Style" charset="0"/>
+                <a:ea typeface="Bookman Old Style" charset="0"/>
+                <a:cs typeface="Bookman Old Style" charset="0"/>
+              </a:rPr>
+              <a:t>iris.model.specc</a:t>
+            </a:r>
+            <a:r>
+              <a:rPr lang="en-US" i="1" dirty="0">
+                <a:latin typeface="Bookman Old Style" charset="0"/>
+                <a:ea typeface="Bookman Old Style" charset="0"/>
+                <a:cs typeface="Bookman Old Style" charset="0"/>
+              </a:rPr>
+              <a:t>[1:150], </a:t>
+            </a:r>
+            <a:r>
+              <a:rPr lang="en-US" i="1" dirty="0" err="1">
+                <a:latin typeface="Bookman Old Style" charset="0"/>
+                <a:ea typeface="Bookman Old Style" charset="0"/>
+                <a:cs typeface="Bookman Old Style" charset="0"/>
+              </a:rPr>
+              <a:t>iris$Species</a:t>
+            </a:r>
+            <a:r>
+              <a:rPr lang="en-US" i="1" dirty="0" smtClean="0">
+                <a:latin typeface="Bookman Old Style" charset="0"/>
+                <a:ea typeface="Bookman Old Style" charset="0"/>
+                <a:cs typeface="Bookman Old Style" charset="0"/>
+              </a:rPr>
+              <a:t>)</a:t>
+            </a:r>
+          </a:p>
+          <a:p>
+            <a:pPr lvl="1"/>
+            <a:r>
+              <a:rPr lang="en-US" i="1" dirty="0" smtClean="0">
+                <a:latin typeface="Bookman Old Style" charset="0"/>
+                <a:ea typeface="Bookman Old Style" charset="0"/>
+                <a:cs typeface="Bookman Old Style" charset="0"/>
+              </a:rPr>
+              <a:t>iris.Bays.km </a:t>
+            </a:r>
+            <a:r>
+              <a:rPr lang="en-US" i="1" dirty="0">
+                <a:latin typeface="Bookman Old Style" charset="0"/>
+                <a:ea typeface="Bookman Old Style" charset="0"/>
+                <a:cs typeface="Bookman Old Style" charset="0"/>
+              </a:rPr>
+              <a:t>&lt;- </a:t>
+            </a:r>
+            <a:r>
+              <a:rPr lang="en-US" i="1" dirty="0" err="1">
+                <a:latin typeface="Bookman Old Style" charset="0"/>
+                <a:ea typeface="Bookman Old Style" charset="0"/>
+                <a:cs typeface="Bookman Old Style" charset="0"/>
+              </a:rPr>
+              <a:t>prop.table</a:t>
+            </a:r>
+            <a:r>
+              <a:rPr lang="en-US" i="1" dirty="0">
+                <a:latin typeface="Bookman Old Style" charset="0"/>
+                <a:ea typeface="Bookman Old Style" charset="0"/>
+                <a:cs typeface="Bookman Old Style" charset="0"/>
+              </a:rPr>
+              <a:t>(iris.con_mat.km, 1</a:t>
+            </a:r>
+            <a:r>
+              <a:rPr lang="en-US" i="1" dirty="0" smtClean="0">
+                <a:latin typeface="Bookman Old Style" charset="0"/>
+                <a:ea typeface="Bookman Old Style" charset="0"/>
+                <a:cs typeface="Bookman Old Style" charset="0"/>
+              </a:rPr>
+              <a:t>)</a:t>
+            </a:r>
+            <a:endParaRPr lang="en-US" i="1" dirty="0" smtClean="0">
+              <a:latin typeface="Bookman Old Style" charset="0"/>
+              <a:ea typeface="Bookman Old Style" charset="0"/>
+              <a:cs typeface="Bookman Old Style" charset="0"/>
+            </a:endParaRPr>
+          </a:p>
+          <a:p>
+            <a:r>
+              <a:rPr lang="en-US" dirty="0" smtClean="0">
+                <a:latin typeface="Bookman Old Style" charset="0"/>
+                <a:ea typeface="Bookman Old Style" charset="0"/>
+                <a:cs typeface="Bookman Old Style" charset="0"/>
+              </a:rPr>
+              <a:t>Then created a visual representation with </a:t>
+            </a:r>
+            <a:r>
+              <a:rPr lang="en-US" dirty="0" smtClean="0">
+                <a:latin typeface="Bookman Old Style" charset="0"/>
+                <a:ea typeface="Bookman Old Style" charset="0"/>
+                <a:cs typeface="Bookman Old Style" charset="0"/>
+              </a:rPr>
+              <a:t>a 2-D </a:t>
+            </a:r>
+            <a:r>
+              <a:rPr lang="en-US" dirty="0" smtClean="0">
+                <a:latin typeface="Bookman Old Style" charset="0"/>
+                <a:ea typeface="Bookman Old Style" charset="0"/>
+                <a:cs typeface="Bookman Old Style" charset="0"/>
+              </a:rPr>
+              <a:t>plot</a:t>
+            </a:r>
+            <a:endParaRPr lang="en-US" dirty="0" smtClean="0">
+              <a:latin typeface="Bookman Old Style" charset="0"/>
+              <a:ea typeface="Bookman Old Style" charset="0"/>
+              <a:cs typeface="Bookman Old Style" charset="0"/>
+            </a:endParaRPr>
+          </a:p>
+          <a:p>
+            <a:pPr lvl="1"/>
+            <a:r>
               <a:rPr lang="en-US" dirty="0" err="1">
                 <a:latin typeface="Bookman Old Style" charset="0"/>
                 <a:ea typeface="Bookman Old Style" charset="0"/>
                 <a:cs typeface="Bookman Old Style" charset="0"/>
               </a:rPr>
-              <a:t>withinss</a:t>
+              <a:t>clusplot</a:t>
             </a:r>
             <a:r>
               <a:rPr lang="en-US" dirty="0">
@@ -7452,15 +9625,535 @@
                 <a:ea typeface="Bookman Old Style" charset="0"/>
                 <a:cs typeface="Bookman Old Style" charset="0"/>
               </a:rPr>
+              <a:t>(iris, </a:t>
+            </a:r>
+            <a:r>
+              <a:rPr lang="en-US" dirty="0" err="1">
+                <a:latin typeface="Bookman Old Style" charset="0"/>
+                <a:ea typeface="Bookman Old Style" charset="0"/>
+                <a:cs typeface="Bookman Old Style" charset="0"/>
+              </a:rPr>
+              <a:t>iris.model.specc</a:t>
+            </a:r>
+            <a:r>
+              <a:rPr lang="en-US" dirty="0">
+                <a:latin typeface="Bookman Old Style" charset="0"/>
+                <a:ea typeface="Bookman Old Style" charset="0"/>
+                <a:cs typeface="Bookman Old Style" charset="0"/>
+              </a:rPr>
+              <a:t>[1:150], color=T, shade=T, labels=0, lines=0)</a:t>
+            </a:r>
+          </a:p>
+        </p:txBody>
+      </p:sp>
+      <p:sp>
+        <p:nvSpPr>
+          <p:cNvPr id="4" name="Footer Placeholder 3"/>
+          <p:cNvSpPr>
+            <a:spLocks noGrp="1"/>
+          </p:cNvSpPr>
+          <p:nvPr>
+            <p:ph type="ftr" sz="quarter" idx="11"/>
+          </p:nvPr>
+        </p:nvSpPr>
+        <p:spPr>
+          <a:xfrm>
+            <a:off x="2951577" y="6332034"/>
+            <a:ext cx="7084177" cy="365125"/>
+          </a:xfrm>
+        </p:spPr>
+        <p:txBody>
+          <a:bodyPr/>
+          <a:lstStyle/>
+          <a:p>
+            <a:pPr algn="r"/>
+            <a:r>
+              <a:rPr lang="en-US" sz="1600" b="1" i="1" dirty="0" smtClean="0"/>
+              <a:t>Julie</a:t>
+            </a:r>
+            <a:endParaRPr lang="en-US" sz="1600" b="1" i="1" dirty="0"/>
+          </a:p>
+        </p:txBody>
+      </p:sp>
+    </p:spTree>
+    <p:extLst>
+      <p:ext uri="{BB962C8B-B14F-4D97-AF65-F5344CB8AC3E}">
+        <p14:creationId xmlns:p14="http://schemas.microsoft.com/office/powerpoint/2010/main" val="1707082696"/>
+      </p:ext>
+    </p:extLst>
+  </p:cSld>
+  <p:clrMapOvr>
+    <a:masterClrMapping/>
+  </p:clrMapOvr>
+</p:sld>
+</file>
+
+<file path=ppt/slides/slide6.xml><?xml version="1.0" encoding="utf-8"?>
+<p:sld xmlns:a="http://schemas.openxmlformats.org/drawingml/2006/main" xmlns:r="http://schemas.openxmlformats.org/officeDocument/2006/relationships" xmlns:p="http://schemas.openxmlformats.org/presentationml/2006/main">
+  <p:cSld>
+    <p:spTree>
+      <p:nvGrpSpPr>
+        <p:cNvPr id="1" name=""/>
+        <p:cNvGrpSpPr/>
+        <p:nvPr/>
+      </p:nvGrpSpPr>
+      <p:grpSpPr>
+        <a:xfrm>
+          <a:off x="0" y="0"/>
+          <a:ext cx="0" cy="0"/>
+          <a:chOff x="0" y="0"/>
+          <a:chExt cx="0" cy="0"/>
+        </a:xfrm>
+      </p:grpSpPr>
+      <p:sp>
+        <p:nvSpPr>
+          <p:cNvPr id="2" name="Title 1"/>
+          <p:cNvSpPr>
+            <a:spLocks noGrp="1"/>
+          </p:cNvSpPr>
+          <p:nvPr>
+            <p:ph type="title"/>
+          </p:nvPr>
+        </p:nvSpPr>
+        <p:spPr>
+          <a:xfrm>
+            <a:off x="1484311" y="685800"/>
+            <a:ext cx="10018713" cy="1026071"/>
+          </a:xfrm>
+        </p:spPr>
+        <p:txBody>
+          <a:bodyPr/>
+          <a:lstStyle/>
+          <a:p>
+            <a:r>
+              <a:rPr lang="en-US" i="1" dirty="0">
+                <a:latin typeface="Bookman Old Style" charset="0"/>
+                <a:ea typeface="Bookman Old Style" charset="0"/>
+                <a:cs typeface="Bookman Old Style" charset="0"/>
+              </a:rPr>
+              <a:t>Iris </a:t>
+            </a:r>
+            <a:r>
+              <a:rPr lang="en-US" i="1" dirty="0" smtClean="0">
+                <a:latin typeface="Bookman Old Style" charset="0"/>
+                <a:ea typeface="Bookman Old Style" charset="0"/>
+                <a:cs typeface="Bookman Old Style" charset="0"/>
+              </a:rPr>
+              <a:t>data </a:t>
+            </a:r>
+            <a:r>
+              <a:rPr lang="en-US" i="1" dirty="0" err="1" smtClean="0">
+                <a:latin typeface="Bookman Old Style" charset="0"/>
+                <a:ea typeface="Bookman Old Style" charset="0"/>
+                <a:cs typeface="Bookman Old Style" charset="0"/>
+              </a:rPr>
+              <a:t>SamSPECTRAL</a:t>
+            </a:r>
+            <a:r>
+              <a:rPr lang="en-US" i="1" dirty="0" smtClean="0">
+                <a:latin typeface="Bookman Old Style" charset="0"/>
+                <a:ea typeface="Bookman Old Style" charset="0"/>
+                <a:cs typeface="Bookman Old Style" charset="0"/>
+              </a:rPr>
+              <a:t> clustering</a:t>
+            </a:r>
+            <a:endParaRPr lang="en-US" i="1" dirty="0">
+              <a:latin typeface="Bookman Old Style" charset="0"/>
+              <a:ea typeface="Bookman Old Style" charset="0"/>
+              <a:cs typeface="Bookman Old Style" charset="0"/>
+            </a:endParaRPr>
+          </a:p>
+        </p:txBody>
+      </p:sp>
+      <p:sp>
+        <p:nvSpPr>
+          <p:cNvPr id="3" name="Content Placeholder 2"/>
+          <p:cNvSpPr>
+            <a:spLocks noGrp="1"/>
+          </p:cNvSpPr>
+          <p:nvPr>
+            <p:ph idx="1"/>
+          </p:nvPr>
+        </p:nvSpPr>
+        <p:spPr>
+          <a:xfrm>
+            <a:off x="1484310" y="1711871"/>
+            <a:ext cx="10018713" cy="4307930"/>
+          </a:xfrm>
+        </p:spPr>
+        <p:txBody>
+          <a:bodyPr>
+            <a:normAutofit fontScale="92500" lnSpcReduction="20000"/>
+          </a:bodyPr>
+          <a:lstStyle/>
+          <a:p>
+            <a:r>
+              <a:rPr lang="en-US" dirty="0" smtClean="0">
+                <a:latin typeface="Bookman Old Style" charset="0"/>
+                <a:ea typeface="Bookman Old Style" charset="0"/>
+                <a:cs typeface="Bookman Old Style" charset="0"/>
+              </a:rPr>
+              <a:t>Same basic principles as </a:t>
+            </a:r>
+            <a:r>
+              <a:rPr lang="en-US" dirty="0" err="1" smtClean="0">
+                <a:latin typeface="Bookman Old Style" charset="0"/>
+                <a:ea typeface="Bookman Old Style" charset="0"/>
+                <a:cs typeface="Bookman Old Style" charset="0"/>
+              </a:rPr>
+              <a:t>specc</a:t>
+            </a:r>
+            <a:r>
+              <a:rPr lang="en-US" dirty="0" smtClean="0">
+                <a:latin typeface="Bookman Old Style" charset="0"/>
+                <a:ea typeface="Bookman Old Style" charset="0"/>
+                <a:cs typeface="Bookman Old Style" charset="0"/>
+              </a:rPr>
+              <a:t> clustering algorithm</a:t>
+            </a:r>
+          </a:p>
+          <a:p>
+            <a:pPr lvl="1"/>
+            <a:r>
+              <a:rPr lang="en-US" dirty="0" smtClean="0">
+                <a:latin typeface="Bookman Old Style" charset="0"/>
+                <a:ea typeface="Bookman Old Style" charset="0"/>
+                <a:cs typeface="Bookman Old Style" charset="0"/>
+              </a:rPr>
+              <a:t>However, there is no</a:t>
+            </a:r>
+            <a:r>
+              <a:rPr lang="en-US" dirty="0" smtClean="0">
+                <a:latin typeface="Bookman Old Style" charset="0"/>
+                <a:ea typeface="Bookman Old Style" charset="0"/>
+                <a:cs typeface="Bookman Old Style" charset="0"/>
+              </a:rPr>
+              <a:t> way to specify the desired number of clusters - clustering granularity is controlled using </a:t>
+            </a:r>
+            <a:r>
+              <a:rPr lang="en-US" dirty="0">
+                <a:latin typeface="Bookman Old Style" charset="0"/>
+                <a:ea typeface="Bookman Old Style" charset="0"/>
+                <a:cs typeface="Bookman Old Style" charset="0"/>
+              </a:rPr>
+              <a:t>the </a:t>
+            </a:r>
+            <a:r>
+              <a:rPr lang="en-US" dirty="0" err="1">
+                <a:latin typeface="Bookman Old Style" charset="0"/>
+                <a:ea typeface="Bookman Old Style" charset="0"/>
+                <a:cs typeface="Bookman Old Style" charset="0"/>
+              </a:rPr>
+              <a:t>normal.sigma</a:t>
+            </a:r>
+            <a:r>
+              <a:rPr lang="en-US" dirty="0">
+                <a:latin typeface="Bookman Old Style" charset="0"/>
+                <a:ea typeface="Bookman Old Style" charset="0"/>
+                <a:cs typeface="Bookman Old Style" charset="0"/>
+              </a:rPr>
+              <a:t> and </a:t>
+            </a:r>
+            <a:r>
+              <a:rPr lang="en-US" dirty="0" err="1">
+                <a:latin typeface="Bookman Old Style" charset="0"/>
+                <a:ea typeface="Bookman Old Style" charset="0"/>
+                <a:cs typeface="Bookman Old Style" charset="0"/>
+              </a:rPr>
+              <a:t>separation.factor</a:t>
+            </a:r>
+            <a:r>
+              <a:rPr lang="en-US" dirty="0">
+                <a:latin typeface="Bookman Old Style" charset="0"/>
+                <a:ea typeface="Bookman Old Style" charset="0"/>
+                <a:cs typeface="Bookman Old Style" charset="0"/>
+              </a:rPr>
+              <a:t> </a:t>
+            </a:r>
+            <a:r>
+              <a:rPr lang="en-US" dirty="0" smtClean="0">
+                <a:latin typeface="Bookman Old Style" charset="0"/>
+                <a:ea typeface="Bookman Old Style" charset="0"/>
+                <a:cs typeface="Bookman Old Style" charset="0"/>
+              </a:rPr>
+              <a:t>values</a:t>
+            </a:r>
+            <a:endParaRPr lang="en-US" dirty="0" smtClean="0">
+              <a:latin typeface="Bookman Old Style" charset="0"/>
+              <a:ea typeface="Bookman Old Style" charset="0"/>
+              <a:cs typeface="Bookman Old Style" charset="0"/>
+            </a:endParaRPr>
+          </a:p>
+          <a:p>
+            <a:pPr lvl="1"/>
+            <a:r>
+              <a:rPr lang="en-US" i="1" dirty="0" err="1" smtClean="0">
+                <a:latin typeface="Bookman Old Style" charset="0"/>
+                <a:ea typeface="Bookman Old Style" charset="0"/>
+                <a:cs typeface="Bookman Old Style" charset="0"/>
+              </a:rPr>
+              <a:t>iris.model.sam</a:t>
+            </a:r>
+            <a:r>
+              <a:rPr lang="en-US" i="1" dirty="0" smtClean="0">
+                <a:latin typeface="Bookman Old Style" charset="0"/>
+                <a:ea typeface="Bookman Old Style" charset="0"/>
+                <a:cs typeface="Bookman Old Style" charset="0"/>
+              </a:rPr>
+              <a:t> &lt;- </a:t>
+            </a:r>
+            <a:r>
+              <a:rPr lang="en-US" i="1" dirty="0" err="1" smtClean="0">
+                <a:latin typeface="Bookman Old Style" charset="0"/>
+                <a:ea typeface="Bookman Old Style" charset="0"/>
+                <a:cs typeface="Bookman Old Style" charset="0"/>
+              </a:rPr>
+              <a:t>SamSPECTRAL</a:t>
+            </a:r>
+            <a:r>
+              <a:rPr lang="en-US" i="1" dirty="0" smtClean="0">
+                <a:latin typeface="Bookman Old Style" charset="0"/>
+                <a:ea typeface="Bookman Old Style" charset="0"/>
+                <a:cs typeface="Bookman Old Style" charset="0"/>
+              </a:rPr>
               <a:t>(</a:t>
             </a:r>
             <a:r>
+              <a:rPr lang="en-US" i="1" dirty="0" err="1" smtClean="0">
+                <a:latin typeface="Bookman Old Style" charset="0"/>
+                <a:ea typeface="Bookman Old Style" charset="0"/>
+                <a:cs typeface="Bookman Old Style" charset="0"/>
+              </a:rPr>
+              <a:t>iris.train</a:t>
+            </a:r>
+            <a:r>
+              <a:rPr lang="en-US" i="1" dirty="0" smtClean="0">
+                <a:latin typeface="Bookman Old Style" charset="0"/>
+                <a:ea typeface="Bookman Old Style" charset="0"/>
+                <a:cs typeface="Bookman Old Style" charset="0"/>
+              </a:rPr>
+              <a:t>, dimensions=c(1,2,3), </a:t>
+            </a:r>
+            <a:r>
+              <a:rPr lang="en-US" i="1" dirty="0" err="1" smtClean="0">
+                <a:latin typeface="Bookman Old Style" charset="0"/>
+                <a:ea typeface="Bookman Old Style" charset="0"/>
+                <a:cs typeface="Bookman Old Style" charset="0"/>
+              </a:rPr>
+              <a:t>normal.sigma</a:t>
+            </a:r>
+            <a:r>
+              <a:rPr lang="en-US" i="1" dirty="0" smtClean="0">
+                <a:latin typeface="Bookman Old Style" charset="0"/>
+                <a:ea typeface="Bookman Old Style" charset="0"/>
+                <a:cs typeface="Bookman Old Style" charset="0"/>
+              </a:rPr>
+              <a:t> = 3, </a:t>
+            </a:r>
+            <a:r>
+              <a:rPr lang="en-US" i="1" dirty="0" err="1" smtClean="0">
+                <a:latin typeface="Bookman Old Style" charset="0"/>
+                <a:ea typeface="Bookman Old Style" charset="0"/>
+                <a:cs typeface="Bookman Old Style" charset="0"/>
+              </a:rPr>
+              <a:t>separation.factor</a:t>
+            </a:r>
+            <a:r>
+              <a:rPr lang="en-US" i="1" dirty="0" smtClean="0">
+                <a:latin typeface="Bookman Old Style" charset="0"/>
+                <a:ea typeface="Bookman Old Style" charset="0"/>
+                <a:cs typeface="Bookman Old Style" charset="0"/>
+              </a:rPr>
+              <a:t> = 1.2)</a:t>
+            </a:r>
+          </a:p>
+          <a:p>
+            <a:r>
+              <a:rPr lang="en-US" dirty="0" smtClean="0">
+                <a:latin typeface="Bookman Old Style" charset="0"/>
+                <a:ea typeface="Bookman Old Style" charset="0"/>
+                <a:cs typeface="Bookman Old Style" charset="0"/>
+              </a:rPr>
+              <a:t>Bayesian analysis and plot</a:t>
+            </a:r>
+          </a:p>
+          <a:p>
+            <a:pPr lvl="1"/>
+            <a:r>
+              <a:rPr lang="en-US" i="1" dirty="0" err="1">
+                <a:latin typeface="Bookman Old Style" charset="0"/>
+                <a:ea typeface="Bookman Old Style" charset="0"/>
+                <a:cs typeface="Bookman Old Style" charset="0"/>
+              </a:rPr>
+              <a:t>iris.con_mat.sam</a:t>
+            </a:r>
+            <a:r>
+              <a:rPr lang="en-US" i="1" dirty="0">
+                <a:latin typeface="Bookman Old Style" charset="0"/>
+                <a:ea typeface="Bookman Old Style" charset="0"/>
+                <a:cs typeface="Bookman Old Style" charset="0"/>
+              </a:rPr>
+              <a:t> &lt;- table(</a:t>
+            </a:r>
+            <a:r>
+              <a:rPr lang="en-US" i="1" dirty="0" err="1">
+                <a:latin typeface="Bookman Old Style" charset="0"/>
+                <a:ea typeface="Bookman Old Style" charset="0"/>
+                <a:cs typeface="Bookman Old Style" charset="0"/>
+              </a:rPr>
+              <a:t>iris.model.sam</a:t>
+            </a:r>
+            <a:r>
+              <a:rPr lang="en-US" i="1" dirty="0">
+                <a:latin typeface="Bookman Old Style" charset="0"/>
+                <a:ea typeface="Bookman Old Style" charset="0"/>
+                <a:cs typeface="Bookman Old Style" charset="0"/>
+              </a:rPr>
+              <a:t>, </a:t>
+            </a:r>
+            <a:r>
+              <a:rPr lang="en-US" i="1" dirty="0" err="1">
+                <a:latin typeface="Bookman Old Style" charset="0"/>
+                <a:ea typeface="Bookman Old Style" charset="0"/>
+                <a:cs typeface="Bookman Old Style" charset="0"/>
+              </a:rPr>
+              <a:t>iris$Species</a:t>
+            </a:r>
+            <a:r>
+              <a:rPr lang="en-US" i="1" dirty="0">
+                <a:latin typeface="Bookman Old Style" charset="0"/>
+                <a:ea typeface="Bookman Old Style" charset="0"/>
+                <a:cs typeface="Bookman Old Style" charset="0"/>
+              </a:rPr>
+              <a:t>)</a:t>
+            </a:r>
+          </a:p>
+          <a:p>
+            <a:pPr lvl="1"/>
+            <a:r>
+              <a:rPr lang="en-US" i="1" dirty="0" err="1">
+                <a:latin typeface="Bookman Old Style" charset="0"/>
+                <a:ea typeface="Bookman Old Style" charset="0"/>
+                <a:cs typeface="Bookman Old Style" charset="0"/>
+              </a:rPr>
+              <a:t>iris.Bays.sam</a:t>
+            </a:r>
+            <a:r>
+              <a:rPr lang="en-US" i="1" dirty="0">
+                <a:latin typeface="Bookman Old Style" charset="0"/>
+                <a:ea typeface="Bookman Old Style" charset="0"/>
+                <a:cs typeface="Bookman Old Style" charset="0"/>
+              </a:rPr>
+              <a:t> &lt;- </a:t>
+            </a:r>
+            <a:r>
+              <a:rPr lang="en-US" i="1" dirty="0" err="1">
+                <a:latin typeface="Bookman Old Style" charset="0"/>
+                <a:ea typeface="Bookman Old Style" charset="0"/>
+                <a:cs typeface="Bookman Old Style" charset="0"/>
+              </a:rPr>
+              <a:t>prop.table</a:t>
+            </a:r>
+            <a:r>
+              <a:rPr lang="en-US" i="1" dirty="0">
+                <a:latin typeface="Bookman Old Style" charset="0"/>
+                <a:ea typeface="Bookman Old Style" charset="0"/>
+                <a:cs typeface="Bookman Old Style" charset="0"/>
+              </a:rPr>
+              <a:t>(</a:t>
+            </a:r>
+            <a:r>
+              <a:rPr lang="en-US" i="1" dirty="0" err="1">
+                <a:latin typeface="Bookman Old Style" charset="0"/>
+                <a:ea typeface="Bookman Old Style" charset="0"/>
+                <a:cs typeface="Bookman Old Style" charset="0"/>
+              </a:rPr>
+              <a:t>iris.con_mat.sam</a:t>
+            </a:r>
+            <a:r>
+              <a:rPr lang="en-US" i="1" dirty="0">
+                <a:latin typeface="Bookman Old Style" charset="0"/>
+                <a:ea typeface="Bookman Old Style" charset="0"/>
+                <a:cs typeface="Bookman Old Style" charset="0"/>
+              </a:rPr>
+              <a:t>, 1)</a:t>
+            </a:r>
+          </a:p>
+          <a:p>
+            <a:pPr lvl="1"/>
+            <a:r>
+              <a:rPr lang="en-US" i="1" dirty="0" err="1">
+                <a:latin typeface="Bookman Old Style" charset="0"/>
+                <a:ea typeface="Bookman Old Style" charset="0"/>
+                <a:cs typeface="Bookman Old Style" charset="0"/>
+              </a:rPr>
+              <a:t>clusplot</a:t>
+            </a:r>
+            <a:r>
+              <a:rPr lang="en-US" i="1" dirty="0">
+                <a:latin typeface="Bookman Old Style" charset="0"/>
+                <a:ea typeface="Bookman Old Style" charset="0"/>
+                <a:cs typeface="Bookman Old Style" charset="0"/>
+              </a:rPr>
+              <a:t>(iris, </a:t>
+            </a:r>
+            <a:r>
+              <a:rPr lang="en-US" i="1" dirty="0" err="1">
+                <a:latin typeface="Bookman Old Style" charset="0"/>
+                <a:ea typeface="Bookman Old Style" charset="0"/>
+                <a:cs typeface="Bookman Old Style" charset="0"/>
+              </a:rPr>
+              <a:t>iris.model.sam</a:t>
+            </a:r>
+            <a:r>
+              <a:rPr lang="en-US" i="1" dirty="0">
+                <a:latin typeface="Bookman Old Style" charset="0"/>
+                <a:ea typeface="Bookman Old Style" charset="0"/>
+                <a:cs typeface="Bookman Old Style" charset="0"/>
+              </a:rPr>
+              <a:t>, color=T, shade=T, labels=0, lines=0</a:t>
+            </a:r>
+            <a:r>
+              <a:rPr lang="en-US" i="1" dirty="0" smtClean="0">
+                <a:latin typeface="Bookman Old Style" charset="0"/>
+                <a:ea typeface="Bookman Old Style" charset="0"/>
+                <a:cs typeface="Bookman Old Style" charset="0"/>
+              </a:rPr>
+              <a:t>)</a:t>
+            </a:r>
+            <a:endParaRPr lang="en-US" dirty="0" smtClean="0">
+              <a:latin typeface="Bookman Old Style" charset="0"/>
+              <a:ea typeface="Bookman Old Style" charset="0"/>
+              <a:cs typeface="Bookman Old Style" charset="0"/>
+            </a:endParaRPr>
+          </a:p>
+          <a:p>
+            <a:r>
+              <a:rPr lang="en-US" dirty="0" smtClean="0">
+                <a:latin typeface="Bookman Old Style" charset="0"/>
+                <a:ea typeface="Bookman Old Style" charset="0"/>
+                <a:cs typeface="Bookman Old Style" charset="0"/>
+              </a:rPr>
+              <a:t>Performance</a:t>
+            </a:r>
+          </a:p>
+          <a:p>
+            <a:pPr lvl="1"/>
+            <a:r>
+              <a:rPr lang="en-US" dirty="0" smtClean="0">
+                <a:latin typeface="Bookman Old Style" charset="0"/>
+                <a:ea typeface="Bookman Old Style" charset="0"/>
+                <a:cs typeface="Bookman Old Style" charset="0"/>
+              </a:rPr>
+              <a:t>Both </a:t>
+            </a:r>
+            <a:r>
               <a:rPr lang="en-US" dirty="0" err="1">
                 <a:latin typeface="Bookman Old Style" charset="0"/>
                 <a:ea typeface="Bookman Old Style" charset="0"/>
                 <a:cs typeface="Bookman Old Style" charset="0"/>
               </a:rPr>
-              <a:t>digits.cluster</a:t>
+              <a:t>specc</a:t>
             </a:r>
             <a:r>
               <a:rPr lang="en-US" dirty="0">
@@ -7468,10 +10161,32 @@
                 <a:ea typeface="Bookman Old Style" charset="0"/>
                 <a:cs typeface="Bookman Old Style" charset="0"/>
               </a:rPr>
-              <a:t>)</a:t>
-            </a:r>
-          </a:p>
-          <a:p>
+              <a:t> and </a:t>
+            </a:r>
+            <a:r>
+              <a:rPr lang="en-US" dirty="0" err="1">
+                <a:latin typeface="Bookman Old Style" charset="0"/>
+                <a:ea typeface="Bookman Old Style" charset="0"/>
+                <a:cs typeface="Bookman Old Style" charset="0"/>
+              </a:rPr>
+              <a:t>SamSPECTRAL</a:t>
+            </a:r>
+            <a:r>
+              <a:rPr lang="en-US" dirty="0">
+                <a:latin typeface="Bookman Old Style" charset="0"/>
+                <a:ea typeface="Bookman Old Style" charset="0"/>
+                <a:cs typeface="Bookman Old Style" charset="0"/>
+              </a:rPr>
+              <a:t> had trouble differentiating between versicolor and </a:t>
+            </a:r>
+            <a:r>
+              <a:rPr lang="en-US" dirty="0" err="1" smtClean="0">
+                <a:latin typeface="Bookman Old Style" charset="0"/>
+                <a:ea typeface="Bookman Old Style" charset="0"/>
+                <a:cs typeface="Bookman Old Style" charset="0"/>
+              </a:rPr>
+              <a:t>virginica</a:t>
+            </a:r>
             <a:endParaRPr lang="en-US" dirty="0">
               <a:latin typeface="Bookman Old Style" charset="0"/>
               <a:ea typeface="Bookman Old Style" charset="0"/>
@@ -7480,10 +10195,1379 @@
           </a:p>
         </p:txBody>
       </p:sp>
+      <p:sp>
+        <p:nvSpPr>
+          <p:cNvPr id="4" name="Footer Placeholder 3"/>
+          <p:cNvSpPr>
+            <a:spLocks noGrp="1"/>
+          </p:cNvSpPr>
+          <p:nvPr>
+            <p:ph type="ftr" sz="quarter" idx="11"/>
+          </p:nvPr>
+        </p:nvSpPr>
+        <p:spPr>
+          <a:xfrm>
+            <a:off x="3040630" y="6019800"/>
+            <a:ext cx="7084177" cy="365125"/>
+          </a:xfrm>
+        </p:spPr>
+        <p:txBody>
+          <a:bodyPr/>
+          <a:lstStyle/>
+          <a:p>
+            <a:pPr algn="r"/>
+            <a:r>
+              <a:rPr lang="en-US" sz="1600" b="1" i="1" dirty="0" smtClean="0"/>
+              <a:t>Julie</a:t>
+            </a:r>
+            <a:endParaRPr lang="en-US" sz="1600" b="1" i="1" dirty="0"/>
+          </a:p>
+        </p:txBody>
+      </p:sp>
     </p:spTree>
     <p:extLst>
       <p:ext uri="{BB962C8B-B14F-4D97-AF65-F5344CB8AC3E}">
-        <p14:creationId xmlns:p14="http://schemas.microsoft.com/office/powerpoint/2010/main" val="1593786749"/>
+        <p14:creationId xmlns:p14="http://schemas.microsoft.com/office/powerpoint/2010/main" val="641274863"/>
+      </p:ext>
+    </p:extLst>
+  </p:cSld>
+  <p:clrMapOvr>
+    <a:masterClrMapping/>
+  </p:clrMapOvr>
+</p:sld>
+</file>
+
+<file path=ppt/slides/slide7.xml><?xml version="1.0" encoding="utf-8"?>
+<p:sld xmlns:a="http://schemas.openxmlformats.org/drawingml/2006/main" xmlns:r="http://schemas.openxmlformats.org/officeDocument/2006/relationships" xmlns:p="http://schemas.openxmlformats.org/presentationml/2006/main">
+  <p:cSld>
+    <p:spTree>
+      <p:nvGrpSpPr>
+        <p:cNvPr id="1" name=""/>
+        <p:cNvGrpSpPr/>
+        <p:nvPr/>
+      </p:nvGrpSpPr>
+      <p:grpSpPr>
+        <a:xfrm>
+          <a:off x="0" y="0"/>
+          <a:ext cx="0" cy="0"/>
+          <a:chOff x="0" y="0"/>
+          <a:chExt cx="0" cy="0"/>
+        </a:xfrm>
+      </p:grpSpPr>
+      <p:sp>
+        <p:nvSpPr>
+          <p:cNvPr id="2" name="Title 1"/>
+          <p:cNvSpPr>
+            <a:spLocks noGrp="1"/>
+          </p:cNvSpPr>
+          <p:nvPr>
+            <p:ph type="title"/>
+          </p:nvPr>
+        </p:nvSpPr>
+        <p:spPr>
+          <a:xfrm>
+            <a:off x="1484311" y="685801"/>
+            <a:ext cx="10018713" cy="921566"/>
+          </a:xfrm>
+        </p:spPr>
+        <p:txBody>
+          <a:bodyPr/>
+          <a:lstStyle/>
+          <a:p>
+            <a:r>
+              <a:rPr lang="en-US" i="1" dirty="0">
+                <a:latin typeface="Bookman Old Style" charset="0"/>
+                <a:ea typeface="Bookman Old Style" charset="0"/>
+                <a:cs typeface="Bookman Old Style" charset="0"/>
+              </a:rPr>
+              <a:t>Iris </a:t>
+            </a:r>
+            <a:r>
+              <a:rPr lang="en-US" i="1" dirty="0" smtClean="0">
+                <a:latin typeface="Bookman Old Style" charset="0"/>
+                <a:ea typeface="Bookman Old Style" charset="0"/>
+                <a:cs typeface="Bookman Old Style" charset="0"/>
+              </a:rPr>
+              <a:t>data K-means clustering</a:t>
+            </a:r>
+            <a:endParaRPr lang="en-US" i="1" dirty="0">
+              <a:latin typeface="Bookman Old Style" charset="0"/>
+              <a:ea typeface="Bookman Old Style" charset="0"/>
+              <a:cs typeface="Bookman Old Style" charset="0"/>
+            </a:endParaRPr>
+          </a:p>
+        </p:txBody>
+      </p:sp>
+      <p:sp>
+        <p:nvSpPr>
+          <p:cNvPr id="3" name="Content Placeholder 2"/>
+          <p:cNvSpPr>
+            <a:spLocks noGrp="1"/>
+          </p:cNvSpPr>
+          <p:nvPr>
+            <p:ph idx="1"/>
+          </p:nvPr>
+        </p:nvSpPr>
+        <p:spPr>
+          <a:xfrm>
+            <a:off x="1484310" y="1607367"/>
+            <a:ext cx="10018713" cy="4412433"/>
+          </a:xfrm>
+        </p:spPr>
+        <p:txBody>
+          <a:bodyPr>
+            <a:normAutofit/>
+          </a:bodyPr>
+          <a:lstStyle/>
+          <a:p>
+            <a:r>
+              <a:rPr lang="en-US" dirty="0" smtClean="0">
+                <a:latin typeface="Bookman Old Style" charset="0"/>
+                <a:ea typeface="Bookman Old Style" charset="0"/>
+                <a:cs typeface="Bookman Old Style" charset="0"/>
+              </a:rPr>
+              <a:t>Due to the poor performance of the two spectral </a:t>
+            </a:r>
+            <a:r>
+              <a:rPr lang="en-US" dirty="0" smtClean="0">
+                <a:latin typeface="Bookman Old Style" charset="0"/>
+                <a:ea typeface="Bookman Old Style" charset="0"/>
+                <a:cs typeface="Bookman Old Style" charset="0"/>
+              </a:rPr>
+              <a:t>clustering algorithms, we decided to compare it to </a:t>
+            </a:r>
+            <a:r>
+              <a:rPr lang="en-US" dirty="0" err="1" smtClean="0">
+                <a:latin typeface="Bookman Old Style" charset="0"/>
+                <a:ea typeface="Bookman Old Style" charset="0"/>
+                <a:cs typeface="Bookman Old Style" charset="0"/>
+              </a:rPr>
+              <a:t>Kmeans</a:t>
+            </a:r>
+            <a:endParaRPr lang="en-US" dirty="0" smtClean="0">
+              <a:latin typeface="Bookman Old Style" charset="0"/>
+              <a:ea typeface="Bookman Old Style" charset="0"/>
+              <a:cs typeface="Bookman Old Style" charset="0"/>
+            </a:endParaRPr>
+          </a:p>
+          <a:p>
+            <a:pPr lvl="1"/>
+            <a:r>
+              <a:rPr lang="en-US" i="1" dirty="0">
+                <a:latin typeface="Bookman Old Style" charset="0"/>
+                <a:ea typeface="Bookman Old Style" charset="0"/>
+                <a:cs typeface="Bookman Old Style" charset="0"/>
+              </a:rPr>
+              <a:t>iris.model.km &lt;- </a:t>
+            </a:r>
+            <a:r>
+              <a:rPr lang="en-US" i="1" dirty="0" err="1">
+                <a:latin typeface="Bookman Old Style" charset="0"/>
+                <a:ea typeface="Bookman Old Style" charset="0"/>
+                <a:cs typeface="Bookman Old Style" charset="0"/>
+              </a:rPr>
+              <a:t>kmeans</a:t>
+            </a:r>
+            <a:r>
+              <a:rPr lang="en-US" i="1" dirty="0">
+                <a:latin typeface="Bookman Old Style" charset="0"/>
+                <a:ea typeface="Bookman Old Style" charset="0"/>
+                <a:cs typeface="Bookman Old Style" charset="0"/>
+              </a:rPr>
+              <a:t>(iris[,1:4], 3, </a:t>
+            </a:r>
+            <a:r>
+              <a:rPr lang="en-US" i="1" dirty="0" err="1">
+                <a:latin typeface="Bookman Old Style" charset="0"/>
+                <a:ea typeface="Bookman Old Style" charset="0"/>
+                <a:cs typeface="Bookman Old Style" charset="0"/>
+              </a:rPr>
+              <a:t>nstart</a:t>
+            </a:r>
+            <a:r>
+              <a:rPr lang="en-US" i="1" dirty="0">
+                <a:latin typeface="Bookman Old Style" charset="0"/>
+                <a:ea typeface="Bookman Old Style" charset="0"/>
+                <a:cs typeface="Bookman Old Style" charset="0"/>
+              </a:rPr>
+              <a:t>=20)</a:t>
+            </a:r>
+          </a:p>
+          <a:p>
+            <a:pPr lvl="1"/>
+            <a:r>
+              <a:rPr lang="en-US" i="1" dirty="0">
+                <a:latin typeface="Bookman Old Style" charset="0"/>
+                <a:ea typeface="Bookman Old Style" charset="0"/>
+                <a:cs typeface="Bookman Old Style" charset="0"/>
+              </a:rPr>
+              <a:t>iris.con_mat.km &lt;- table(</a:t>
+            </a:r>
+            <a:r>
+              <a:rPr lang="en-US" i="1" dirty="0" err="1">
+                <a:latin typeface="Bookman Old Style" charset="0"/>
+                <a:ea typeface="Bookman Old Style" charset="0"/>
+                <a:cs typeface="Bookman Old Style" charset="0"/>
+              </a:rPr>
+              <a:t>iris.model.km$cluster</a:t>
+            </a:r>
+            <a:r>
+              <a:rPr lang="en-US" i="1" dirty="0">
+                <a:latin typeface="Bookman Old Style" charset="0"/>
+                <a:ea typeface="Bookman Old Style" charset="0"/>
+                <a:cs typeface="Bookman Old Style" charset="0"/>
+              </a:rPr>
+              <a:t>, </a:t>
+            </a:r>
+            <a:r>
+              <a:rPr lang="en-US" i="1" dirty="0" err="1">
+                <a:latin typeface="Bookman Old Style" charset="0"/>
+                <a:ea typeface="Bookman Old Style" charset="0"/>
+                <a:cs typeface="Bookman Old Style" charset="0"/>
+              </a:rPr>
+              <a:t>iris$Species</a:t>
+            </a:r>
+            <a:r>
+              <a:rPr lang="en-US" i="1" dirty="0">
+                <a:latin typeface="Bookman Old Style" charset="0"/>
+                <a:ea typeface="Bookman Old Style" charset="0"/>
+                <a:cs typeface="Bookman Old Style" charset="0"/>
+              </a:rPr>
+              <a:t>)</a:t>
+            </a:r>
+          </a:p>
+          <a:p>
+            <a:pPr lvl="1"/>
+            <a:r>
+              <a:rPr lang="en-US" i="1" dirty="0">
+                <a:latin typeface="Bookman Old Style" charset="0"/>
+                <a:ea typeface="Bookman Old Style" charset="0"/>
+                <a:cs typeface="Bookman Old Style" charset="0"/>
+              </a:rPr>
+              <a:t>iris.Bays.km &lt;- </a:t>
+            </a:r>
+            <a:r>
+              <a:rPr lang="en-US" i="1" dirty="0" err="1">
+                <a:latin typeface="Bookman Old Style" charset="0"/>
+                <a:ea typeface="Bookman Old Style" charset="0"/>
+                <a:cs typeface="Bookman Old Style" charset="0"/>
+              </a:rPr>
+              <a:t>prop.table</a:t>
+            </a:r>
+            <a:r>
+              <a:rPr lang="en-US" i="1" dirty="0">
+                <a:latin typeface="Bookman Old Style" charset="0"/>
+                <a:ea typeface="Bookman Old Style" charset="0"/>
+                <a:cs typeface="Bookman Old Style" charset="0"/>
+              </a:rPr>
+              <a:t>(iris.con_mat.km, 1)</a:t>
+            </a:r>
+          </a:p>
+          <a:p>
+            <a:pPr lvl="1"/>
+            <a:r>
+              <a:rPr lang="en-US" i="1" dirty="0" err="1">
+                <a:latin typeface="Bookman Old Style" charset="0"/>
+                <a:ea typeface="Bookman Old Style" charset="0"/>
+                <a:cs typeface="Bookman Old Style" charset="0"/>
+              </a:rPr>
+              <a:t>clusplot</a:t>
+            </a:r>
+            <a:r>
+              <a:rPr lang="en-US" i="1" dirty="0">
+                <a:latin typeface="Bookman Old Style" charset="0"/>
+                <a:ea typeface="Bookman Old Style" charset="0"/>
+                <a:cs typeface="Bookman Old Style" charset="0"/>
+              </a:rPr>
+              <a:t>(iris, </a:t>
+            </a:r>
+            <a:r>
+              <a:rPr lang="en-US" i="1" dirty="0" err="1">
+                <a:latin typeface="Bookman Old Style" charset="0"/>
+                <a:ea typeface="Bookman Old Style" charset="0"/>
+                <a:cs typeface="Bookman Old Style" charset="0"/>
+              </a:rPr>
+              <a:t>iris.model.km$cluster</a:t>
+            </a:r>
+            <a:r>
+              <a:rPr lang="en-US" i="1" dirty="0">
+                <a:latin typeface="Bookman Old Style" charset="0"/>
+                <a:ea typeface="Bookman Old Style" charset="0"/>
+                <a:cs typeface="Bookman Old Style" charset="0"/>
+              </a:rPr>
+              <a:t>, color=T, shade=T, labels=0, lines=0</a:t>
+            </a:r>
+            <a:r>
+              <a:rPr lang="en-US" i="1" dirty="0" smtClean="0">
+                <a:latin typeface="Bookman Old Style" charset="0"/>
+                <a:ea typeface="Bookman Old Style" charset="0"/>
+                <a:cs typeface="Bookman Old Style" charset="0"/>
+              </a:rPr>
+              <a:t>)</a:t>
+            </a:r>
+            <a:endParaRPr lang="en-US" dirty="0" smtClean="0">
+              <a:latin typeface="Bookman Old Style" charset="0"/>
+              <a:ea typeface="Bookman Old Style" charset="0"/>
+              <a:cs typeface="Bookman Old Style" charset="0"/>
+            </a:endParaRPr>
+          </a:p>
+          <a:p>
+            <a:r>
+              <a:rPr lang="en-US" dirty="0" smtClean="0">
+                <a:latin typeface="Bookman Old Style" charset="0"/>
+                <a:ea typeface="Bookman Old Style" charset="0"/>
+                <a:cs typeface="Bookman Old Style" charset="0"/>
+              </a:rPr>
+              <a:t>Results</a:t>
+            </a:r>
+          </a:p>
+          <a:p>
+            <a:pPr lvl="1"/>
+            <a:r>
+              <a:rPr lang="en-US" dirty="0" smtClean="0">
+                <a:latin typeface="Bookman Old Style" charset="0"/>
+                <a:ea typeface="Bookman Old Style" charset="0"/>
+                <a:cs typeface="Bookman Old Style" charset="0"/>
+              </a:rPr>
+              <a:t>K-means produced the best results to date, successfully separating versicolor and </a:t>
+            </a:r>
+            <a:r>
+              <a:rPr lang="en-US" dirty="0" err="1" smtClean="0">
+                <a:latin typeface="Bookman Old Style" charset="0"/>
+                <a:ea typeface="Bookman Old Style" charset="0"/>
+                <a:cs typeface="Bookman Old Style" charset="0"/>
+              </a:rPr>
+              <a:t>virginica</a:t>
+            </a:r>
+            <a:endParaRPr lang="en-US" dirty="0" smtClean="0">
+              <a:latin typeface="Bookman Old Style" charset="0"/>
+              <a:ea typeface="Bookman Old Style" charset="0"/>
+              <a:cs typeface="Bookman Old Style" charset="0"/>
+            </a:endParaRPr>
+          </a:p>
+        </p:txBody>
+      </p:sp>
+      <p:sp>
+        <p:nvSpPr>
+          <p:cNvPr id="4" name="Footer Placeholder 3"/>
+          <p:cNvSpPr>
+            <a:spLocks noGrp="1"/>
+          </p:cNvSpPr>
+          <p:nvPr>
+            <p:ph type="ftr" sz="quarter" idx="11"/>
+          </p:nvPr>
+        </p:nvSpPr>
+        <p:spPr>
+          <a:xfrm>
+            <a:off x="3040630" y="6019800"/>
+            <a:ext cx="7084177" cy="365125"/>
+          </a:xfrm>
+        </p:spPr>
+        <p:txBody>
+          <a:bodyPr/>
+          <a:lstStyle/>
+          <a:p>
+            <a:pPr algn="r"/>
+            <a:r>
+              <a:rPr lang="en-US" sz="1600" b="1" i="1" dirty="0" smtClean="0"/>
+              <a:t>Julie</a:t>
+            </a:r>
+            <a:endParaRPr lang="en-US" sz="1600" b="1" i="1" dirty="0"/>
+          </a:p>
+        </p:txBody>
+      </p:sp>
+    </p:spTree>
+    <p:extLst>
+      <p:ext uri="{BB962C8B-B14F-4D97-AF65-F5344CB8AC3E}">
+        <p14:creationId xmlns:p14="http://schemas.microsoft.com/office/powerpoint/2010/main" val="1355587553"/>
+      </p:ext>
+    </p:extLst>
+  </p:cSld>
+  <p:clrMapOvr>
+    <a:masterClrMapping/>
+  </p:clrMapOvr>
+</p:sld>
+</file>
+
+<file path=ppt/slides/slide8.xml><?xml version="1.0" encoding="utf-8"?>
+<p:sld xmlns:a="http://schemas.openxmlformats.org/drawingml/2006/main" xmlns:r="http://schemas.openxmlformats.org/officeDocument/2006/relationships" xmlns:p="http://schemas.openxmlformats.org/presentationml/2006/main">
+  <p:cSld>
+    <p:spTree>
+      <p:nvGrpSpPr>
+        <p:cNvPr id="1" name=""/>
+        <p:cNvGrpSpPr/>
+        <p:nvPr/>
+      </p:nvGrpSpPr>
+      <p:grpSpPr>
+        <a:xfrm>
+          <a:off x="0" y="0"/>
+          <a:ext cx="0" cy="0"/>
+          <a:chOff x="0" y="0"/>
+          <a:chExt cx="0" cy="0"/>
+        </a:xfrm>
+      </p:grpSpPr>
+      <p:sp>
+        <p:nvSpPr>
+          <p:cNvPr id="2" name="Title 1"/>
+          <p:cNvSpPr>
+            <a:spLocks noGrp="1"/>
+          </p:cNvSpPr>
+          <p:nvPr>
+            <p:ph type="title"/>
+          </p:nvPr>
+        </p:nvSpPr>
+        <p:spPr>
+          <a:xfrm>
+            <a:off x="1484311" y="685801"/>
+            <a:ext cx="10018713" cy="1025434"/>
+          </a:xfrm>
+        </p:spPr>
+        <p:txBody>
+          <a:bodyPr/>
+          <a:lstStyle/>
+          <a:p>
+            <a:r>
+              <a:rPr lang="en-US" i="1" dirty="0">
+                <a:latin typeface="Bookman Old Style" charset="0"/>
+                <a:ea typeface="Bookman Old Style" charset="0"/>
+                <a:cs typeface="Bookman Old Style" charset="0"/>
+              </a:rPr>
+              <a:t>Iris </a:t>
+            </a:r>
+            <a:r>
+              <a:rPr lang="en-US" i="1" dirty="0" smtClean="0">
+                <a:latin typeface="Bookman Old Style" charset="0"/>
+                <a:ea typeface="Bookman Old Style" charset="0"/>
+                <a:cs typeface="Bookman Old Style" charset="0"/>
+              </a:rPr>
+              <a:t>data density clustering</a:t>
+            </a:r>
+            <a:endParaRPr lang="en-US" i="1" dirty="0">
+              <a:latin typeface="Bookman Old Style" charset="0"/>
+              <a:ea typeface="Bookman Old Style" charset="0"/>
+              <a:cs typeface="Bookman Old Style" charset="0"/>
+            </a:endParaRPr>
+          </a:p>
+        </p:txBody>
+      </p:sp>
+      <p:sp>
+        <p:nvSpPr>
+          <p:cNvPr id="3" name="Content Placeholder 2"/>
+          <p:cNvSpPr>
+            <a:spLocks noGrp="1"/>
+          </p:cNvSpPr>
+          <p:nvPr>
+            <p:ph idx="1"/>
+          </p:nvPr>
+        </p:nvSpPr>
+        <p:spPr>
+          <a:xfrm>
+            <a:off x="1484310" y="1711236"/>
+            <a:ext cx="10018713" cy="4308564"/>
+          </a:xfrm>
+        </p:spPr>
+        <p:txBody>
+          <a:bodyPr>
+            <a:normAutofit fontScale="85000" lnSpcReduction="20000"/>
+          </a:bodyPr>
+          <a:lstStyle/>
+          <a:p>
+            <a:r>
+              <a:rPr lang="en-US" dirty="0">
+                <a:latin typeface="Bookman Old Style" charset="0"/>
+                <a:ea typeface="Bookman Old Style" charset="0"/>
+                <a:cs typeface="Bookman Old Style" charset="0"/>
+              </a:rPr>
+              <a:t>Same basic principles as </a:t>
+            </a:r>
+            <a:r>
+              <a:rPr lang="en-US" dirty="0" err="1">
+                <a:latin typeface="Bookman Old Style" charset="0"/>
+                <a:ea typeface="Bookman Old Style" charset="0"/>
+                <a:cs typeface="Bookman Old Style" charset="0"/>
+              </a:rPr>
+              <a:t>specc</a:t>
+            </a:r>
+            <a:r>
+              <a:rPr lang="en-US" dirty="0">
+                <a:latin typeface="Bookman Old Style" charset="0"/>
+                <a:ea typeface="Bookman Old Style" charset="0"/>
+                <a:cs typeface="Bookman Old Style" charset="0"/>
+              </a:rPr>
+              <a:t> clustering </a:t>
+            </a:r>
+            <a:r>
+              <a:rPr lang="en-US" dirty="0" smtClean="0">
+                <a:latin typeface="Bookman Old Style" charset="0"/>
+                <a:ea typeface="Bookman Old Style" charset="0"/>
+                <a:cs typeface="Bookman Old Style" charset="0"/>
+              </a:rPr>
+              <a:t>algorithm</a:t>
+            </a:r>
+          </a:p>
+          <a:p>
+            <a:pPr lvl="1"/>
+            <a:r>
+              <a:rPr lang="en-US" dirty="0" smtClean="0">
+                <a:latin typeface="Bookman Old Style" charset="0"/>
+                <a:ea typeface="Bookman Old Style" charset="0"/>
+                <a:cs typeface="Bookman Old Style" charset="0"/>
+              </a:rPr>
+              <a:t>However, requires an additional set to find values for eps. Finding the elbow of the k nearest neighbors distribution provides the best eps value for the specified number of clusters</a:t>
+            </a:r>
+          </a:p>
+          <a:p>
+            <a:pPr lvl="1"/>
+            <a:r>
+              <a:rPr lang="en-US" i="1" dirty="0" err="1">
+                <a:latin typeface="Bookman Old Style" charset="0"/>
+                <a:ea typeface="Bookman Old Style" charset="0"/>
+                <a:cs typeface="Bookman Old Style" charset="0"/>
+              </a:rPr>
+              <a:t>kNNdistplot</a:t>
+            </a:r>
+            <a:r>
+              <a:rPr lang="en-US" i="1" dirty="0">
+                <a:latin typeface="Bookman Old Style" charset="0"/>
+                <a:ea typeface="Bookman Old Style" charset="0"/>
+                <a:cs typeface="Bookman Old Style" charset="0"/>
+              </a:rPr>
+              <a:t>(</a:t>
+            </a:r>
+            <a:r>
+              <a:rPr lang="en-US" i="1" dirty="0" err="1">
+                <a:latin typeface="Bookman Old Style" charset="0"/>
+                <a:ea typeface="Bookman Old Style" charset="0"/>
+                <a:cs typeface="Bookman Old Style" charset="0"/>
+              </a:rPr>
+              <a:t>iris.train</a:t>
+            </a:r>
+            <a:r>
+              <a:rPr lang="en-US" i="1" dirty="0">
+                <a:latin typeface="Bookman Old Style" charset="0"/>
+                <a:ea typeface="Bookman Old Style" charset="0"/>
+                <a:cs typeface="Bookman Old Style" charset="0"/>
+              </a:rPr>
+              <a:t>, 4</a:t>
+            </a:r>
+            <a:r>
+              <a:rPr lang="en-US" dirty="0" smtClean="0">
+                <a:latin typeface="Bookman Old Style" charset="0"/>
+                <a:ea typeface="Bookman Old Style" charset="0"/>
+                <a:cs typeface="Bookman Old Style" charset="0"/>
+              </a:rPr>
+              <a:t>)</a:t>
+            </a:r>
+          </a:p>
+          <a:p>
+            <a:pPr lvl="1"/>
+            <a:r>
+              <a:rPr lang="en-US" i="1" dirty="0" err="1">
+                <a:latin typeface="Bookman Old Style" charset="0"/>
+                <a:ea typeface="Bookman Old Style" charset="0"/>
+                <a:cs typeface="Bookman Old Style" charset="0"/>
+              </a:rPr>
+              <a:t>iris.model.db</a:t>
+            </a:r>
+            <a:r>
+              <a:rPr lang="en-US" i="1" dirty="0">
+                <a:latin typeface="Bookman Old Style" charset="0"/>
+                <a:ea typeface="Bookman Old Style" charset="0"/>
+                <a:cs typeface="Bookman Old Style" charset="0"/>
+              </a:rPr>
+              <a:t> &lt;- </a:t>
+            </a:r>
+            <a:r>
+              <a:rPr lang="en-US" i="1" dirty="0" err="1">
+                <a:latin typeface="Bookman Old Style" charset="0"/>
+                <a:ea typeface="Bookman Old Style" charset="0"/>
+                <a:cs typeface="Bookman Old Style" charset="0"/>
+              </a:rPr>
+              <a:t>dbscan</a:t>
+            </a:r>
+            <a:r>
+              <a:rPr lang="en-US" i="1" dirty="0">
+                <a:latin typeface="Bookman Old Style" charset="0"/>
+                <a:ea typeface="Bookman Old Style" charset="0"/>
+                <a:cs typeface="Bookman Old Style" charset="0"/>
+              </a:rPr>
+              <a:t>(</a:t>
+            </a:r>
+            <a:r>
+              <a:rPr lang="en-US" i="1" dirty="0" err="1">
+                <a:latin typeface="Bookman Old Style" charset="0"/>
+                <a:ea typeface="Bookman Old Style" charset="0"/>
+                <a:cs typeface="Bookman Old Style" charset="0"/>
+              </a:rPr>
+              <a:t>iris.train</a:t>
+            </a:r>
+            <a:r>
+              <a:rPr lang="en-US" i="1" dirty="0">
+                <a:latin typeface="Bookman Old Style" charset="0"/>
+                <a:ea typeface="Bookman Old Style" charset="0"/>
+                <a:cs typeface="Bookman Old Style" charset="0"/>
+              </a:rPr>
+              <a:t>, eps=.5, </a:t>
+            </a:r>
+            <a:r>
+              <a:rPr lang="en-US" i="1" dirty="0" err="1">
+                <a:latin typeface="Bookman Old Style" charset="0"/>
+                <a:ea typeface="Bookman Old Style" charset="0"/>
+                <a:cs typeface="Bookman Old Style" charset="0"/>
+              </a:rPr>
+              <a:t>minPts</a:t>
+            </a:r>
+            <a:r>
+              <a:rPr lang="en-US" i="1" dirty="0">
+                <a:latin typeface="Bookman Old Style" charset="0"/>
+                <a:ea typeface="Bookman Old Style" charset="0"/>
+                <a:cs typeface="Bookman Old Style" charset="0"/>
+              </a:rPr>
+              <a:t> = 4</a:t>
+            </a:r>
+            <a:r>
+              <a:rPr lang="en-US" i="1" dirty="0" smtClean="0">
+                <a:latin typeface="Bookman Old Style" charset="0"/>
+                <a:ea typeface="Bookman Old Style" charset="0"/>
+                <a:cs typeface="Bookman Old Style" charset="0"/>
+              </a:rPr>
+              <a:t>)</a:t>
+            </a:r>
+            <a:endParaRPr lang="en-US" dirty="0">
+              <a:latin typeface="Bookman Old Style" charset="0"/>
+              <a:ea typeface="Bookman Old Style" charset="0"/>
+              <a:cs typeface="Bookman Old Style" charset="0"/>
+            </a:endParaRPr>
+          </a:p>
+          <a:p>
+            <a:r>
+              <a:rPr lang="en-US" dirty="0">
+                <a:latin typeface="Bookman Old Style" charset="0"/>
+                <a:ea typeface="Bookman Old Style" charset="0"/>
+                <a:cs typeface="Bookman Old Style" charset="0"/>
+              </a:rPr>
+              <a:t>Bayesian analysis and </a:t>
+            </a:r>
+            <a:r>
+              <a:rPr lang="en-US" dirty="0" smtClean="0">
+                <a:latin typeface="Bookman Old Style" charset="0"/>
+                <a:ea typeface="Bookman Old Style" charset="0"/>
+                <a:cs typeface="Bookman Old Style" charset="0"/>
+              </a:rPr>
+              <a:t>plot</a:t>
+            </a:r>
+          </a:p>
+          <a:p>
+            <a:pPr lvl="1"/>
+            <a:r>
+              <a:rPr lang="en-US" dirty="0" err="1" smtClean="0">
+                <a:latin typeface="Bookman Old Style" charset="0"/>
+                <a:ea typeface="Bookman Old Style" charset="0"/>
+                <a:cs typeface="Bookman Old Style" charset="0"/>
+              </a:rPr>
+              <a:t>iris.con_mat.db</a:t>
+            </a:r>
+            <a:r>
+              <a:rPr lang="en-US" dirty="0" smtClean="0">
+                <a:latin typeface="Bookman Old Style" charset="0"/>
+                <a:ea typeface="Bookman Old Style" charset="0"/>
+                <a:cs typeface="Bookman Old Style" charset="0"/>
+              </a:rPr>
+              <a:t> </a:t>
+            </a:r>
+            <a:r>
+              <a:rPr lang="en-US" dirty="0">
+                <a:latin typeface="Bookman Old Style" charset="0"/>
+                <a:ea typeface="Bookman Old Style" charset="0"/>
+                <a:cs typeface="Bookman Old Style" charset="0"/>
+              </a:rPr>
+              <a:t>&lt;- table(</a:t>
+            </a:r>
+            <a:r>
+              <a:rPr lang="en-US" dirty="0" err="1">
+                <a:latin typeface="Bookman Old Style" charset="0"/>
+                <a:ea typeface="Bookman Old Style" charset="0"/>
+                <a:cs typeface="Bookman Old Style" charset="0"/>
+              </a:rPr>
+              <a:t>iris.model.db$cluster</a:t>
+            </a:r>
+            <a:r>
+              <a:rPr lang="en-US" dirty="0">
+                <a:latin typeface="Bookman Old Style" charset="0"/>
+                <a:ea typeface="Bookman Old Style" charset="0"/>
+                <a:cs typeface="Bookman Old Style" charset="0"/>
+              </a:rPr>
+              <a:t>, </a:t>
+            </a:r>
+            <a:r>
+              <a:rPr lang="en-US" dirty="0" err="1">
+                <a:latin typeface="Bookman Old Style" charset="0"/>
+                <a:ea typeface="Bookman Old Style" charset="0"/>
+                <a:cs typeface="Bookman Old Style" charset="0"/>
+              </a:rPr>
+              <a:t>iris$Species</a:t>
+            </a:r>
+            <a:r>
+              <a:rPr lang="en-US" dirty="0" smtClean="0">
+                <a:latin typeface="Bookman Old Style" charset="0"/>
+                <a:ea typeface="Bookman Old Style" charset="0"/>
+                <a:cs typeface="Bookman Old Style" charset="0"/>
+              </a:rPr>
+              <a:t>)</a:t>
+            </a:r>
+            <a:endParaRPr lang="en-US" dirty="0">
+              <a:latin typeface="Bookman Old Style" charset="0"/>
+              <a:ea typeface="Bookman Old Style" charset="0"/>
+              <a:cs typeface="Bookman Old Style" charset="0"/>
+            </a:endParaRPr>
+          </a:p>
+          <a:p>
+            <a:pPr lvl="1"/>
+            <a:r>
+              <a:rPr lang="en-US" dirty="0" err="1" smtClean="0">
+                <a:latin typeface="Bookman Old Style" charset="0"/>
+                <a:ea typeface="Bookman Old Style" charset="0"/>
+                <a:cs typeface="Bookman Old Style" charset="0"/>
+              </a:rPr>
+              <a:t>iris.Bays.db</a:t>
+            </a:r>
+            <a:r>
+              <a:rPr lang="en-US" dirty="0" smtClean="0">
+                <a:latin typeface="Bookman Old Style" charset="0"/>
+                <a:ea typeface="Bookman Old Style" charset="0"/>
+                <a:cs typeface="Bookman Old Style" charset="0"/>
+              </a:rPr>
+              <a:t> </a:t>
+            </a:r>
+            <a:r>
+              <a:rPr lang="en-US" dirty="0">
+                <a:latin typeface="Bookman Old Style" charset="0"/>
+                <a:ea typeface="Bookman Old Style" charset="0"/>
+                <a:cs typeface="Bookman Old Style" charset="0"/>
+              </a:rPr>
+              <a:t>&lt;- </a:t>
+            </a:r>
+            <a:r>
+              <a:rPr lang="en-US" dirty="0" err="1">
+                <a:latin typeface="Bookman Old Style" charset="0"/>
+                <a:ea typeface="Bookman Old Style" charset="0"/>
+                <a:cs typeface="Bookman Old Style" charset="0"/>
+              </a:rPr>
+              <a:t>prop.table</a:t>
+            </a:r>
+            <a:r>
+              <a:rPr lang="en-US" dirty="0">
+                <a:latin typeface="Bookman Old Style" charset="0"/>
+                <a:ea typeface="Bookman Old Style" charset="0"/>
+                <a:cs typeface="Bookman Old Style" charset="0"/>
+              </a:rPr>
+              <a:t>(</a:t>
+            </a:r>
+            <a:r>
+              <a:rPr lang="en-US" dirty="0" err="1">
+                <a:latin typeface="Bookman Old Style" charset="0"/>
+                <a:ea typeface="Bookman Old Style" charset="0"/>
+                <a:cs typeface="Bookman Old Style" charset="0"/>
+              </a:rPr>
+              <a:t>iris.con_mat.db</a:t>
+            </a:r>
+            <a:r>
+              <a:rPr lang="en-US" dirty="0">
+                <a:latin typeface="Bookman Old Style" charset="0"/>
+                <a:ea typeface="Bookman Old Style" charset="0"/>
+                <a:cs typeface="Bookman Old Style" charset="0"/>
+              </a:rPr>
+              <a:t>, 1</a:t>
+            </a:r>
+            <a:r>
+              <a:rPr lang="en-US" dirty="0" smtClean="0">
+                <a:latin typeface="Bookman Old Style" charset="0"/>
+                <a:ea typeface="Bookman Old Style" charset="0"/>
+                <a:cs typeface="Bookman Old Style" charset="0"/>
+              </a:rPr>
+              <a:t>)</a:t>
+            </a:r>
+            <a:endParaRPr lang="en-US" dirty="0">
+              <a:latin typeface="Bookman Old Style" charset="0"/>
+              <a:ea typeface="Bookman Old Style" charset="0"/>
+              <a:cs typeface="Bookman Old Style" charset="0"/>
+            </a:endParaRPr>
+          </a:p>
+          <a:p>
+            <a:pPr lvl="1"/>
+            <a:r>
+              <a:rPr lang="en-US" dirty="0" err="1">
+                <a:latin typeface="Bookman Old Style" charset="0"/>
+                <a:ea typeface="Bookman Old Style" charset="0"/>
+                <a:cs typeface="Bookman Old Style" charset="0"/>
+              </a:rPr>
+              <a:t>clusplot</a:t>
+            </a:r>
+            <a:r>
+              <a:rPr lang="en-US" dirty="0">
+                <a:latin typeface="Bookman Old Style" charset="0"/>
+                <a:ea typeface="Bookman Old Style" charset="0"/>
+                <a:cs typeface="Bookman Old Style" charset="0"/>
+              </a:rPr>
+              <a:t>(iris, </a:t>
+            </a:r>
+            <a:r>
+              <a:rPr lang="en-US" dirty="0" err="1">
+                <a:latin typeface="Bookman Old Style" charset="0"/>
+                <a:ea typeface="Bookman Old Style" charset="0"/>
+                <a:cs typeface="Bookman Old Style" charset="0"/>
+              </a:rPr>
+              <a:t>iris.model.db$cluster</a:t>
+            </a:r>
+            <a:r>
+              <a:rPr lang="en-US" dirty="0">
+                <a:latin typeface="Bookman Old Style" charset="0"/>
+                <a:ea typeface="Bookman Old Style" charset="0"/>
+                <a:cs typeface="Bookman Old Style" charset="0"/>
+              </a:rPr>
+              <a:t>, color=T, shade=T, labels=0, lines=0)</a:t>
+            </a:r>
+          </a:p>
+          <a:p>
+            <a:r>
+              <a:rPr lang="en-US" dirty="0" smtClean="0">
+                <a:latin typeface="Bookman Old Style" charset="0"/>
+                <a:ea typeface="Bookman Old Style" charset="0"/>
+                <a:cs typeface="Bookman Old Style" charset="0"/>
+              </a:rPr>
+              <a:t>Performance</a:t>
+            </a:r>
+            <a:endParaRPr lang="en-US" dirty="0" smtClean="0">
+              <a:latin typeface="Bookman Old Style" charset="0"/>
+              <a:ea typeface="Bookman Old Style" charset="0"/>
+              <a:cs typeface="Bookman Old Style" charset="0"/>
+            </a:endParaRPr>
+          </a:p>
+          <a:p>
+            <a:pPr lvl="1"/>
+            <a:r>
+              <a:rPr lang="en-US" dirty="0" err="1">
+                <a:latin typeface="Bookman Old Style" charset="0"/>
+                <a:ea typeface="Bookman Old Style" charset="0"/>
+                <a:cs typeface="Bookman Old Style" charset="0"/>
+              </a:rPr>
+              <a:t>dbscan</a:t>
+            </a:r>
+            <a:r>
+              <a:rPr lang="en-US" dirty="0">
+                <a:latin typeface="Bookman Old Style" charset="0"/>
+                <a:ea typeface="Bookman Old Style" charset="0"/>
+                <a:cs typeface="Bookman Old Style" charset="0"/>
+              </a:rPr>
+              <a:t> provided a little more differentiation between versicolor and </a:t>
+            </a:r>
+            <a:r>
+              <a:rPr lang="en-US" dirty="0" err="1" smtClean="0">
+                <a:latin typeface="Bookman Old Style" charset="0"/>
+                <a:ea typeface="Bookman Old Style" charset="0"/>
+                <a:cs typeface="Bookman Old Style" charset="0"/>
+              </a:rPr>
+              <a:t>virginica</a:t>
+            </a:r>
+            <a:r>
+              <a:rPr lang="en-US" dirty="0" smtClean="0">
+                <a:latin typeface="Bookman Old Style" charset="0"/>
+                <a:ea typeface="Bookman Old Style" charset="0"/>
+                <a:cs typeface="Bookman Old Style" charset="0"/>
+              </a:rPr>
+              <a:t>, but still had significant trouble</a:t>
+            </a:r>
+            <a:endParaRPr lang="en-US" dirty="0">
+              <a:latin typeface="Bookman Old Style" charset="0"/>
+              <a:ea typeface="Bookman Old Style" charset="0"/>
+              <a:cs typeface="Bookman Old Style" charset="0"/>
+            </a:endParaRPr>
+          </a:p>
+        </p:txBody>
+      </p:sp>
+      <p:sp>
+        <p:nvSpPr>
+          <p:cNvPr id="4" name="Footer Placeholder 3"/>
+          <p:cNvSpPr>
+            <a:spLocks noGrp="1"/>
+          </p:cNvSpPr>
+          <p:nvPr>
+            <p:ph type="ftr" sz="quarter" idx="11"/>
+          </p:nvPr>
+        </p:nvSpPr>
+        <p:spPr>
+          <a:xfrm>
+            <a:off x="3040630" y="6019800"/>
+            <a:ext cx="7084177" cy="365125"/>
+          </a:xfrm>
+        </p:spPr>
+        <p:txBody>
+          <a:bodyPr/>
+          <a:lstStyle/>
+          <a:p>
+            <a:pPr algn="r"/>
+            <a:r>
+              <a:rPr lang="en-US" sz="1600" b="1" i="1" dirty="0" smtClean="0"/>
+              <a:t>Julie</a:t>
+            </a:r>
+            <a:endParaRPr lang="en-US" sz="1600" b="1" i="1" dirty="0"/>
+          </a:p>
+        </p:txBody>
+      </p:sp>
+    </p:spTree>
+    <p:extLst>
+      <p:ext uri="{BB962C8B-B14F-4D97-AF65-F5344CB8AC3E}">
+        <p14:creationId xmlns:p14="http://schemas.microsoft.com/office/powerpoint/2010/main" val="484922320"/>
+      </p:ext>
+    </p:extLst>
+  </p:cSld>
+  <p:clrMapOvr>
+    <a:masterClrMapping/>
+  </p:clrMapOvr>
+</p:sld>
+</file>
+
+<file path=ppt/slides/slide9.xml><?xml version="1.0" encoding="utf-8"?>
+<p:sld xmlns:a="http://schemas.openxmlformats.org/drawingml/2006/main" xmlns:r="http://schemas.openxmlformats.org/officeDocument/2006/relationships" xmlns:p="http://schemas.openxmlformats.org/presentationml/2006/main">
+  <p:cSld>
+    <p:spTree>
+      <p:nvGrpSpPr>
+        <p:cNvPr id="1" name=""/>
+        <p:cNvGrpSpPr/>
+        <p:nvPr/>
+      </p:nvGrpSpPr>
+      <p:grpSpPr>
+        <a:xfrm>
+          <a:off x="0" y="0"/>
+          <a:ext cx="0" cy="0"/>
+          <a:chOff x="0" y="0"/>
+          <a:chExt cx="0" cy="0"/>
+        </a:xfrm>
+      </p:grpSpPr>
+      <p:sp>
+        <p:nvSpPr>
+          <p:cNvPr id="2" name="Title 1"/>
+          <p:cNvSpPr>
+            <a:spLocks noGrp="1"/>
+          </p:cNvSpPr>
+          <p:nvPr>
+            <p:ph type="title"/>
+          </p:nvPr>
+        </p:nvSpPr>
+        <p:spPr>
+          <a:xfrm>
+            <a:off x="1484311" y="685801"/>
+            <a:ext cx="10018713" cy="882378"/>
+          </a:xfrm>
+        </p:spPr>
+        <p:txBody>
+          <a:bodyPr/>
+          <a:lstStyle/>
+          <a:p>
+            <a:r>
+              <a:rPr lang="en-US" i="1" dirty="0">
+                <a:latin typeface="Bookman Old Style" charset="0"/>
+                <a:ea typeface="Bookman Old Style" charset="0"/>
+                <a:cs typeface="Bookman Old Style" charset="0"/>
+              </a:rPr>
+              <a:t>Iris </a:t>
+            </a:r>
+            <a:r>
+              <a:rPr lang="en-US" i="1" dirty="0" smtClean="0">
+                <a:latin typeface="Bookman Old Style" charset="0"/>
+                <a:ea typeface="Bookman Old Style" charset="0"/>
+                <a:cs typeface="Bookman Old Style" charset="0"/>
+              </a:rPr>
+              <a:t>data </a:t>
+            </a:r>
+            <a:r>
+              <a:rPr lang="en-US" i="1" dirty="0" err="1" smtClean="0">
+                <a:latin typeface="Bookman Old Style" charset="0"/>
+                <a:ea typeface="Bookman Old Style" charset="0"/>
+                <a:cs typeface="Bookman Old Style" charset="0"/>
+              </a:rPr>
+              <a:t>specClust</a:t>
+            </a:r>
+            <a:endParaRPr lang="en-US" i="1" dirty="0">
+              <a:latin typeface="Bookman Old Style" charset="0"/>
+              <a:ea typeface="Bookman Old Style" charset="0"/>
+              <a:cs typeface="Bookman Old Style" charset="0"/>
+            </a:endParaRPr>
+          </a:p>
+        </p:txBody>
+      </p:sp>
+      <p:sp>
+        <p:nvSpPr>
+          <p:cNvPr id="3" name="Content Placeholder 2"/>
+          <p:cNvSpPr>
+            <a:spLocks noGrp="1"/>
+          </p:cNvSpPr>
+          <p:nvPr>
+            <p:ph idx="1"/>
+          </p:nvPr>
+        </p:nvSpPr>
+        <p:spPr>
+          <a:xfrm>
+            <a:off x="1484310" y="1568179"/>
+            <a:ext cx="10018713" cy="4763855"/>
+          </a:xfrm>
+        </p:spPr>
+        <p:txBody>
+          <a:bodyPr>
+            <a:normAutofit fontScale="92500" lnSpcReduction="10000"/>
+          </a:bodyPr>
+          <a:lstStyle/>
+          <a:p>
+            <a:r>
+              <a:rPr lang="en-US" dirty="0">
+                <a:latin typeface="Bookman Old Style" charset="0"/>
+                <a:ea typeface="Bookman Old Style" charset="0"/>
+                <a:cs typeface="Bookman Old Style" charset="0"/>
+              </a:rPr>
+              <a:t>Same basic principles as </a:t>
+            </a:r>
+            <a:r>
+              <a:rPr lang="en-US" dirty="0" err="1">
+                <a:latin typeface="Bookman Old Style" charset="0"/>
+                <a:ea typeface="Bookman Old Style" charset="0"/>
+                <a:cs typeface="Bookman Old Style" charset="0"/>
+              </a:rPr>
+              <a:t>specc</a:t>
+            </a:r>
+            <a:r>
+              <a:rPr lang="en-US" dirty="0">
+                <a:latin typeface="Bookman Old Style" charset="0"/>
+                <a:ea typeface="Bookman Old Style" charset="0"/>
+                <a:cs typeface="Bookman Old Style" charset="0"/>
+              </a:rPr>
+              <a:t> clustering </a:t>
+            </a:r>
+            <a:r>
+              <a:rPr lang="en-US" dirty="0" smtClean="0">
+                <a:latin typeface="Bookman Old Style" charset="0"/>
+                <a:ea typeface="Bookman Old Style" charset="0"/>
+                <a:cs typeface="Bookman Old Style" charset="0"/>
+              </a:rPr>
+              <a:t>algorithm, just using a different package – </a:t>
+            </a:r>
+            <a:r>
+              <a:rPr lang="en-US" dirty="0" err="1" smtClean="0">
+                <a:latin typeface="Bookman Old Style" charset="0"/>
+                <a:ea typeface="Bookman Old Style" charset="0"/>
+                <a:cs typeface="Bookman Old Style" charset="0"/>
+              </a:rPr>
+              <a:t>kknn</a:t>
+            </a:r>
+            <a:endParaRPr lang="en-US" dirty="0" smtClean="0">
+              <a:latin typeface="Bookman Old Style" charset="0"/>
+              <a:ea typeface="Bookman Old Style" charset="0"/>
+              <a:cs typeface="Bookman Old Style" charset="0"/>
+            </a:endParaRPr>
+          </a:p>
+          <a:p>
+            <a:pPr lvl="1"/>
+            <a:r>
+              <a:rPr lang="en-US" i="1" dirty="0" err="1">
+                <a:latin typeface="Bookman Old Style" charset="0"/>
+                <a:ea typeface="Bookman Old Style" charset="0"/>
+                <a:cs typeface="Bookman Old Style" charset="0"/>
+              </a:rPr>
+              <a:t>iris.model.kknn</a:t>
+            </a:r>
+            <a:r>
+              <a:rPr lang="en-US" i="1" dirty="0">
+                <a:latin typeface="Bookman Old Style" charset="0"/>
+                <a:ea typeface="Bookman Old Style" charset="0"/>
+                <a:cs typeface="Bookman Old Style" charset="0"/>
+              </a:rPr>
+              <a:t> &lt;- </a:t>
+            </a:r>
+            <a:r>
+              <a:rPr lang="en-US" i="1" dirty="0" err="1">
+                <a:latin typeface="Bookman Old Style" charset="0"/>
+                <a:ea typeface="Bookman Old Style" charset="0"/>
+                <a:cs typeface="Bookman Old Style" charset="0"/>
+              </a:rPr>
+              <a:t>specClust</a:t>
+            </a:r>
+            <a:r>
+              <a:rPr lang="en-US" i="1" dirty="0">
+                <a:latin typeface="Bookman Old Style" charset="0"/>
+                <a:ea typeface="Bookman Old Style" charset="0"/>
+                <a:cs typeface="Bookman Old Style" charset="0"/>
+              </a:rPr>
+              <a:t>(</a:t>
+            </a:r>
+            <a:r>
+              <a:rPr lang="en-US" i="1" dirty="0" err="1">
+                <a:latin typeface="Bookman Old Style" charset="0"/>
+                <a:ea typeface="Bookman Old Style" charset="0"/>
+                <a:cs typeface="Bookman Old Style" charset="0"/>
+              </a:rPr>
+              <a:t>iris.train</a:t>
+            </a:r>
+            <a:r>
+              <a:rPr lang="en-US" i="1" dirty="0">
+                <a:latin typeface="Bookman Old Style" charset="0"/>
+                <a:ea typeface="Bookman Old Style" charset="0"/>
+                <a:cs typeface="Bookman Old Style" charset="0"/>
+              </a:rPr>
+              <a:t>, centers=3)</a:t>
+            </a:r>
+          </a:p>
+          <a:p>
+            <a:pPr lvl="1"/>
+            <a:r>
+              <a:rPr lang="en-US" i="1" dirty="0" err="1">
+                <a:latin typeface="Bookman Old Style" charset="0"/>
+                <a:ea typeface="Bookman Old Style" charset="0"/>
+                <a:cs typeface="Bookman Old Style" charset="0"/>
+              </a:rPr>
+              <a:t>iris.con_mat.kknn</a:t>
+            </a:r>
+            <a:r>
+              <a:rPr lang="en-US" i="1" dirty="0">
+                <a:latin typeface="Bookman Old Style" charset="0"/>
+                <a:ea typeface="Bookman Old Style" charset="0"/>
+                <a:cs typeface="Bookman Old Style" charset="0"/>
+              </a:rPr>
+              <a:t> &lt;- table(</a:t>
+            </a:r>
+            <a:r>
+              <a:rPr lang="en-US" i="1" dirty="0" err="1">
+                <a:latin typeface="Bookman Old Style" charset="0"/>
+                <a:ea typeface="Bookman Old Style" charset="0"/>
+                <a:cs typeface="Bookman Old Style" charset="0"/>
+              </a:rPr>
+              <a:t>iris.model.kknn$cluster</a:t>
+            </a:r>
+            <a:r>
+              <a:rPr lang="en-US" i="1" dirty="0">
+                <a:latin typeface="Bookman Old Style" charset="0"/>
+                <a:ea typeface="Bookman Old Style" charset="0"/>
+                <a:cs typeface="Bookman Old Style" charset="0"/>
+              </a:rPr>
+              <a:t>, </a:t>
+            </a:r>
+            <a:r>
+              <a:rPr lang="en-US" i="1" dirty="0" err="1">
+                <a:latin typeface="Bookman Old Style" charset="0"/>
+                <a:ea typeface="Bookman Old Style" charset="0"/>
+                <a:cs typeface="Bookman Old Style" charset="0"/>
+              </a:rPr>
+              <a:t>iris$Species</a:t>
+            </a:r>
+            <a:r>
+              <a:rPr lang="en-US" i="1" dirty="0" smtClean="0">
+                <a:latin typeface="Bookman Old Style" charset="0"/>
+                <a:ea typeface="Bookman Old Style" charset="0"/>
+                <a:cs typeface="Bookman Old Style" charset="0"/>
+              </a:rPr>
+              <a:t>)</a:t>
+            </a:r>
+            <a:endParaRPr lang="en-US" dirty="0" smtClean="0">
+              <a:latin typeface="Bookman Old Style" charset="0"/>
+              <a:ea typeface="Bookman Old Style" charset="0"/>
+              <a:cs typeface="Bookman Old Style" charset="0"/>
+            </a:endParaRPr>
+          </a:p>
+          <a:p>
+            <a:r>
+              <a:rPr lang="en-US" dirty="0">
+                <a:latin typeface="Bookman Old Style" charset="0"/>
+                <a:ea typeface="Bookman Old Style" charset="0"/>
+                <a:cs typeface="Bookman Old Style" charset="0"/>
+              </a:rPr>
+              <a:t>Bayesian analysis and </a:t>
+            </a:r>
+            <a:r>
+              <a:rPr lang="en-US" dirty="0" smtClean="0">
+                <a:latin typeface="Bookman Old Style" charset="0"/>
+                <a:ea typeface="Bookman Old Style" charset="0"/>
+                <a:cs typeface="Bookman Old Style" charset="0"/>
+              </a:rPr>
+              <a:t>plot</a:t>
+            </a:r>
+          </a:p>
+          <a:p>
+            <a:pPr lvl="1"/>
+            <a:r>
+              <a:rPr lang="en-US" i="1" dirty="0" err="1">
+                <a:latin typeface="Bookman Old Style" charset="0"/>
+                <a:ea typeface="Bookman Old Style" charset="0"/>
+                <a:cs typeface="Bookman Old Style" charset="0"/>
+              </a:rPr>
+              <a:t>iris.Bays.kknn</a:t>
+            </a:r>
+            <a:r>
+              <a:rPr lang="en-US" i="1" dirty="0">
+                <a:latin typeface="Bookman Old Style" charset="0"/>
+                <a:ea typeface="Bookman Old Style" charset="0"/>
+                <a:cs typeface="Bookman Old Style" charset="0"/>
+              </a:rPr>
+              <a:t> &lt;- </a:t>
+            </a:r>
+            <a:r>
+              <a:rPr lang="en-US" i="1" dirty="0" err="1">
+                <a:latin typeface="Bookman Old Style" charset="0"/>
+                <a:ea typeface="Bookman Old Style" charset="0"/>
+                <a:cs typeface="Bookman Old Style" charset="0"/>
+              </a:rPr>
+              <a:t>prop.table</a:t>
+            </a:r>
+            <a:r>
+              <a:rPr lang="en-US" i="1" dirty="0">
+                <a:latin typeface="Bookman Old Style" charset="0"/>
+                <a:ea typeface="Bookman Old Style" charset="0"/>
+                <a:cs typeface="Bookman Old Style" charset="0"/>
+              </a:rPr>
+              <a:t>(iris.con_mat.kknn,1)</a:t>
+            </a:r>
+          </a:p>
+          <a:p>
+            <a:pPr lvl="1"/>
+            <a:r>
+              <a:rPr lang="en-US" i="1" dirty="0" err="1">
+                <a:latin typeface="Bookman Old Style" charset="0"/>
+                <a:ea typeface="Bookman Old Style" charset="0"/>
+                <a:cs typeface="Bookman Old Style" charset="0"/>
+              </a:rPr>
+              <a:t>clusplot</a:t>
+            </a:r>
+            <a:r>
+              <a:rPr lang="en-US" i="1" dirty="0">
+                <a:latin typeface="Bookman Old Style" charset="0"/>
+                <a:ea typeface="Bookman Old Style" charset="0"/>
+                <a:cs typeface="Bookman Old Style" charset="0"/>
+              </a:rPr>
+              <a:t>(iris, </a:t>
+            </a:r>
+            <a:r>
+              <a:rPr lang="en-US" i="1" dirty="0" err="1">
+                <a:latin typeface="Bookman Old Style" charset="0"/>
+                <a:ea typeface="Bookman Old Style" charset="0"/>
+                <a:cs typeface="Bookman Old Style" charset="0"/>
+              </a:rPr>
+              <a:t>iris.model.kknn$cluster</a:t>
+            </a:r>
+            <a:r>
+              <a:rPr lang="en-US" i="1" dirty="0">
+                <a:latin typeface="Bookman Old Style" charset="0"/>
+                <a:ea typeface="Bookman Old Style" charset="0"/>
+                <a:cs typeface="Bookman Old Style" charset="0"/>
+              </a:rPr>
+              <a:t>, color=T, shade=T, labels=0, lines=0)To test our result, we used a 2-D plot:</a:t>
+            </a:r>
+          </a:p>
+          <a:p>
+            <a:pPr lvl="1"/>
+            <a:r>
+              <a:rPr lang="en-US" i="1" dirty="0" err="1">
+                <a:latin typeface="Bookman Old Style" charset="0"/>
+                <a:ea typeface="Bookman Old Style" charset="0"/>
+                <a:cs typeface="Bookman Old Style" charset="0"/>
+              </a:rPr>
+              <a:t>clusplot</a:t>
+            </a:r>
+            <a:r>
+              <a:rPr lang="en-US" i="1" dirty="0">
+                <a:latin typeface="Bookman Old Style" charset="0"/>
+                <a:ea typeface="Bookman Old Style" charset="0"/>
+                <a:cs typeface="Bookman Old Style" charset="0"/>
+              </a:rPr>
+              <a:t>(iris, </a:t>
+            </a:r>
+            <a:r>
+              <a:rPr lang="en-US" i="1" dirty="0" err="1">
+                <a:latin typeface="Bookman Old Style" charset="0"/>
+                <a:ea typeface="Bookman Old Style" charset="0"/>
+                <a:cs typeface="Bookman Old Style" charset="0"/>
+              </a:rPr>
+              <a:t>iris.model.db$cluster</a:t>
+            </a:r>
+            <a:r>
+              <a:rPr lang="en-US" i="1" dirty="0">
+                <a:latin typeface="Bookman Old Style" charset="0"/>
+                <a:ea typeface="Bookman Old Style" charset="0"/>
+                <a:cs typeface="Bookman Old Style" charset="0"/>
+              </a:rPr>
+              <a:t>, color=T, shade=T, labels=0, lines=0</a:t>
+            </a:r>
+            <a:r>
+              <a:rPr lang="en-US" i="1" dirty="0" smtClean="0">
+                <a:latin typeface="Bookman Old Style" charset="0"/>
+                <a:ea typeface="Bookman Old Style" charset="0"/>
+                <a:cs typeface="Bookman Old Style" charset="0"/>
+              </a:rPr>
+              <a:t>)</a:t>
+            </a:r>
+            <a:endParaRPr lang="en-US" dirty="0">
+              <a:latin typeface="Bookman Old Style" charset="0"/>
+              <a:ea typeface="Bookman Old Style" charset="0"/>
+              <a:cs typeface="Bookman Old Style" charset="0"/>
+            </a:endParaRPr>
+          </a:p>
+          <a:p>
+            <a:r>
+              <a:rPr lang="en-US" dirty="0" smtClean="0">
+                <a:latin typeface="Bookman Old Style" charset="0"/>
+                <a:ea typeface="Bookman Old Style" charset="0"/>
+                <a:cs typeface="Bookman Old Style" charset="0"/>
+              </a:rPr>
+              <a:t>Performance</a:t>
+            </a:r>
+          </a:p>
+          <a:p>
+            <a:pPr lvl="1"/>
+            <a:r>
+              <a:rPr lang="en-US" dirty="0" smtClean="0">
+                <a:latin typeface="Bookman Old Style" charset="0"/>
+                <a:ea typeface="Bookman Old Style" charset="0"/>
+                <a:cs typeface="Bookman Old Style" charset="0"/>
+              </a:rPr>
+              <a:t>Better separation than the other spectral clustering algorithms, not quite as good as K-means</a:t>
+            </a:r>
+            <a:endParaRPr lang="en-US" dirty="0">
+              <a:latin typeface="Bookman Old Style" charset="0"/>
+              <a:ea typeface="Bookman Old Style" charset="0"/>
+              <a:cs typeface="Bookman Old Style" charset="0"/>
+            </a:endParaRPr>
+          </a:p>
+        </p:txBody>
+      </p:sp>
+      <p:sp>
+        <p:nvSpPr>
+          <p:cNvPr id="4" name="Footer Placeholder 3"/>
+          <p:cNvSpPr>
+            <a:spLocks noGrp="1"/>
+          </p:cNvSpPr>
+          <p:nvPr>
+            <p:ph type="ftr" sz="quarter" idx="11"/>
+          </p:nvPr>
+        </p:nvSpPr>
+        <p:spPr>
+          <a:xfrm>
+            <a:off x="2951577" y="6332034"/>
+            <a:ext cx="7084177" cy="365125"/>
+          </a:xfrm>
+        </p:spPr>
+        <p:txBody>
+          <a:bodyPr/>
+          <a:lstStyle/>
+          <a:p>
+            <a:pPr algn="r"/>
+            <a:r>
+              <a:rPr lang="en-US" sz="1600" b="1" i="1" dirty="0" smtClean="0"/>
+              <a:t>Julie</a:t>
+            </a:r>
+            <a:endParaRPr lang="en-US" sz="1600" b="1" i="1" dirty="0"/>
+          </a:p>
+        </p:txBody>
+      </p:sp>
+    </p:spTree>
+    <p:extLst>
+      <p:ext uri="{BB962C8B-B14F-4D97-AF65-F5344CB8AC3E}">
+        <p14:creationId xmlns:p14="http://schemas.microsoft.com/office/powerpoint/2010/main" val="1914463916"/>
       </p:ext>
     </p:extLst>
   </p:cSld>
@@ -7747,4 +11831,265 @@
     </a:ext>
   </a:extLst>
 </a:theme>
+</file>
+
+<file path=ppt/theme/theme2.xml><?xml version="1.0" encoding="utf-8"?>
+<a:theme xmlns:a="http://schemas.openxmlformats.org/drawingml/2006/main" name="Office Theme">
+  <a:themeElements>
+    <a:clrScheme name="Office">
+      <a:dk1>
+        <a:sysClr val="windowText" lastClr="000000"/>
+      </a:dk1>
+      <a:lt1>
+        <a:sysClr val="window" lastClr="FFFFFF"/>
+      </a:lt1>
+      <a:dk2>
+        <a:srgbClr val="44546A"/>
+      </a:dk2>
+      <a:lt2>
+        <a:srgbClr val="E7E6E6"/>
+      </a:lt2>
+      <a:accent1>
+        <a:srgbClr val="5B9BD5"/>
+      </a:accent1>
+      <a:accent2>
+        <a:srgbClr val="ED7D31"/>
+      </a:accent2>
+      <a:accent3>
+        <a:srgbClr val="A5A5A5"/>
+      </a:accent3>
+      <a:accent4>
+        <a:srgbClr val="FFC000"/>
+      </a:accent4>
+      <a:accent5>
+        <a:srgbClr val="4472C4"/>
+      </a:accent5>
+      <a:accent6>
+        <a:srgbClr val="70AD47"/>
+      </a:accent6>
+      <a:hlink>
+        <a:srgbClr val="0563C1"/>
+      </a:hlink>
+      <a:folHlink>
+        <a:srgbClr val="954F72"/>
+      </a:folHlink>
+    </a:clrScheme>
+    <a:fontScheme name="Office">
+      <a:majorFont>
+        <a:latin typeface="Calibri Light" panose="020F0302020204030204"/>
+        <a:ea typeface=""/>
+        <a:cs typeface=""/>
+        <a:font script="Jpan" typeface="ＭＳ Ｐゴシック"/>
+        <a:font script="Hang" typeface="맑은 고딕"/>
+        <a:font script="Hans" typeface="宋体"/>
+        <a:font script="Hant" typeface="新細明體"/>
+        <a:font script="Arab" typeface="Times New Roman"/>
+        <a:font script="Hebr" typeface="Times New Roman"/>
+        <a:font script="Thai" typeface="Angsana New"/>
+        <a:font script="Ethi" typeface="Nyala"/>
+        <a:font script="Beng" typeface="Vrinda"/>
+        <a:font script="Gujr" typeface="Shruti"/>
+        <a:font script="Khmr" typeface="MoolBoran"/>
+        <a:font script="Knda" typeface="Tunga"/>
+        <a:font script="Guru" typeface="Raavi"/>
+        <a:font script="Cans" typeface="Euphemia"/>
+        <a:font script="Cher" typeface="Plantagenet Cherokee"/>
+        <a:font script="Yiii" typeface="Microsoft Yi Baiti"/>
+        <a:font script="Tibt" typeface="Microsoft Himalaya"/>
+        <a:font script="Thaa" typeface="MV Boli"/>
+        <a:font script="Deva" typeface="Mangal"/>
+        <a:font script="Telu" typeface="Gautami"/>
+        <a:font script="Taml" typeface="Latha"/>
+        <a:font script="Syrc" typeface="Estrangelo Edessa"/>
+        <a:font script="Orya" typeface="Kalinga"/>
+        <a:font script="Mlym" typeface="Kartika"/>
+        <a:font script="Laoo" typeface="DokChampa"/>
+        <a:font script="Sinh" typeface="Iskoola Pota"/>
+        <a:font script="Mong" typeface="Mongolian Baiti"/>
+        <a:font script="Viet" typeface="Times New Roman"/>
+        <a:font script="Uigh" typeface="Microsoft Uighur"/>
+        <a:font script="Geor" typeface="Sylfaen"/>
+      </a:majorFont>
+      <a:minorFont>
+        <a:latin typeface="Calibri" panose="020F0502020204030204"/>
+        <a:ea typeface=""/>
+        <a:cs typeface=""/>
+        <a:font script="Jpan" typeface="ＭＳ Ｐゴシック"/>
+        <a:font script="Hang" typeface="맑은 고딕"/>
+        <a:font script="Hans" typeface="宋体"/>
+        <a:font script="Hant" typeface="新細明體"/>
+        <a:font script="Arab" typeface="Arial"/>
+        <a:font script="Hebr" typeface="Arial"/>
+        <a:font script="Thai" typeface="Cordia New"/>
+        <a:font script="Ethi" typeface="Nyala"/>
+        <a:font script="Beng" typeface="Vrinda"/>
+        <a:font script="Gujr" typeface="Shruti"/>
+        <a:font script="Khmr" typeface="DaunPenh"/>
+        <a:font script="Knda" typeface="Tunga"/>
+        <a:font script="Guru" typeface="Raavi"/>
+        <a:font script="Cans" typeface="Euphemia"/>
+        <a:font script="Cher" typeface="Plantagenet Cherokee"/>
+        <a:font script="Yiii" typeface="Microsoft Yi Baiti"/>
+        <a:font script="Tibt" typeface="Microsoft Himalaya"/>
+        <a:font script="Thaa" typeface="MV Boli"/>
+        <a:font script="Deva" typeface="Mangal"/>
+        <a:font script="Telu" typeface="Gautami"/>
+        <a:font script="Taml" typeface="Latha"/>
+        <a:font script="Syrc" typeface="Estrangelo Edessa"/>
+        <a:font script="Orya" typeface="Kalinga"/>
+        <a:font script="Mlym" typeface="Kartika"/>
+        <a:font script="Laoo" typeface="DokChampa"/>
+        <a:font script="Sinh" typeface="Iskoola Pota"/>
+        <a:font script="Mong" typeface="Mongolian Baiti"/>
+        <a:font script="Viet" typeface="Arial"/>
+        <a:font script="Uigh" typeface="Microsoft Uighur"/>
+        <a:font script="Geor" typeface="Sylfaen"/>
+      </a:minorFont>
+    </a:fontScheme>
+    <a:fmtScheme name="Office">
+      <a:fillStyleLst>
+        <a:solidFill>
+          <a:schemeClr val="phClr"/>
+        </a:solidFill>
+        <a:gradFill rotWithShape="1">
+          <a:gsLst>
+            <a:gs pos="0">
+              <a:schemeClr val="phClr">
+                <a:lumMod val="110000"/>
+                <a:satMod val="105000"/>
+                <a:tint val="67000"/>
+              </a:schemeClr>
+            </a:gs>
+            <a:gs pos="50000">
+              <a:schemeClr val="phClr">
+                <a:lumMod val="105000"/>
+                <a:satMod val="103000"/>
+                <a:tint val="73000"/>
+              </a:schemeClr>
+            </a:gs>
+            <a:gs pos="100000">
+              <a:schemeClr val="phClr">
+                <a:lumMod val="105000"/>
+                <a:satMod val="109000"/>
+                <a:tint val="81000"/>
+              </a:schemeClr>
+            </a:gs>
+          </a:gsLst>
+          <a:lin ang="5400000" scaled="0"/>
+        </a:gradFill>
+        <a:gradFill rotWithShape="1">
+          <a:gsLst>
+            <a:gs pos="0">
+              <a:schemeClr val="phClr">
+                <a:satMod val="103000"/>
+                <a:lumMod val="102000"/>
+                <a:tint val="94000"/>
+              </a:schemeClr>
+            </a:gs>
+            <a:gs pos="50000">
+              <a:schemeClr val="phClr">
+                <a:satMod val="110000"/>
+                <a:lumMod val="100000"/>
+                <a:shade val="100000"/>
+              </a:schemeClr>
+            </a:gs>
+            <a:gs pos="100000">
+              <a:schemeClr val="phClr">
+                <a:lumMod val="99000"/>
+                <a:satMod val="120000"/>
+                <a:shade val="78000"/>
+              </a:schemeClr>
+            </a:gs>
+          </a:gsLst>
+          <a:lin ang="5400000" scaled="0"/>
+        </a:gradFill>
+      </a:fillStyleLst>
+      <a:lnStyleLst>
+        <a:ln w="6350" cap="flat" cmpd="sng" algn="ctr">
+          <a:solidFill>
+            <a:schemeClr val="phClr"/>
+          </a:solidFill>
+          <a:prstDash val="solid"/>
+          <a:miter lim="800000"/>
+        </a:ln>
+        <a:ln w="12700" cap="flat" cmpd="sng" algn="ctr">
+          <a:solidFill>
+            <a:schemeClr val="phClr"/>
+          </a:solidFill>
+          <a:prstDash val="solid"/>
+          <a:miter lim="800000"/>
+        </a:ln>
+        <a:ln w="19050" cap="flat" cmpd="sng" algn="ctr">
+          <a:solidFill>
+            <a:schemeClr val="phClr"/>
+          </a:solidFill>
+          <a:prstDash val="solid"/>
+          <a:miter lim="800000"/>
+        </a:ln>
+      </a:lnStyleLst>
+      <a:effectStyleLst>
+        <a:effectStyle>
+          <a:effectLst/>
+        </a:effectStyle>
+        <a:effectStyle>
+          <a:effectLst/>
+        </a:effectStyle>
+        <a:effectStyle>
+          <a:effectLst>
+            <a:outerShdw blurRad="57150" dist="19050" dir="5400000" algn="ctr" rotWithShape="0">
+              <a:srgbClr val="000000">
+                <a:alpha val="63000"/>
+              </a:srgbClr>
+            </a:outerShdw>
+          </a:effectLst>
+        </a:effectStyle>
+      </a:effectStyleLst>
+      <a:bgFillStyleLst>
+        <a:solidFill>
+          <a:schemeClr val="phClr"/>
+        </a:solidFill>
+        <a:solidFill>
+          <a:schemeClr val="phClr">
+            <a:tint val="95000"/>
+            <a:satMod val="170000"/>
+          </a:schemeClr>
+        </a:solidFill>
+        <a:gradFill rotWithShape="1">
+          <a:gsLst>
+            <a:gs pos="0">
+              <a:schemeClr val="phClr">
+                <a:tint val="93000"/>
+                <a:satMod val="150000"/>
+                <a:shade val="98000"/>
+                <a:lumMod val="102000"/>
+              </a:schemeClr>
+            </a:gs>
+            <a:gs pos="50000">
+              <a:schemeClr val="phClr">
+                <a:tint val="98000"/>
+                <a:satMod val="130000"/>
+                <a:shade val="90000"/>
+                <a:lumMod val="103000"/>
+              </a:schemeClr>
+            </a:gs>
+            <a:gs pos="100000">
+              <a:schemeClr val="phClr">
+                <a:shade val="63000"/>
+                <a:satMod val="120000"/>
+              </a:schemeClr>
+            </a:gs>
+          </a:gsLst>
+          <a:lin ang="5400000" scaled="0"/>
+        </a:gradFill>
+      </a:bgFillStyleLst>
+    </a:fmtScheme>
+  </a:themeElements>
+  <a:objectDefaults/>
+  <a:extraClrSchemeLst/>
+  <a:extLst>
+    <a:ext uri="{05A4C25C-085E-4340-85A3-A5531E510DB2}">
+      <thm15:themeFamily xmlns:thm15="http://schemas.microsoft.com/office/thememl/2012/main" name="Office Theme" id="{62F939B6-93AF-4DB8-9C6B-D6C7DFDC589F}" vid="{4A3C46E8-61CC-4603-A589-7422A47A8E4A}"/>
+    </a:ext>
+  </a:extLst>
+</a:theme>
 </file>
--- a/Presentation2.pptx
+++ b/Presentation2.pptx
@@ -7128,11 +7128,6 @@
               </a:rPr>
               <a:t>of production data</a:t>
             </a:r>
-            <a:endParaRPr lang="en-US" i="1" dirty="0">
-              <a:latin typeface="Bookman Old Style" charset="0"/>
-              <a:ea typeface="Bookman Old Style" charset="0"/>
-              <a:cs typeface="Bookman Old Style" charset="0"/>
-            </a:endParaRPr>
           </a:p>
         </p:txBody>
       </p:sp>
@@ -7395,8 +7390,8 @@
           <a:p>
             <a:pPr algn="r"/>
             <a:r>
-              <a:rPr lang="en-US" sz="1600" b="1" i="1" dirty="0" smtClean="0"/>
-              <a:t>Karelys</a:t>
+              <a:rPr lang="en-US" sz="1600" b="1" i="1" dirty="0" err="1" smtClean="0"/>
+              <a:t>Anani</a:t>
             </a:r>
             <a:endParaRPr lang="en-US" sz="1600" b="1" i="1" dirty="0"/>
           </a:p>
@@ -7562,12 +7557,29 @@
                 <a:ea typeface="Bookman Old Style" charset="0"/>
                 <a:cs typeface="Bookman Old Style" charset="0"/>
               </a:rPr>
-              <a:t>of trouble differentiating between 3 and 8 as well as 3 and 2</a:t>
-            </a:r>
-          </a:p>
-          <a:p>
-            <a:pPr lvl="1"/>
-            <a:endParaRPr lang="en-US" dirty="0"/>
+              <a:t>of trouble differentiating between 3 and 8 as well as 3 </a:t>
+            </a:r>
+            <a:r>
+              <a:rPr lang="en-US">
+                <a:latin typeface="Bookman Old Style" charset="0"/>
+                <a:ea typeface="Bookman Old Style" charset="0"/>
+                <a:cs typeface="Bookman Old Style" charset="0"/>
+              </a:rPr>
+              <a:t>and </a:t>
+            </a:r>
+            <a:r>
+              <a:rPr lang="en-US" smtClean="0">
+                <a:latin typeface="Bookman Old Style" charset="0"/>
+                <a:ea typeface="Bookman Old Style" charset="0"/>
+                <a:cs typeface="Bookman Old Style" charset="0"/>
+              </a:rPr>
+              <a:t>2</a:t>
+            </a:r>
+            <a:endParaRPr lang="en-US" dirty="0">
+              <a:latin typeface="Bookman Old Style" charset="0"/>
+              <a:ea typeface="Bookman Old Style" charset="0"/>
+              <a:cs typeface="Bookman Old Style" charset="0"/>
+            </a:endParaRPr>
           </a:p>
         </p:txBody>
       </p:sp>
@@ -7593,8 +7605,8 @@
           <a:p>
             <a:pPr algn="r"/>
             <a:r>
-              <a:rPr lang="en-US" sz="1600" b="1" i="1" dirty="0" smtClean="0"/>
-              <a:t>Karelys</a:t>
+              <a:rPr lang="en-US" sz="1600" b="1" i="1" dirty="0" err="1" smtClean="0"/>
+              <a:t>Anani</a:t>
             </a:r>
             <a:endParaRPr lang="en-US" sz="1600" b="1" i="1" dirty="0"/>
           </a:p>
@@ -8538,11 +8550,6 @@
               </a:rPr>
               <a:t>The target dataset – numeric MNIST</a:t>
             </a:r>
-            <a:endParaRPr lang="en-US" i="1" dirty="0">
-              <a:latin typeface="Bookman Old Style" charset="0"/>
-              <a:ea typeface="Bookman Old Style" charset="0"/>
-              <a:cs typeface="Bookman Old Style" charset="0"/>
-            </a:endParaRPr>
           </a:p>
         </p:txBody>
       </p:sp>
@@ -8708,11 +8715,6 @@
               </a:rPr>
               <a:t>Remove labels from the data to be used for clustering</a:t>
             </a:r>
-            <a:endParaRPr lang="en-US" dirty="0">
-              <a:latin typeface="Bookman Old Style" charset="0"/>
-              <a:ea typeface="Bookman Old Style" charset="0"/>
-              <a:cs typeface="Bookman Old Style" charset="0"/>
-            </a:endParaRPr>
           </a:p>
         </p:txBody>
       </p:sp>
@@ -9314,15 +9316,7 @@
                 <a:ea typeface="Bookman Old Style" charset="0"/>
                 <a:cs typeface="Bookman Old Style" charset="0"/>
               </a:rPr>
-              <a:t>Iris </a:t>
-            </a:r>
-            <a:r>
-              <a:rPr lang="en-US" i="1" dirty="0" smtClean="0">
-                <a:latin typeface="Bookman Old Style" charset="0"/>
-                <a:ea typeface="Bookman Old Style" charset="0"/>
-                <a:cs typeface="Bookman Old Style" charset="0"/>
-              </a:rPr>
-              <a:t>data spectral clustering</a:t>
+              <a:t>Iris data spectral clustering</a:t>
             </a:r>
             <a:endParaRPr lang="en-US" i="1" dirty="0">
               <a:latin typeface="Bookman Old Style" charset="0"/>
@@ -9362,11 +9356,6 @@
               </a:rPr>
               <a:t>Remove ‘Species’ labels and perform spectral clustering</a:t>
             </a:r>
-            <a:endParaRPr lang="en-US" dirty="0" smtClean="0">
-              <a:latin typeface="Bookman Old Style" charset="0"/>
-              <a:ea typeface="Bookman Old Style" charset="0"/>
-              <a:cs typeface="Bookman Old Style" charset="0"/>
-            </a:endParaRPr>
           </a:p>
           <a:p>
             <a:pPr lvl="1"/>
@@ -9439,175 +9428,112 @@
                 <a:ea typeface="Bookman Old Style" charset="0"/>
                 <a:cs typeface="Bookman Old Style" charset="0"/>
               </a:rPr>
-              <a:t>Then </a:t>
-            </a:r>
+              <a:t>Then we conducted a Bayesian analysis by creating a confusion matrix and viewing the conditional probabilities</a:t>
+            </a:r>
+          </a:p>
+          <a:p>
+            <a:pPr lvl="1"/>
+            <a:r>
+              <a:rPr lang="en-US" i="1" dirty="0" err="1">
+                <a:latin typeface="Bookman Old Style" charset="0"/>
+                <a:ea typeface="Bookman Old Style" charset="0"/>
+                <a:cs typeface="Bookman Old Style" charset="0"/>
+              </a:rPr>
+              <a:t>iris.con_mat.specc</a:t>
+            </a:r>
+            <a:r>
+              <a:rPr lang="en-US" i="1" dirty="0">
+                <a:latin typeface="Bookman Old Style" charset="0"/>
+                <a:ea typeface="Bookman Old Style" charset="0"/>
+                <a:cs typeface="Bookman Old Style" charset="0"/>
+              </a:rPr>
+              <a:t> &lt;- table(</a:t>
+            </a:r>
+            <a:r>
+              <a:rPr lang="en-US" i="1" dirty="0" err="1">
+                <a:latin typeface="Bookman Old Style" charset="0"/>
+                <a:ea typeface="Bookman Old Style" charset="0"/>
+                <a:cs typeface="Bookman Old Style" charset="0"/>
+              </a:rPr>
+              <a:t>iris.model.specc</a:t>
+            </a:r>
+            <a:r>
+              <a:rPr lang="en-US" i="1" dirty="0">
+                <a:latin typeface="Bookman Old Style" charset="0"/>
+                <a:ea typeface="Bookman Old Style" charset="0"/>
+                <a:cs typeface="Bookman Old Style" charset="0"/>
+              </a:rPr>
+              <a:t>[1:150], </a:t>
+            </a:r>
+            <a:r>
+              <a:rPr lang="en-US" i="1" dirty="0" err="1">
+                <a:latin typeface="Bookman Old Style" charset="0"/>
+                <a:ea typeface="Bookman Old Style" charset="0"/>
+                <a:cs typeface="Bookman Old Style" charset="0"/>
+              </a:rPr>
+              <a:t>iris$Species</a:t>
+            </a:r>
+            <a:r>
+              <a:rPr lang="en-US" i="1" dirty="0" smtClean="0">
+                <a:latin typeface="Bookman Old Style" charset="0"/>
+                <a:ea typeface="Bookman Old Style" charset="0"/>
+                <a:cs typeface="Bookman Old Style" charset="0"/>
+              </a:rPr>
+              <a:t>)</a:t>
+            </a:r>
+          </a:p>
+          <a:p>
+            <a:pPr lvl="1"/>
+            <a:r>
+              <a:rPr lang="en-US" i="1" dirty="0" smtClean="0">
+                <a:latin typeface="Bookman Old Style" charset="0"/>
+                <a:ea typeface="Bookman Old Style" charset="0"/>
+                <a:cs typeface="Bookman Old Style" charset="0"/>
+              </a:rPr>
+              <a:t>iris.Bays.km </a:t>
+            </a:r>
+            <a:r>
+              <a:rPr lang="en-US" i="1" dirty="0">
+                <a:latin typeface="Bookman Old Style" charset="0"/>
+                <a:ea typeface="Bookman Old Style" charset="0"/>
+                <a:cs typeface="Bookman Old Style" charset="0"/>
+              </a:rPr>
+              <a:t>&lt;- </a:t>
+            </a:r>
+            <a:r>
+              <a:rPr lang="en-US" i="1" dirty="0" err="1">
+                <a:latin typeface="Bookman Old Style" charset="0"/>
+                <a:ea typeface="Bookman Old Style" charset="0"/>
+                <a:cs typeface="Bookman Old Style" charset="0"/>
+              </a:rPr>
+              <a:t>prop.table</a:t>
+            </a:r>
+            <a:r>
+              <a:rPr lang="en-US" i="1" dirty="0">
+                <a:latin typeface="Bookman Old Style" charset="0"/>
+                <a:ea typeface="Bookman Old Style" charset="0"/>
+                <a:cs typeface="Bookman Old Style" charset="0"/>
+              </a:rPr>
+              <a:t>(iris.con_mat.km, 1</a:t>
+            </a:r>
+            <a:r>
+              <a:rPr lang="en-US" i="1" dirty="0" smtClean="0">
+                <a:latin typeface="Bookman Old Style" charset="0"/>
+                <a:ea typeface="Bookman Old Style" charset="0"/>
+                <a:cs typeface="Bookman Old Style" charset="0"/>
+              </a:rPr>
+              <a:t>)</a:t>
+            </a:r>
+          </a:p>
+          <a:p>
             <a:r>
               <a:rPr lang="en-US" dirty="0" smtClean="0">
                 <a:latin typeface="Bookman Old Style" charset="0"/>
                 <a:ea typeface="Bookman Old Style" charset="0"/>
                 <a:cs typeface="Bookman Old Style" charset="0"/>
               </a:rPr>
-              <a:t>we </a:t>
-            </a:r>
-            <a:r>
-              <a:rPr lang="en-US" dirty="0" smtClean="0">
-                <a:latin typeface="Bookman Old Style" charset="0"/>
-                <a:ea typeface="Bookman Old Style" charset="0"/>
-                <a:cs typeface="Bookman Old Style" charset="0"/>
-              </a:rPr>
-              <a:t>conducted a </a:t>
-            </a:r>
-            <a:r>
-              <a:rPr lang="en-US" dirty="0" smtClean="0">
-                <a:latin typeface="Bookman Old Style" charset="0"/>
-                <a:ea typeface="Bookman Old Style" charset="0"/>
-                <a:cs typeface="Bookman Old Style" charset="0"/>
-              </a:rPr>
-              <a:t>Bayesian </a:t>
-            </a:r>
-            <a:r>
-              <a:rPr lang="en-US" dirty="0" smtClean="0">
-                <a:latin typeface="Bookman Old Style" charset="0"/>
-                <a:ea typeface="Bookman Old Style" charset="0"/>
-                <a:cs typeface="Bookman Old Style" charset="0"/>
-              </a:rPr>
-              <a:t>analysis by creating a confusion matrix and viewing the conditional probabilities</a:t>
-            </a:r>
-            <a:endParaRPr lang="en-US" dirty="0" smtClean="0">
-              <a:latin typeface="Bookman Old Style" charset="0"/>
-              <a:ea typeface="Bookman Old Style" charset="0"/>
-              <a:cs typeface="Bookman Old Style" charset="0"/>
-            </a:endParaRPr>
-          </a:p>
-          <a:p>
-            <a:pPr lvl="1"/>
-            <a:r>
-              <a:rPr lang="en-US" i="1" dirty="0" err="1">
-                <a:latin typeface="Bookman Old Style" charset="0"/>
-                <a:ea typeface="Bookman Old Style" charset="0"/>
-                <a:cs typeface="Bookman Old Style" charset="0"/>
-              </a:rPr>
-              <a:t>iris.con_mat.specc</a:t>
-            </a:r>
-            <a:r>
-              <a:rPr lang="en-US" i="1" dirty="0">
-                <a:latin typeface="Bookman Old Style" charset="0"/>
-                <a:ea typeface="Bookman Old Style" charset="0"/>
-                <a:cs typeface="Bookman Old Style" charset="0"/>
-              </a:rPr>
-              <a:t> &lt;- table(</a:t>
-            </a:r>
-            <a:r>
-              <a:rPr lang="en-US" i="1" dirty="0" err="1">
-                <a:latin typeface="Bookman Old Style" charset="0"/>
-                <a:ea typeface="Bookman Old Style" charset="0"/>
-                <a:cs typeface="Bookman Old Style" charset="0"/>
-              </a:rPr>
-              <a:t>iris.model.specc</a:t>
-            </a:r>
-            <a:r>
-              <a:rPr lang="en-US" i="1" dirty="0">
-                <a:latin typeface="Bookman Old Style" charset="0"/>
-                <a:ea typeface="Bookman Old Style" charset="0"/>
-                <a:cs typeface="Bookman Old Style" charset="0"/>
-              </a:rPr>
-              <a:t>[1:150], </a:t>
-            </a:r>
-            <a:r>
-              <a:rPr lang="en-US" i="1" dirty="0" err="1">
-                <a:latin typeface="Bookman Old Style" charset="0"/>
-                <a:ea typeface="Bookman Old Style" charset="0"/>
-                <a:cs typeface="Bookman Old Style" charset="0"/>
-              </a:rPr>
-              <a:t>iris$Species</a:t>
-            </a:r>
-            <a:r>
-              <a:rPr lang="en-US" i="1" dirty="0" smtClean="0">
-                <a:latin typeface="Bookman Old Style" charset="0"/>
-                <a:ea typeface="Bookman Old Style" charset="0"/>
-                <a:cs typeface="Bookman Old Style" charset="0"/>
-              </a:rPr>
-              <a:t>)</a:t>
-            </a:r>
-          </a:p>
-          <a:p>
-            <a:pPr lvl="1"/>
-            <a:r>
-              <a:rPr lang="en-US" i="1" dirty="0" smtClean="0">
-                <a:latin typeface="Bookman Old Style" charset="0"/>
-                <a:ea typeface="Bookman Old Style" charset="0"/>
-                <a:cs typeface="Bookman Old Style" charset="0"/>
-              </a:rPr>
-              <a:t>iris.Bays.km </a:t>
-            </a:r>
-            <a:r>
-              <a:rPr lang="en-US" i="1" dirty="0">
-                <a:latin typeface="Bookman Old Style" charset="0"/>
-                <a:ea typeface="Bookman Old Style" charset="0"/>
-                <a:cs typeface="Bookman Old Style" charset="0"/>
-              </a:rPr>
-              <a:t>&lt;- </a:t>
-            </a:r>
-            <a:r>
-              <a:rPr lang="en-US" i="1" dirty="0" err="1">
-                <a:latin typeface="Bookman Old Style" charset="0"/>
-                <a:ea typeface="Bookman Old Style" charset="0"/>
-                <a:cs typeface="Bookman Old Style" charset="0"/>
-              </a:rPr>
-              <a:t>prop.table</a:t>
-            </a:r>
-            <a:r>
-              <a:rPr lang="en-US" i="1" dirty="0">
-                <a:latin typeface="Bookman Old Style" charset="0"/>
-                <a:ea typeface="Bookman Old Style" charset="0"/>
-                <a:cs typeface="Bookman Old Style" charset="0"/>
-              </a:rPr>
-              <a:t>(iris.con_mat.km, 1</a:t>
-            </a:r>
-            <a:r>
-              <a:rPr lang="en-US" i="1" dirty="0" smtClean="0">
-                <a:latin typeface="Bookman Old Style" charset="0"/>
-                <a:ea typeface="Bookman Old Style" charset="0"/>
-                <a:cs typeface="Bookman Old Style" charset="0"/>
-              </a:rPr>
-              <a:t>)</a:t>
-            </a:r>
-            <a:endParaRPr lang="en-US" i="1" dirty="0" smtClean="0">
-              <a:latin typeface="Bookman Old Style" charset="0"/>
-              <a:ea typeface="Bookman Old Style" charset="0"/>
-              <a:cs typeface="Bookman Old Style" charset="0"/>
-            </a:endParaRPr>
-          </a:p>
-          <a:p>
-            <a:r>
-              <a:rPr lang="en-US" dirty="0" smtClean="0">
-                <a:latin typeface="Bookman Old Style" charset="0"/>
-                <a:ea typeface="Bookman Old Style" charset="0"/>
-                <a:cs typeface="Bookman Old Style" charset="0"/>
-              </a:rPr>
-              <a:t>Then created a visual representation with </a:t>
-            </a:r>
-            <a:r>
-              <a:rPr lang="en-US" dirty="0" smtClean="0">
-                <a:latin typeface="Bookman Old Style" charset="0"/>
-                <a:ea typeface="Bookman Old Style" charset="0"/>
-                <a:cs typeface="Bookman Old Style" charset="0"/>
-              </a:rPr>
-              <a:t>a 2-D </a:t>
-            </a:r>
-            <a:r>
-              <a:rPr lang="en-US" dirty="0" smtClean="0">
-                <a:latin typeface="Bookman Old Style" charset="0"/>
-                <a:ea typeface="Bookman Old Style" charset="0"/>
-                <a:cs typeface="Bookman Old Style" charset="0"/>
-              </a:rPr>
-              <a:t>plot</a:t>
-            </a:r>
-            <a:endParaRPr lang="en-US" dirty="0" smtClean="0">
-              <a:latin typeface="Bookman Old Style" charset="0"/>
-              <a:ea typeface="Bookman Old Style" charset="0"/>
-              <a:cs typeface="Bookman Old Style" charset="0"/>
-            </a:endParaRPr>
+              <a:t>Then created a visual representation with a 2-D plot</a:t>
+            </a:r>
           </a:p>
           <a:p>
             <a:pPr lvl="1"/>
@@ -9820,7 +9746,47 @@
                 <a:ea typeface="Bookman Old Style" charset="0"/>
                 <a:cs typeface="Bookman Old Style" charset="0"/>
               </a:rPr>
-              <a:t>However, there is no</a:t>
+              <a:t>However, there is no way to specify the desired number of clusters - clustering granularity is controlled using </a:t>
+            </a:r>
+            <a:r>
+              <a:rPr lang="en-US" dirty="0">
+                <a:latin typeface="Bookman Old Style" charset="0"/>
+                <a:ea typeface="Bookman Old Style" charset="0"/>
+                <a:cs typeface="Bookman Old Style" charset="0"/>
+              </a:rPr>
+              <a:t>the </a:t>
+            </a:r>
+            <a:r>
+              <a:rPr lang="en-US" dirty="0" err="1">
+                <a:latin typeface="Bookman Old Style" charset="0"/>
+                <a:ea typeface="Bookman Old Style" charset="0"/>
+                <a:cs typeface="Bookman Old Style" charset="0"/>
+              </a:rPr>
+              <a:t>normal.sigma</a:t>
+            </a:r>
+            <a:r>
+              <a:rPr lang="en-US" dirty="0">
+                <a:latin typeface="Bookman Old Style" charset="0"/>
+                <a:ea typeface="Bookman Old Style" charset="0"/>
+                <a:cs typeface="Bookman Old Style" charset="0"/>
+              </a:rPr>
+              <a:t> and </a:t>
+            </a:r>
+            <a:r>
+              <a:rPr lang="en-US" dirty="0" err="1">
+                <a:latin typeface="Bookman Old Style" charset="0"/>
+                <a:ea typeface="Bookman Old Style" charset="0"/>
+                <a:cs typeface="Bookman Old Style" charset="0"/>
+              </a:rPr>
+              <a:t>separation.factor</a:t>
+            </a:r>
+            <a:r>
+              <a:rPr lang="en-US" dirty="0">
+                <a:latin typeface="Bookman Old Style" charset="0"/>
+                <a:ea typeface="Bookman Old Style" charset="0"/>
+                <a:cs typeface="Bookman Old Style" charset="0"/>
+              </a:rPr>
+              <a:t> </a:t>
             </a:r>
             <a:r>
               <a:rPr lang="en-US" dirty="0" smtClean="0">
@@ -9828,61 +9794,8 @@
                 <a:ea typeface="Bookman Old Style" charset="0"/>
                 <a:cs typeface="Bookman Old Style" charset="0"/>
               </a:rPr>
-              <a:t> way to specify the desired number of clusters - clustering granularity is controlled using </a:t>
-            </a:r>
-            <a:r>
-              <a:rPr lang="en-US" dirty="0">
-                <a:latin typeface="Bookman Old Style" charset="0"/>
-                <a:ea typeface="Bookman Old Style" charset="0"/>
-                <a:cs typeface="Bookman Old Style" charset="0"/>
-              </a:rPr>
-              <a:t>the </a:t>
-            </a:r>
-            <a:r>
-              <a:rPr lang="en-US" dirty="0" err="1">
-                <a:latin typeface="Bookman Old Style" charset="0"/>
-                <a:ea typeface="Bookman Old Style" charset="0"/>
-                <a:cs typeface="Bookman Old Style" charset="0"/>
-              </a:rPr>
-              <a:t>normal.sigma</a:t>
-            </a:r>
-            <a:r>
-              <a:rPr lang="en-US" dirty="0">
-                <a:latin typeface="Bookman Old Style" charset="0"/>
-                <a:ea typeface="Bookman Old Style" charset="0"/>
-                <a:cs typeface="Bookman Old Style" charset="0"/>
-              </a:rPr>
-              <a:t> and </a:t>
-            </a:r>
-            <a:r>
-              <a:rPr lang="en-US" dirty="0" err="1">
-                <a:latin typeface="Bookman Old Style" charset="0"/>
-                <a:ea typeface="Bookman Old Style" charset="0"/>
-                <a:cs typeface="Bookman Old Style" charset="0"/>
-              </a:rPr>
-              <a:t>separation.factor</a:t>
-            </a:r>
-            <a:r>
-              <a:rPr lang="en-US" dirty="0">
-                <a:latin typeface="Bookman Old Style" charset="0"/>
-                <a:ea typeface="Bookman Old Style" charset="0"/>
-                <a:cs typeface="Bookman Old Style" charset="0"/>
-              </a:rPr>
-              <a:t> </a:t>
-            </a:r>
-            <a:r>
-              <a:rPr lang="en-US" dirty="0" smtClean="0">
-                <a:latin typeface="Bookman Old Style" charset="0"/>
-                <a:ea typeface="Bookman Old Style" charset="0"/>
-                <a:cs typeface="Bookman Old Style" charset="0"/>
-              </a:rPr>
               <a:t>values</a:t>
             </a:r>
-            <a:endParaRPr lang="en-US" dirty="0" smtClean="0">
-              <a:latin typeface="Bookman Old Style" charset="0"/>
-              <a:ea typeface="Bookman Old Style" charset="0"/>
-              <a:cs typeface="Bookman Old Style" charset="0"/>
-            </a:endParaRPr>
           </a:p>
           <a:p>
             <a:pPr lvl="1"/>
@@ -10326,15 +10239,7 @@
                 <a:ea typeface="Bookman Old Style" charset="0"/>
                 <a:cs typeface="Bookman Old Style" charset="0"/>
               </a:rPr>
-              <a:t>Due to the poor performance of the two spectral </a:t>
-            </a:r>
-            <a:r>
-              <a:rPr lang="en-US" dirty="0" smtClean="0">
-                <a:latin typeface="Bookman Old Style" charset="0"/>
-                <a:ea typeface="Bookman Old Style" charset="0"/>
-                <a:cs typeface="Bookman Old Style" charset="0"/>
-              </a:rPr>
-              <a:t>clustering algorithms, we decided to compare it to </a:t>
+              <a:t>Due to the poor performance of the two spectral clustering algorithms, we decided to compare it to </a:t>
             </a:r>
             <a:r>
               <a:rPr lang="en-US" dirty="0" err="1" smtClean="0">
@@ -11037,11 +10942,6 @@
               </a:rPr>
               <a:t>Performance</a:t>
             </a:r>
-            <a:endParaRPr lang="en-US" dirty="0" smtClean="0">
-              <a:latin typeface="Bookman Old Style" charset="0"/>
-              <a:ea typeface="Bookman Old Style" charset="0"/>
-              <a:cs typeface="Bookman Old Style" charset="0"/>
-            </a:endParaRPr>
           </a:p>
           <a:p>
             <a:pPr lvl="1"/>
